--- a/lectures/lecture_09-linear_time_invariant_systems/linear_time_invariant_systems.pptx
+++ b/lectures/lecture_09-linear_time_invariant_systems/linear_time_invariant_systems.pptx
@@ -5,10 +5,10 @@
     <p:sldMasterId id="2147483648" r:id="rId1"/>
   </p:sldMasterIdLst>
   <p:notesMasterIdLst>
-    <p:notesMasterId r:id="rId32"/>
+    <p:notesMasterId r:id="rId34"/>
   </p:notesMasterIdLst>
   <p:handoutMasterIdLst>
-    <p:handoutMasterId r:id="rId33"/>
+    <p:handoutMasterId r:id="rId35"/>
   </p:handoutMasterIdLst>
   <p:sldIdLst>
     <p:sldId id="256" r:id="rId2"/>
@@ -16,31 +16,33 @@
     <p:sldId id="544" r:id="rId4"/>
     <p:sldId id="433" r:id="rId5"/>
     <p:sldId id="502" r:id="rId6"/>
-    <p:sldId id="545" r:id="rId7"/>
-    <p:sldId id="551" r:id="rId8"/>
-    <p:sldId id="543" r:id="rId9"/>
-    <p:sldId id="547" r:id="rId10"/>
-    <p:sldId id="548" r:id="rId11"/>
-    <p:sldId id="550" r:id="rId12"/>
-    <p:sldId id="546" r:id="rId13"/>
-    <p:sldId id="549" r:id="rId14"/>
-    <p:sldId id="505" r:id="rId15"/>
-    <p:sldId id="510" r:id="rId16"/>
-    <p:sldId id="508" r:id="rId17"/>
-    <p:sldId id="494" r:id="rId18"/>
-    <p:sldId id="507" r:id="rId19"/>
-    <p:sldId id="529" r:id="rId20"/>
-    <p:sldId id="517" r:id="rId21"/>
-    <p:sldId id="512" r:id="rId22"/>
-    <p:sldId id="530" r:id="rId23"/>
-    <p:sldId id="531" r:id="rId24"/>
-    <p:sldId id="542" r:id="rId25"/>
-    <p:sldId id="537" r:id="rId26"/>
-    <p:sldId id="515" r:id="rId27"/>
-    <p:sldId id="538" r:id="rId28"/>
-    <p:sldId id="539" r:id="rId29"/>
-    <p:sldId id="540" r:id="rId30"/>
-    <p:sldId id="533" r:id="rId31"/>
+    <p:sldId id="552" r:id="rId7"/>
+    <p:sldId id="545" r:id="rId8"/>
+    <p:sldId id="551" r:id="rId9"/>
+    <p:sldId id="543" r:id="rId10"/>
+    <p:sldId id="547" r:id="rId11"/>
+    <p:sldId id="548" r:id="rId12"/>
+    <p:sldId id="550" r:id="rId13"/>
+    <p:sldId id="546" r:id="rId14"/>
+    <p:sldId id="549" r:id="rId15"/>
+    <p:sldId id="505" r:id="rId16"/>
+    <p:sldId id="510" r:id="rId17"/>
+    <p:sldId id="508" r:id="rId18"/>
+    <p:sldId id="494" r:id="rId19"/>
+    <p:sldId id="507" r:id="rId20"/>
+    <p:sldId id="529" r:id="rId21"/>
+    <p:sldId id="517" r:id="rId22"/>
+    <p:sldId id="512" r:id="rId23"/>
+    <p:sldId id="530" r:id="rId24"/>
+    <p:sldId id="531" r:id="rId25"/>
+    <p:sldId id="542" r:id="rId26"/>
+    <p:sldId id="537" r:id="rId27"/>
+    <p:sldId id="515" r:id="rId28"/>
+    <p:sldId id="538" r:id="rId29"/>
+    <p:sldId id="539" r:id="rId30"/>
+    <p:sldId id="540" r:id="rId31"/>
+    <p:sldId id="533" r:id="rId32"/>
+    <p:sldId id="553" r:id="rId33"/>
   </p:sldIdLst>
   <p:sldSz cx="9144000" cy="6858000" type="screen4x3"/>
   <p:notesSz cx="6858000" cy="9144000"/>
@@ -303,7 +305,7 @@
               <a:pPr>
                 <a:defRPr/>
               </a:pPr>
-              <a:t>1/26/24</a:t>
+              <a:t>2/5/24</a:t>
             </a:fld>
             <a:endParaRPr lang="en-US" altLang="x-none"/>
           </a:p>
@@ -512,7 +514,7 @@
               <a:pPr>
                 <a:defRPr/>
               </a:pPr>
-              <a:t>1/26/24</a:t>
+              <a:t>2/5/24</a:t>
             </a:fld>
             <a:endParaRPr lang="en-US" altLang="x-none"/>
           </a:p>
@@ -1085,7 +1087,7 @@
               <a:pPr>
                 <a:defRPr/>
               </a:pPr>
-              <a:t>29</a:t>
+              <a:t>30</a:t>
             </a:fld>
             <a:endParaRPr lang="en-US" altLang="x-none"/>
           </a:p>
@@ -5414,6 +5416,3130 @@
           <p:cNvPr id="2" name="Title 1">
             <a:extLst>
               <a:ext uri="{FF2B5EF4-FFF2-40B4-BE49-F238E27FC236}">
+                <a16:creationId xmlns:a16="http://schemas.microsoft.com/office/drawing/2014/main" id="{D51592E4-3471-9F60-C84A-D79746936686}"/>
+              </a:ext>
+            </a:extLst>
+          </p:cNvPr>
+          <p:cNvSpPr>
+            <a:spLocks noGrp="1"/>
+          </p:cNvSpPr>
+          <p:nvPr>
+            <p:ph type="title"/>
+          </p:nvPr>
+        </p:nvSpPr>
+        <p:spPr/>
+        <p:txBody>
+          <a:bodyPr/>
+          <a:lstStyle/>
+          <a:p>
+            <a:r>
+              <a:rPr lang="en-US" dirty="0"/>
+              <a:t>Shifting in time</a:t>
+            </a:r>
+          </a:p>
+        </p:txBody>
+      </p:sp>
+      <p:sp>
+        <p:nvSpPr>
+          <p:cNvPr id="4" name="Slide Number Placeholder 3">
+            <a:extLst>
+              <a:ext uri="{FF2B5EF4-FFF2-40B4-BE49-F238E27FC236}">
+                <a16:creationId xmlns:a16="http://schemas.microsoft.com/office/drawing/2014/main" id="{6F0C7E17-784F-BA40-0EC2-178A21827DFE}"/>
+              </a:ext>
+            </a:extLst>
+          </p:cNvPr>
+          <p:cNvSpPr>
+            <a:spLocks noGrp="1"/>
+          </p:cNvSpPr>
+          <p:nvPr>
+            <p:ph type="sldNum" sz="quarter" idx="11"/>
+          </p:nvPr>
+        </p:nvSpPr>
+        <p:spPr/>
+        <p:txBody>
+          <a:bodyPr/>
+          <a:lstStyle/>
+          <a:p>
+            <a:pPr>
+              <a:defRPr/>
+            </a:pPr>
+            <a:fld id="{3EF4E9CC-9D91-476E-91FD-5BEEC1642931}" type="slidenum">
+              <a:rPr lang="en-US" altLang="x-none" smtClean="0"/>
+              <a:pPr>
+                <a:defRPr/>
+              </a:pPr>
+              <a:t>10</a:t>
+            </a:fld>
+            <a:endParaRPr lang="en-US" altLang="x-none"/>
+          </a:p>
+        </p:txBody>
+      </p:sp>
+      <mc:AlternateContent xmlns:mc="http://schemas.openxmlformats.org/markup-compatibility/2006" xmlns:a14="http://schemas.microsoft.com/office/drawing/2010/main">
+        <mc:Choice Requires="a14">
+          <p:sp>
+            <p:nvSpPr>
+              <p:cNvPr id="32" name="TextBox 31">
+                <a:extLst>
+                  <a:ext uri="{FF2B5EF4-FFF2-40B4-BE49-F238E27FC236}">
+                    <a16:creationId xmlns:a16="http://schemas.microsoft.com/office/drawing/2014/main" id="{8CBAF050-5391-FF14-8A9C-EF31A3D5CC72}"/>
+                  </a:ext>
+                </a:extLst>
+              </p:cNvPr>
+              <p:cNvSpPr txBox="1"/>
+              <p:nvPr/>
+            </p:nvSpPr>
+            <p:spPr>
+              <a:xfrm>
+                <a:off x="592741" y="4304040"/>
+                <a:ext cx="8090452" cy="369332"/>
+              </a:xfrm>
+              <a:prstGeom prst="rect">
+                <a:avLst/>
+              </a:prstGeom>
+              <a:noFill/>
+            </p:spPr>
+            <p:txBody>
+              <a:bodyPr wrap="square" rtlCol="0">
+                <a:spAutoFit/>
+              </a:bodyPr>
+              <a:lstStyle/>
+              <a:p>
+                <a:r>
+                  <a:rPr lang="en-US" dirty="0"/>
+                  <a:t>Let </a:t>
+                </a:r>
+                <a14:m>
+                  <m:oMath xmlns:m="http://schemas.openxmlformats.org/officeDocument/2006/math">
+                    <m:sSup>
+                      <m:sSupPr>
+                        <m:ctrlPr>
+                          <a:rPr lang="en-US" b="0" i="1" smtClean="0">
+                            <a:latin typeface="Cambria Math" panose="02040503050406030204" pitchFamily="18" charset="0"/>
+                          </a:rPr>
+                        </m:ctrlPr>
+                      </m:sSupPr>
+                      <m:e>
+                        <m:r>
+                          <a:rPr lang="en-US" b="0" i="1" smtClean="0">
+                            <a:latin typeface="Cambria Math" panose="02040503050406030204" pitchFamily="18" charset="0"/>
+                          </a:rPr>
+                          <m:t>𝑌</m:t>
+                        </m:r>
+                      </m:e>
+                      <m:sup>
+                        <m:r>
+                          <a:rPr lang="en-US" b="0" i="1" smtClean="0">
+                            <a:latin typeface="Cambria Math" panose="02040503050406030204" pitchFamily="18" charset="0"/>
+                          </a:rPr>
+                          <m:t>′</m:t>
+                        </m:r>
+                      </m:sup>
+                    </m:sSup>
+                    <m:r>
+                      <a:rPr lang="en-US" b="0" i="1" smtClean="0">
+                        <a:latin typeface="Cambria Math" panose="02040503050406030204" pitchFamily="18" charset="0"/>
+                      </a:rPr>
+                      <m:t>(</m:t>
+                    </m:r>
+                    <m:r>
+                      <a:rPr lang="en-US" b="0" i="1" smtClean="0">
+                        <a:latin typeface="Cambria Math" panose="02040503050406030204" pitchFamily="18" charset="0"/>
+                      </a:rPr>
+                      <m:t>𝑧</m:t>
+                    </m:r>
+                    <m:r>
+                      <a:rPr lang="en-US" b="0" i="1" smtClean="0">
+                        <a:latin typeface="Cambria Math" panose="02040503050406030204" pitchFamily="18" charset="0"/>
+                      </a:rPr>
+                      <m:t>)</m:t>
+                    </m:r>
+                  </m:oMath>
+                </a14:m>
+                <a:r>
+                  <a:rPr lang="en-US" dirty="0"/>
+                  <a:t> the z-transform of </a:t>
+                </a:r>
+                <a14:m>
+                  <m:oMath xmlns:m="http://schemas.openxmlformats.org/officeDocument/2006/math">
+                    <m:r>
+                      <a:rPr lang="en-US" i="1">
+                        <a:latin typeface="Cambria Math" panose="02040503050406030204" pitchFamily="18" charset="0"/>
+                      </a:rPr>
+                      <m:t>𝑌</m:t>
+                    </m:r>
+                    <m:d>
+                      <m:dPr>
+                        <m:ctrlPr>
+                          <a:rPr lang="en-US" i="1">
+                            <a:latin typeface="Cambria Math" panose="02040503050406030204" pitchFamily="18" charset="0"/>
+                          </a:rPr>
+                        </m:ctrlPr>
+                      </m:dPr>
+                      <m:e>
+                        <m:r>
+                          <a:rPr lang="en-US" i="1">
+                            <a:latin typeface="Cambria Math" panose="02040503050406030204" pitchFamily="18" charset="0"/>
+                          </a:rPr>
+                          <m:t>𝑧</m:t>
+                        </m:r>
+                      </m:e>
+                    </m:d>
+                  </m:oMath>
+                </a14:m>
+                <a:r>
+                  <a:rPr lang="en-US" dirty="0"/>
+                  <a:t>, delayed by one time unit</a:t>
+                </a:r>
+              </a:p>
+            </p:txBody>
+          </p:sp>
+        </mc:Choice>
+        <mc:Fallback xmlns="">
+          <p:sp>
+            <p:nvSpPr>
+              <p:cNvPr id="32" name="TextBox 31">
+                <a:extLst>
+                  <a:ext uri="{FF2B5EF4-FFF2-40B4-BE49-F238E27FC236}">
+                    <a16:creationId xmlns:a16="http://schemas.microsoft.com/office/drawing/2014/main" id="{8CBAF050-5391-FF14-8A9C-EF31A3D5CC72}"/>
+                  </a:ext>
+                </a:extLst>
+              </p:cNvPr>
+              <p:cNvSpPr txBox="1">
+                <a:spLocks noRot="1" noChangeAspect="1" noMove="1" noResize="1" noEditPoints="1" noAdjustHandles="1" noChangeArrowheads="1" noChangeShapeType="1" noTextEdit="1"/>
+              </p:cNvSpPr>
+              <p:nvPr/>
+            </p:nvSpPr>
+            <p:spPr>
+              <a:xfrm>
+                <a:off x="592741" y="4304040"/>
+                <a:ext cx="8090452" cy="369332"/>
+              </a:xfrm>
+              <a:prstGeom prst="rect">
+                <a:avLst/>
+              </a:prstGeom>
+              <a:blipFill>
+                <a:blip r:embed="rId2"/>
+                <a:stretch>
+                  <a:fillRect l="-627" t="-6452" b="-22581"/>
+                </a:stretch>
+              </a:blipFill>
+            </p:spPr>
+            <p:txBody>
+              <a:bodyPr/>
+              <a:lstStyle/>
+              <a:p>
+                <a:r>
+                  <a:rPr lang="en-US">
+                    <a:noFill/>
+                  </a:rPr>
+                  <a:t> </a:t>
+                </a:r>
+              </a:p>
+            </p:txBody>
+          </p:sp>
+        </mc:Fallback>
+      </mc:AlternateContent>
+      <mc:AlternateContent xmlns:mc="http://schemas.openxmlformats.org/markup-compatibility/2006" xmlns:a14="http://schemas.microsoft.com/office/drawing/2010/main">
+        <mc:Choice Requires="a14">
+          <p:sp>
+            <p:nvSpPr>
+              <p:cNvPr id="33" name="TextBox 32">
+                <a:extLst>
+                  <a:ext uri="{FF2B5EF4-FFF2-40B4-BE49-F238E27FC236}">
+                    <a16:creationId xmlns:a16="http://schemas.microsoft.com/office/drawing/2014/main" id="{D65E2989-52E1-03E2-0D07-255CBA4FE555}"/>
+                  </a:ext>
+                </a:extLst>
+              </p:cNvPr>
+              <p:cNvSpPr txBox="1"/>
+              <p:nvPr/>
+            </p:nvSpPr>
+            <p:spPr>
+              <a:xfrm>
+                <a:off x="549798" y="4816703"/>
+                <a:ext cx="7919604" cy="280077"/>
+              </a:xfrm>
+              <a:prstGeom prst="rect">
+                <a:avLst/>
+              </a:prstGeom>
+              <a:noFill/>
+            </p:spPr>
+            <p:txBody>
+              <a:bodyPr wrap="none" lIns="0" tIns="0" rIns="0" bIns="0" rtlCol="0">
+                <a:spAutoFit/>
+              </a:bodyPr>
+              <a:lstStyle/>
+              <a:p>
+                <a:pPr/>
+                <a14:m>
+                  <m:oMathPara xmlns:m="http://schemas.openxmlformats.org/officeDocument/2006/math">
+                    <m:oMathParaPr>
+                      <m:jc m:val="centerGroup"/>
+                    </m:oMathParaPr>
+                    <m:oMath xmlns:m="http://schemas.openxmlformats.org/officeDocument/2006/math">
+                      <m:sSup>
+                        <m:sSupPr>
+                          <m:ctrlPr>
+                            <a:rPr lang="en-US" b="0" i="1" smtClean="0">
+                              <a:latin typeface="Cambria Math" panose="02040503050406030204" pitchFamily="18" charset="0"/>
+                            </a:rPr>
+                          </m:ctrlPr>
+                        </m:sSupPr>
+                        <m:e>
+                          <m:r>
+                            <a:rPr lang="en-US" b="0" i="1" smtClean="0">
+                              <a:latin typeface="Cambria Math" panose="02040503050406030204" pitchFamily="18" charset="0"/>
+                            </a:rPr>
+                            <m:t>𝑌</m:t>
+                          </m:r>
+                        </m:e>
+                        <m:sup>
+                          <m:r>
+                            <a:rPr lang="en-US" b="0" i="1" smtClean="0">
+                              <a:latin typeface="Cambria Math" panose="02040503050406030204" pitchFamily="18" charset="0"/>
+                            </a:rPr>
+                            <m:t>′</m:t>
+                          </m:r>
+                        </m:sup>
+                      </m:sSup>
+                      <m:d>
+                        <m:dPr>
+                          <m:ctrlPr>
+                            <a:rPr lang="en-US" b="0" i="1" smtClean="0">
+                              <a:latin typeface="Cambria Math" panose="02040503050406030204" pitchFamily="18" charset="0"/>
+                            </a:rPr>
+                          </m:ctrlPr>
+                        </m:dPr>
+                        <m:e>
+                          <m:r>
+                            <a:rPr lang="en-US" b="0" i="1" smtClean="0">
+                              <a:latin typeface="Cambria Math" panose="02040503050406030204" pitchFamily="18" charset="0"/>
+                            </a:rPr>
+                            <m:t>𝑧</m:t>
+                          </m:r>
+                        </m:e>
+                      </m:d>
+                      <m:r>
+                        <a:rPr lang="en-US" b="0" i="1" smtClean="0">
+                          <a:latin typeface="Cambria Math" panose="02040503050406030204" pitchFamily="18" charset="0"/>
+                        </a:rPr>
+                        <m:t>=</m:t>
+                      </m:r>
+                      <m:r>
+                        <a:rPr lang="en-US" i="1">
+                          <a:latin typeface="Cambria Math" panose="02040503050406030204" pitchFamily="18" charset="0"/>
+                        </a:rPr>
+                        <m:t>5</m:t>
+                      </m:r>
+                      <m:sSup>
+                        <m:sSupPr>
+                          <m:ctrlPr>
+                            <a:rPr lang="en-US" i="1">
+                              <a:latin typeface="Cambria Math" panose="02040503050406030204" pitchFamily="18" charset="0"/>
+                            </a:rPr>
+                          </m:ctrlPr>
+                        </m:sSupPr>
+                        <m:e>
+                          <m:r>
+                            <a:rPr lang="en-US" i="1">
+                              <a:latin typeface="Cambria Math" panose="02040503050406030204" pitchFamily="18" charset="0"/>
+                            </a:rPr>
+                            <m:t>𝑧</m:t>
+                          </m:r>
+                        </m:e>
+                        <m:sup>
+                          <m:r>
+                            <a:rPr lang="en-US" i="1">
+                              <a:latin typeface="Cambria Math" panose="02040503050406030204" pitchFamily="18" charset="0"/>
+                            </a:rPr>
+                            <m:t>−1</m:t>
+                          </m:r>
+                        </m:sup>
+                      </m:sSup>
+                      <m:r>
+                        <a:rPr lang="en-US" i="1">
+                          <a:latin typeface="Cambria Math" panose="02040503050406030204" pitchFamily="18" charset="0"/>
+                        </a:rPr>
+                        <m:t>+10.1</m:t>
+                      </m:r>
+                      <m:sSup>
+                        <m:sSupPr>
+                          <m:ctrlPr>
+                            <a:rPr lang="en-US" i="1">
+                              <a:latin typeface="Cambria Math" panose="02040503050406030204" pitchFamily="18" charset="0"/>
+                            </a:rPr>
+                          </m:ctrlPr>
+                        </m:sSupPr>
+                        <m:e>
+                          <m:r>
+                            <a:rPr lang="en-US" i="1">
+                              <a:latin typeface="Cambria Math" panose="02040503050406030204" pitchFamily="18" charset="0"/>
+                            </a:rPr>
+                            <m:t>𝑧</m:t>
+                          </m:r>
+                        </m:e>
+                        <m:sup>
+                          <m:r>
+                            <a:rPr lang="en-US" i="1">
+                              <a:latin typeface="Cambria Math" panose="02040503050406030204" pitchFamily="18" charset="0"/>
+                            </a:rPr>
+                            <m:t>−2</m:t>
+                          </m:r>
+                        </m:sup>
+                      </m:sSup>
+                      <m:r>
+                        <a:rPr lang="en-US" i="1">
+                          <a:latin typeface="Cambria Math" panose="02040503050406030204" pitchFamily="18" charset="0"/>
+                        </a:rPr>
+                        <m:t>+20</m:t>
+                      </m:r>
+                      <m:sSup>
+                        <m:sSupPr>
+                          <m:ctrlPr>
+                            <a:rPr lang="en-US" i="1">
+                              <a:latin typeface="Cambria Math" panose="02040503050406030204" pitchFamily="18" charset="0"/>
+                            </a:rPr>
+                          </m:ctrlPr>
+                        </m:sSupPr>
+                        <m:e>
+                          <m:r>
+                            <a:rPr lang="en-US" i="1">
+                              <a:latin typeface="Cambria Math" panose="02040503050406030204" pitchFamily="18" charset="0"/>
+                            </a:rPr>
+                            <m:t>.03</m:t>
+                          </m:r>
+                          <m:r>
+                            <a:rPr lang="en-US" i="1">
+                              <a:latin typeface="Cambria Math" panose="02040503050406030204" pitchFamily="18" charset="0"/>
+                            </a:rPr>
+                            <m:t>𝑧</m:t>
+                          </m:r>
+                        </m:e>
+                        <m:sup>
+                          <m:r>
+                            <a:rPr lang="en-US" i="1">
+                              <a:latin typeface="Cambria Math" panose="02040503050406030204" pitchFamily="18" charset="0"/>
+                            </a:rPr>
+                            <m:t>−3</m:t>
+                          </m:r>
+                        </m:sup>
+                      </m:sSup>
+                      <m:r>
+                        <a:rPr lang="en-US" i="1">
+                          <a:latin typeface="Cambria Math" panose="02040503050406030204" pitchFamily="18" charset="0"/>
+                        </a:rPr>
+                        <m:t>+15 </m:t>
+                      </m:r>
+                      <m:sSup>
+                        <m:sSupPr>
+                          <m:ctrlPr>
+                            <a:rPr lang="en-US" i="1">
+                              <a:latin typeface="Cambria Math" panose="02040503050406030204" pitchFamily="18" charset="0"/>
+                            </a:rPr>
+                          </m:ctrlPr>
+                        </m:sSupPr>
+                        <m:e>
+                          <m:r>
+                            <a:rPr lang="en-US" i="1">
+                              <a:latin typeface="Cambria Math" panose="02040503050406030204" pitchFamily="18" charset="0"/>
+                            </a:rPr>
+                            <m:t>𝑧</m:t>
+                          </m:r>
+                        </m:e>
+                        <m:sup>
+                          <m:r>
+                            <a:rPr lang="en-US" i="1">
+                              <a:latin typeface="Cambria Math" panose="02040503050406030204" pitchFamily="18" charset="0"/>
+                            </a:rPr>
+                            <m:t>−4</m:t>
+                          </m:r>
+                        </m:sup>
+                      </m:sSup>
+                      <m:r>
+                        <a:rPr lang="en-US" i="1">
+                          <a:latin typeface="Cambria Math" panose="02040503050406030204" pitchFamily="18" charset="0"/>
+                        </a:rPr>
+                        <m:t>+30 </m:t>
+                      </m:r>
+                      <m:sSup>
+                        <m:sSupPr>
+                          <m:ctrlPr>
+                            <a:rPr lang="en-US" i="1">
+                              <a:latin typeface="Cambria Math" panose="02040503050406030204" pitchFamily="18" charset="0"/>
+                            </a:rPr>
+                          </m:ctrlPr>
+                        </m:sSupPr>
+                        <m:e>
+                          <m:r>
+                            <a:rPr lang="en-US" i="1">
+                              <a:latin typeface="Cambria Math" panose="02040503050406030204" pitchFamily="18" charset="0"/>
+                            </a:rPr>
+                            <m:t>𝑧</m:t>
+                          </m:r>
+                        </m:e>
+                        <m:sup>
+                          <m:r>
+                            <a:rPr lang="en-US" i="1">
+                              <a:latin typeface="Cambria Math" panose="02040503050406030204" pitchFamily="18" charset="0"/>
+                            </a:rPr>
+                            <m:t>−5</m:t>
+                          </m:r>
+                        </m:sup>
+                      </m:sSup>
+                      <m:r>
+                        <a:rPr lang="en-US" i="1">
+                          <a:latin typeface="Cambria Math" panose="02040503050406030204" pitchFamily="18" charset="0"/>
+                        </a:rPr>
+                        <m:t>+11.11</m:t>
+                      </m:r>
+                      <m:sSup>
+                        <m:sSupPr>
+                          <m:ctrlPr>
+                            <a:rPr lang="en-US" i="1">
+                              <a:latin typeface="Cambria Math" panose="02040503050406030204" pitchFamily="18" charset="0"/>
+                            </a:rPr>
+                          </m:ctrlPr>
+                        </m:sSupPr>
+                        <m:e>
+                          <m:r>
+                            <a:rPr lang="en-US" i="1">
+                              <a:latin typeface="Cambria Math" panose="02040503050406030204" pitchFamily="18" charset="0"/>
+                            </a:rPr>
+                            <m:t>𝑧</m:t>
+                          </m:r>
+                        </m:e>
+                        <m:sup>
+                          <m:r>
+                            <a:rPr lang="en-US" i="1">
+                              <a:latin typeface="Cambria Math" panose="02040503050406030204" pitchFamily="18" charset="0"/>
+                            </a:rPr>
+                            <m:t>−6</m:t>
+                          </m:r>
+                        </m:sup>
+                      </m:sSup>
+                      <m:r>
+                        <a:rPr lang="en-US" b="0" i="1" smtClean="0">
+                          <a:latin typeface="Cambria Math" panose="02040503050406030204" pitchFamily="18" charset="0"/>
+                        </a:rPr>
+                        <m:t>=</m:t>
+                      </m:r>
+                      <m:sSup>
+                        <m:sSupPr>
+                          <m:ctrlPr>
+                            <a:rPr lang="en-US" b="0" i="1" smtClean="0">
+                              <a:latin typeface="Cambria Math" panose="02040503050406030204" pitchFamily="18" charset="0"/>
+                            </a:rPr>
+                          </m:ctrlPr>
+                        </m:sSupPr>
+                        <m:e>
+                          <m:r>
+                            <a:rPr lang="en-US" b="0" i="1" smtClean="0">
+                              <a:latin typeface="Cambria Math" panose="02040503050406030204" pitchFamily="18" charset="0"/>
+                            </a:rPr>
+                            <m:t>𝑧</m:t>
+                          </m:r>
+                        </m:e>
+                        <m:sup>
+                          <m:r>
+                            <a:rPr lang="en-US" b="0" i="1" smtClean="0">
+                              <a:latin typeface="Cambria Math" panose="02040503050406030204" pitchFamily="18" charset="0"/>
+                            </a:rPr>
+                            <m:t>−1</m:t>
+                          </m:r>
+                        </m:sup>
+                      </m:sSup>
+                      <m:r>
+                        <a:rPr lang="en-US" b="0" i="1" smtClean="0">
+                          <a:latin typeface="Cambria Math" panose="02040503050406030204" pitchFamily="18" charset="0"/>
+                        </a:rPr>
+                        <m:t>𝑌</m:t>
+                      </m:r>
+                      <m:r>
+                        <a:rPr lang="en-US" b="0" i="1" smtClean="0">
+                          <a:latin typeface="Cambria Math" panose="02040503050406030204" pitchFamily="18" charset="0"/>
+                        </a:rPr>
+                        <m:t>(</m:t>
+                      </m:r>
+                      <m:r>
+                        <a:rPr lang="en-US" b="0" i="1" smtClean="0">
+                          <a:latin typeface="Cambria Math" panose="02040503050406030204" pitchFamily="18" charset="0"/>
+                        </a:rPr>
+                        <m:t>𝑧</m:t>
+                      </m:r>
+                      <m:r>
+                        <a:rPr lang="en-US" b="0" i="1" smtClean="0">
+                          <a:latin typeface="Cambria Math" panose="02040503050406030204" pitchFamily="18" charset="0"/>
+                        </a:rPr>
+                        <m:t>)</m:t>
+                      </m:r>
+                    </m:oMath>
+                  </m:oMathPara>
+                </a14:m>
+                <a:endParaRPr lang="en-US" b="0" dirty="0"/>
+              </a:p>
+            </p:txBody>
+          </p:sp>
+        </mc:Choice>
+        <mc:Fallback xmlns="">
+          <p:sp>
+            <p:nvSpPr>
+              <p:cNvPr id="33" name="TextBox 32">
+                <a:extLst>
+                  <a:ext uri="{FF2B5EF4-FFF2-40B4-BE49-F238E27FC236}">
+                    <a16:creationId xmlns:a16="http://schemas.microsoft.com/office/drawing/2014/main" id="{D65E2989-52E1-03E2-0D07-255CBA4FE555}"/>
+                  </a:ext>
+                </a:extLst>
+              </p:cNvPr>
+              <p:cNvSpPr txBox="1">
+                <a:spLocks noRot="1" noChangeAspect="1" noMove="1" noResize="1" noEditPoints="1" noAdjustHandles="1" noChangeArrowheads="1" noChangeShapeType="1" noTextEdit="1"/>
+              </p:cNvSpPr>
+              <p:nvPr/>
+            </p:nvSpPr>
+            <p:spPr>
+              <a:xfrm>
+                <a:off x="549798" y="4816703"/>
+                <a:ext cx="7919604" cy="280077"/>
+              </a:xfrm>
+              <a:prstGeom prst="rect">
+                <a:avLst/>
+              </a:prstGeom>
+              <a:blipFill>
+                <a:blip r:embed="rId3"/>
+                <a:stretch>
+                  <a:fillRect t="-4348" b="-39130"/>
+                </a:stretch>
+              </a:blipFill>
+            </p:spPr>
+            <p:txBody>
+              <a:bodyPr/>
+              <a:lstStyle/>
+              <a:p>
+                <a:r>
+                  <a:rPr lang="en-US">
+                    <a:noFill/>
+                  </a:rPr>
+                  <a:t> </a:t>
+                </a:r>
+              </a:p>
+            </p:txBody>
+          </p:sp>
+        </mc:Fallback>
+      </mc:AlternateContent>
+      <p:graphicFrame>
+        <p:nvGraphicFramePr>
+          <p:cNvPr id="5" name="Table 4">
+            <a:extLst>
+              <a:ext uri="{FF2B5EF4-FFF2-40B4-BE49-F238E27FC236}">
+                <a16:creationId xmlns:a16="http://schemas.microsoft.com/office/drawing/2014/main" id="{842F512D-3188-43CC-603F-71BB6050BCD1}"/>
+              </a:ext>
+            </a:extLst>
+          </p:cNvPr>
+          <p:cNvGraphicFramePr>
+            <a:graphicFrameLocks noGrp="1"/>
+          </p:cNvGraphicFramePr>
+          <p:nvPr>
+            <p:extLst>
+              <p:ext uri="{D42A27DB-BD31-4B8C-83A1-F6EECF244321}">
+                <p14:modId xmlns:p14="http://schemas.microsoft.com/office/powerpoint/2010/main" val="601188823"/>
+              </p:ext>
+            </p:extLst>
+          </p:nvPr>
+        </p:nvGraphicFramePr>
+        <p:xfrm>
+          <a:off x="2407870" y="924565"/>
+          <a:ext cx="6095999" cy="741680"/>
+        </p:xfrm>
+        <a:graphic>
+          <a:graphicData uri="http://schemas.openxmlformats.org/drawingml/2006/table">
+            <a:tbl>
+              <a:tblPr firstRow="1" bandRow="1">
+                <a:tableStyleId>{5C22544A-7EE6-4342-B048-85BDC9FD1C3A}</a:tableStyleId>
+              </a:tblPr>
+              <a:tblGrid>
+                <a:gridCol w="870857">
+                  <a:extLst>
+                    <a:ext uri="{9D8B030D-6E8A-4147-A177-3AD203B41FA5}">
+                      <a16:colId xmlns:a16="http://schemas.microsoft.com/office/drawing/2014/main" val="2730191597"/>
+                    </a:ext>
+                  </a:extLst>
+                </a:gridCol>
+                <a:gridCol w="870857">
+                  <a:extLst>
+                    <a:ext uri="{9D8B030D-6E8A-4147-A177-3AD203B41FA5}">
+                      <a16:colId xmlns:a16="http://schemas.microsoft.com/office/drawing/2014/main" val="1731637243"/>
+                    </a:ext>
+                  </a:extLst>
+                </a:gridCol>
+                <a:gridCol w="870857">
+                  <a:extLst>
+                    <a:ext uri="{9D8B030D-6E8A-4147-A177-3AD203B41FA5}">
+                      <a16:colId xmlns:a16="http://schemas.microsoft.com/office/drawing/2014/main" val="2191389342"/>
+                    </a:ext>
+                  </a:extLst>
+                </a:gridCol>
+                <a:gridCol w="870857">
+                  <a:extLst>
+                    <a:ext uri="{9D8B030D-6E8A-4147-A177-3AD203B41FA5}">
+                      <a16:colId xmlns:a16="http://schemas.microsoft.com/office/drawing/2014/main" val="1784038227"/>
+                    </a:ext>
+                  </a:extLst>
+                </a:gridCol>
+                <a:gridCol w="870857">
+                  <a:extLst>
+                    <a:ext uri="{9D8B030D-6E8A-4147-A177-3AD203B41FA5}">
+                      <a16:colId xmlns:a16="http://schemas.microsoft.com/office/drawing/2014/main" val="3344840454"/>
+                    </a:ext>
+                  </a:extLst>
+                </a:gridCol>
+                <a:gridCol w="870857">
+                  <a:extLst>
+                    <a:ext uri="{9D8B030D-6E8A-4147-A177-3AD203B41FA5}">
+                      <a16:colId xmlns:a16="http://schemas.microsoft.com/office/drawing/2014/main" val="3194837852"/>
+                    </a:ext>
+                  </a:extLst>
+                </a:gridCol>
+                <a:gridCol w="870857">
+                  <a:extLst>
+                    <a:ext uri="{9D8B030D-6E8A-4147-A177-3AD203B41FA5}">
+                      <a16:colId xmlns:a16="http://schemas.microsoft.com/office/drawing/2014/main" val="4139220557"/>
+                    </a:ext>
+                  </a:extLst>
+                </a:gridCol>
+              </a:tblGrid>
+              <a:tr h="370840">
+                <a:tc>
+                  <a:txBody>
+                    <a:bodyPr/>
+                    <a:lstStyle/>
+                    <a:p>
+                      <a:pPr algn="ctr"/>
+                      <a:r>
+                        <a:rPr lang="en-US" b="1" i="1" dirty="0"/>
+                        <a:t>k</a:t>
+                      </a:r>
+                    </a:p>
+                  </a:txBody>
+                  <a:tcPr/>
+                </a:tc>
+                <a:tc>
+                  <a:txBody>
+                    <a:bodyPr/>
+                    <a:lstStyle/>
+                    <a:p>
+                      <a:pPr algn="ctr"/>
+                      <a:r>
+                        <a:rPr lang="en-US" dirty="0"/>
+                        <a:t>0</a:t>
+                      </a:r>
+                    </a:p>
+                  </a:txBody>
+                  <a:tcPr/>
+                </a:tc>
+                <a:tc>
+                  <a:txBody>
+                    <a:bodyPr/>
+                    <a:lstStyle/>
+                    <a:p>
+                      <a:pPr algn="ctr"/>
+                      <a:r>
+                        <a:rPr lang="en-US" dirty="0"/>
+                        <a:t>1</a:t>
+                      </a:r>
+                    </a:p>
+                  </a:txBody>
+                  <a:tcPr/>
+                </a:tc>
+                <a:tc>
+                  <a:txBody>
+                    <a:bodyPr/>
+                    <a:lstStyle/>
+                    <a:p>
+                      <a:pPr algn="ctr"/>
+                      <a:r>
+                        <a:rPr lang="en-US" dirty="0"/>
+                        <a:t>2</a:t>
+                      </a:r>
+                    </a:p>
+                  </a:txBody>
+                  <a:tcPr/>
+                </a:tc>
+                <a:tc>
+                  <a:txBody>
+                    <a:bodyPr/>
+                    <a:lstStyle/>
+                    <a:p>
+                      <a:pPr algn="ctr"/>
+                      <a:r>
+                        <a:rPr lang="en-US" dirty="0"/>
+                        <a:t>3</a:t>
+                      </a:r>
+                    </a:p>
+                  </a:txBody>
+                  <a:tcPr/>
+                </a:tc>
+                <a:tc>
+                  <a:txBody>
+                    <a:bodyPr/>
+                    <a:lstStyle/>
+                    <a:p>
+                      <a:pPr algn="ctr"/>
+                      <a:r>
+                        <a:rPr lang="en-US" dirty="0"/>
+                        <a:t>4</a:t>
+                      </a:r>
+                    </a:p>
+                  </a:txBody>
+                  <a:tcPr/>
+                </a:tc>
+                <a:tc>
+                  <a:txBody>
+                    <a:bodyPr/>
+                    <a:lstStyle/>
+                    <a:p>
+                      <a:pPr algn="ctr"/>
+                      <a:r>
+                        <a:rPr lang="en-US" dirty="0"/>
+                        <a:t>5</a:t>
+                      </a:r>
+                    </a:p>
+                  </a:txBody>
+                  <a:tcPr/>
+                </a:tc>
+                <a:extLst>
+                  <a:ext uri="{0D108BD9-81ED-4DB2-BD59-A6C34878D82A}">
+                    <a16:rowId xmlns:a16="http://schemas.microsoft.com/office/drawing/2014/main" val="3243667252"/>
+                  </a:ext>
+                </a:extLst>
+              </a:tr>
+              <a:tr h="370840">
+                <a:tc>
+                  <a:txBody>
+                    <a:bodyPr/>
+                    <a:lstStyle/>
+                    <a:p>
+                      <a:pPr algn="ctr"/>
+                      <a:r>
+                        <a:rPr lang="en-US" b="1" i="1" dirty="0"/>
+                        <a:t>y</a:t>
+                      </a:r>
+                    </a:p>
+                  </a:txBody>
+                  <a:tcPr/>
+                </a:tc>
+                <a:tc>
+                  <a:txBody>
+                    <a:bodyPr/>
+                    <a:lstStyle/>
+                    <a:p>
+                      <a:pPr algn="ctr"/>
+                      <a:r>
+                        <a:rPr lang="en-US" dirty="0"/>
+                        <a:t>5</a:t>
+                      </a:r>
+                    </a:p>
+                  </a:txBody>
+                  <a:tcPr/>
+                </a:tc>
+                <a:tc>
+                  <a:txBody>
+                    <a:bodyPr/>
+                    <a:lstStyle/>
+                    <a:p>
+                      <a:pPr algn="ctr"/>
+                      <a:r>
+                        <a:rPr lang="en-US" dirty="0"/>
+                        <a:t>10.1</a:t>
+                      </a:r>
+                    </a:p>
+                  </a:txBody>
+                  <a:tcPr/>
+                </a:tc>
+                <a:tc>
+                  <a:txBody>
+                    <a:bodyPr/>
+                    <a:lstStyle/>
+                    <a:p>
+                      <a:pPr algn="ctr"/>
+                      <a:r>
+                        <a:rPr lang="en-US" dirty="0"/>
+                        <a:t>20.03</a:t>
+                      </a:r>
+                    </a:p>
+                  </a:txBody>
+                  <a:tcPr/>
+                </a:tc>
+                <a:tc>
+                  <a:txBody>
+                    <a:bodyPr/>
+                    <a:lstStyle/>
+                    <a:p>
+                      <a:pPr algn="ctr"/>
+                      <a:r>
+                        <a:rPr lang="en-US" dirty="0"/>
+                        <a:t>15</a:t>
+                      </a:r>
+                    </a:p>
+                  </a:txBody>
+                  <a:tcPr/>
+                </a:tc>
+                <a:tc>
+                  <a:txBody>
+                    <a:bodyPr/>
+                    <a:lstStyle/>
+                    <a:p>
+                      <a:pPr algn="ctr"/>
+                      <a:r>
+                        <a:rPr lang="en-US" dirty="0"/>
+                        <a:t>30</a:t>
+                      </a:r>
+                    </a:p>
+                  </a:txBody>
+                  <a:tcPr/>
+                </a:tc>
+                <a:tc>
+                  <a:txBody>
+                    <a:bodyPr/>
+                    <a:lstStyle/>
+                    <a:p>
+                      <a:pPr algn="ctr"/>
+                      <a:r>
+                        <a:rPr lang="en-US" dirty="0"/>
+                        <a:t>11.11</a:t>
+                      </a:r>
+                    </a:p>
+                  </a:txBody>
+                  <a:tcPr/>
+                </a:tc>
+                <a:extLst>
+                  <a:ext uri="{0D108BD9-81ED-4DB2-BD59-A6C34878D82A}">
+                    <a16:rowId xmlns:a16="http://schemas.microsoft.com/office/drawing/2014/main" val="178633011"/>
+                  </a:ext>
+                </a:extLst>
+              </a:tr>
+            </a:tbl>
+          </a:graphicData>
+        </a:graphic>
+      </p:graphicFrame>
+      <p:graphicFrame>
+        <p:nvGraphicFramePr>
+          <p:cNvPr id="9" name="Table 8">
+            <a:extLst>
+              <a:ext uri="{FF2B5EF4-FFF2-40B4-BE49-F238E27FC236}">
+                <a16:creationId xmlns:a16="http://schemas.microsoft.com/office/drawing/2014/main" id="{7BDA28B7-8EEB-83EE-64DE-3D3335F29E0B}"/>
+              </a:ext>
+            </a:extLst>
+          </p:cNvPr>
+          <p:cNvGraphicFramePr>
+            <a:graphicFrameLocks noGrp="1"/>
+          </p:cNvGraphicFramePr>
+          <p:nvPr>
+            <p:extLst>
+              <p:ext uri="{D42A27DB-BD31-4B8C-83A1-F6EECF244321}">
+                <p14:modId xmlns:p14="http://schemas.microsoft.com/office/powerpoint/2010/main" val="3894803197"/>
+              </p:ext>
+            </p:extLst>
+          </p:nvPr>
+        </p:nvGraphicFramePr>
+        <p:xfrm>
+          <a:off x="2407870" y="2760203"/>
+          <a:ext cx="6095999" cy="741680"/>
+        </p:xfrm>
+        <a:graphic>
+          <a:graphicData uri="http://schemas.openxmlformats.org/drawingml/2006/table">
+            <a:tbl>
+              <a:tblPr firstRow="1" bandRow="1">
+                <a:tableStyleId>{5C22544A-7EE6-4342-B048-85BDC9FD1C3A}</a:tableStyleId>
+              </a:tblPr>
+              <a:tblGrid>
+                <a:gridCol w="870857">
+                  <a:extLst>
+                    <a:ext uri="{9D8B030D-6E8A-4147-A177-3AD203B41FA5}">
+                      <a16:colId xmlns:a16="http://schemas.microsoft.com/office/drawing/2014/main" val="2730191597"/>
+                    </a:ext>
+                  </a:extLst>
+                </a:gridCol>
+                <a:gridCol w="870857">
+                  <a:extLst>
+                    <a:ext uri="{9D8B030D-6E8A-4147-A177-3AD203B41FA5}">
+                      <a16:colId xmlns:a16="http://schemas.microsoft.com/office/drawing/2014/main" val="1731637243"/>
+                    </a:ext>
+                  </a:extLst>
+                </a:gridCol>
+                <a:gridCol w="870857">
+                  <a:extLst>
+                    <a:ext uri="{9D8B030D-6E8A-4147-A177-3AD203B41FA5}">
+                      <a16:colId xmlns:a16="http://schemas.microsoft.com/office/drawing/2014/main" val="2191389342"/>
+                    </a:ext>
+                  </a:extLst>
+                </a:gridCol>
+                <a:gridCol w="870857">
+                  <a:extLst>
+                    <a:ext uri="{9D8B030D-6E8A-4147-A177-3AD203B41FA5}">
+                      <a16:colId xmlns:a16="http://schemas.microsoft.com/office/drawing/2014/main" val="1784038227"/>
+                    </a:ext>
+                  </a:extLst>
+                </a:gridCol>
+                <a:gridCol w="870857">
+                  <a:extLst>
+                    <a:ext uri="{9D8B030D-6E8A-4147-A177-3AD203B41FA5}">
+                      <a16:colId xmlns:a16="http://schemas.microsoft.com/office/drawing/2014/main" val="3344840454"/>
+                    </a:ext>
+                  </a:extLst>
+                </a:gridCol>
+                <a:gridCol w="870857">
+                  <a:extLst>
+                    <a:ext uri="{9D8B030D-6E8A-4147-A177-3AD203B41FA5}">
+                      <a16:colId xmlns:a16="http://schemas.microsoft.com/office/drawing/2014/main" val="3194837852"/>
+                    </a:ext>
+                  </a:extLst>
+                </a:gridCol>
+                <a:gridCol w="870857">
+                  <a:extLst>
+                    <a:ext uri="{9D8B030D-6E8A-4147-A177-3AD203B41FA5}">
+                      <a16:colId xmlns:a16="http://schemas.microsoft.com/office/drawing/2014/main" val="4139220557"/>
+                    </a:ext>
+                  </a:extLst>
+                </a:gridCol>
+              </a:tblGrid>
+              <a:tr h="370840">
+                <a:tc>
+                  <a:txBody>
+                    <a:bodyPr/>
+                    <a:lstStyle/>
+                    <a:p>
+                      <a:pPr algn="ctr"/>
+                      <a:r>
+                        <a:rPr lang="en-US" b="1" i="1" dirty="0"/>
+                        <a:t>k</a:t>
+                      </a:r>
+                    </a:p>
+                  </a:txBody>
+                  <a:tcPr/>
+                </a:tc>
+                <a:tc>
+                  <a:txBody>
+                    <a:bodyPr/>
+                    <a:lstStyle/>
+                    <a:p>
+                      <a:pPr algn="ctr"/>
+                      <a:r>
+                        <a:rPr lang="en-US" dirty="0"/>
+                        <a:t>0</a:t>
+                      </a:r>
+                    </a:p>
+                  </a:txBody>
+                  <a:tcPr/>
+                </a:tc>
+                <a:tc>
+                  <a:txBody>
+                    <a:bodyPr/>
+                    <a:lstStyle/>
+                    <a:p>
+                      <a:pPr algn="ctr"/>
+                      <a:r>
+                        <a:rPr lang="en-US" dirty="0"/>
+                        <a:t>1</a:t>
+                      </a:r>
+                    </a:p>
+                  </a:txBody>
+                  <a:tcPr/>
+                </a:tc>
+                <a:tc>
+                  <a:txBody>
+                    <a:bodyPr/>
+                    <a:lstStyle/>
+                    <a:p>
+                      <a:pPr algn="ctr"/>
+                      <a:r>
+                        <a:rPr lang="en-US" dirty="0"/>
+                        <a:t>2</a:t>
+                      </a:r>
+                    </a:p>
+                  </a:txBody>
+                  <a:tcPr/>
+                </a:tc>
+                <a:tc>
+                  <a:txBody>
+                    <a:bodyPr/>
+                    <a:lstStyle/>
+                    <a:p>
+                      <a:pPr algn="ctr"/>
+                      <a:r>
+                        <a:rPr lang="en-US" dirty="0"/>
+                        <a:t>3</a:t>
+                      </a:r>
+                    </a:p>
+                  </a:txBody>
+                  <a:tcPr/>
+                </a:tc>
+                <a:tc>
+                  <a:txBody>
+                    <a:bodyPr/>
+                    <a:lstStyle/>
+                    <a:p>
+                      <a:pPr algn="ctr"/>
+                      <a:r>
+                        <a:rPr lang="en-US" dirty="0"/>
+                        <a:t>4</a:t>
+                      </a:r>
+                    </a:p>
+                  </a:txBody>
+                  <a:tcPr/>
+                </a:tc>
+                <a:tc>
+                  <a:txBody>
+                    <a:bodyPr/>
+                    <a:lstStyle/>
+                    <a:p>
+                      <a:pPr algn="ctr"/>
+                      <a:r>
+                        <a:rPr lang="en-US" dirty="0"/>
+                        <a:t>5</a:t>
+                      </a:r>
+                    </a:p>
+                  </a:txBody>
+                  <a:tcPr/>
+                </a:tc>
+                <a:extLst>
+                  <a:ext uri="{0D108BD9-81ED-4DB2-BD59-A6C34878D82A}">
+                    <a16:rowId xmlns:a16="http://schemas.microsoft.com/office/drawing/2014/main" val="3243667252"/>
+                  </a:ext>
+                </a:extLst>
+              </a:tr>
+              <a:tr h="370840">
+                <a:tc>
+                  <a:txBody>
+                    <a:bodyPr/>
+                    <a:lstStyle/>
+                    <a:p>
+                      <a:pPr algn="ctr"/>
+                      <a:r>
+                        <a:rPr lang="en-US" b="1" i="1" dirty="0"/>
+                        <a:t>y</a:t>
+                      </a:r>
+                    </a:p>
+                  </a:txBody>
+                  <a:tcPr/>
+                </a:tc>
+                <a:tc>
+                  <a:txBody>
+                    <a:bodyPr/>
+                    <a:lstStyle/>
+                    <a:p>
+                      <a:pPr algn="ctr"/>
+                      <a:r>
+                        <a:rPr lang="en-US" dirty="0"/>
+                        <a:t>10.1</a:t>
+                      </a:r>
+                    </a:p>
+                  </a:txBody>
+                  <a:tcPr/>
+                </a:tc>
+                <a:tc>
+                  <a:txBody>
+                    <a:bodyPr/>
+                    <a:lstStyle/>
+                    <a:p>
+                      <a:pPr algn="ctr"/>
+                      <a:r>
+                        <a:rPr lang="en-US" dirty="0"/>
+                        <a:t>20.03</a:t>
+                      </a:r>
+                    </a:p>
+                  </a:txBody>
+                  <a:tcPr/>
+                </a:tc>
+                <a:tc>
+                  <a:txBody>
+                    <a:bodyPr/>
+                    <a:lstStyle/>
+                    <a:p>
+                      <a:pPr algn="ctr"/>
+                      <a:r>
+                        <a:rPr lang="en-US" dirty="0"/>
+                        <a:t>15</a:t>
+                      </a:r>
+                    </a:p>
+                  </a:txBody>
+                  <a:tcPr/>
+                </a:tc>
+                <a:tc>
+                  <a:txBody>
+                    <a:bodyPr/>
+                    <a:lstStyle/>
+                    <a:p>
+                      <a:pPr algn="ctr"/>
+                      <a:r>
+                        <a:rPr lang="en-US" dirty="0"/>
+                        <a:t>30</a:t>
+                      </a:r>
+                    </a:p>
+                  </a:txBody>
+                  <a:tcPr/>
+                </a:tc>
+                <a:tc>
+                  <a:txBody>
+                    <a:bodyPr/>
+                    <a:lstStyle/>
+                    <a:p>
+                      <a:pPr algn="ctr"/>
+                      <a:r>
+                        <a:rPr lang="en-US" dirty="0"/>
+                        <a:t>11.11</a:t>
+                      </a:r>
+                    </a:p>
+                  </a:txBody>
+                  <a:tcPr/>
+                </a:tc>
+                <a:tc>
+                  <a:txBody>
+                    <a:bodyPr/>
+                    <a:lstStyle/>
+                    <a:p>
+                      <a:pPr algn="ctr"/>
+                      <a:r>
+                        <a:rPr lang="en-US" dirty="0"/>
+                        <a:t>0</a:t>
+                      </a:r>
+                    </a:p>
+                  </a:txBody>
+                  <a:tcPr/>
+                </a:tc>
+                <a:extLst>
+                  <a:ext uri="{0D108BD9-81ED-4DB2-BD59-A6C34878D82A}">
+                    <a16:rowId xmlns:a16="http://schemas.microsoft.com/office/drawing/2014/main" val="178633011"/>
+                  </a:ext>
+                </a:extLst>
+              </a:tr>
+            </a:tbl>
+          </a:graphicData>
+        </a:graphic>
+      </p:graphicFrame>
+      <mc:AlternateContent xmlns:mc="http://schemas.openxmlformats.org/markup-compatibility/2006" xmlns:a14="http://schemas.microsoft.com/office/drawing/2010/main">
+        <mc:Choice Requires="a14">
+          <p:sp>
+            <p:nvSpPr>
+              <p:cNvPr id="34" name="TextBox 33">
+                <a:extLst>
+                  <a:ext uri="{FF2B5EF4-FFF2-40B4-BE49-F238E27FC236}">
+                    <a16:creationId xmlns:a16="http://schemas.microsoft.com/office/drawing/2014/main" id="{E7D60B11-7D9D-03F8-5A7E-01BD646320FD}"/>
+                  </a:ext>
+                </a:extLst>
+              </p:cNvPr>
+              <p:cNvSpPr txBox="1"/>
+              <p:nvPr/>
+            </p:nvSpPr>
+            <p:spPr>
+              <a:xfrm>
+                <a:off x="386325" y="1256427"/>
+                <a:ext cx="1535228" cy="369332"/>
+              </a:xfrm>
+              <a:prstGeom prst="rect">
+                <a:avLst/>
+              </a:prstGeom>
+              <a:noFill/>
+            </p:spPr>
+            <p:txBody>
+              <a:bodyPr wrap="none" rtlCol="0">
+                <a:spAutoFit/>
+              </a:bodyPr>
+              <a:lstStyle/>
+              <a:p>
+                <a:r>
+                  <a:rPr lang="en-US" b="1" dirty="0"/>
+                  <a:t>original </a:t>
+                </a:r>
+                <a14:m>
+                  <m:oMath xmlns:m="http://schemas.openxmlformats.org/officeDocument/2006/math">
+                    <m:r>
+                      <a:rPr lang="en-US" b="0" i="1" smtClean="0">
+                        <a:latin typeface="Cambria Math" panose="02040503050406030204" pitchFamily="18" charset="0"/>
+                      </a:rPr>
+                      <m:t>𝑌</m:t>
+                    </m:r>
+                    <m:d>
+                      <m:dPr>
+                        <m:ctrlPr>
+                          <a:rPr lang="en-US" b="0" i="1" smtClean="0">
+                            <a:latin typeface="Cambria Math" panose="02040503050406030204" pitchFamily="18" charset="0"/>
+                          </a:rPr>
+                        </m:ctrlPr>
+                      </m:dPr>
+                      <m:e>
+                        <m:r>
+                          <a:rPr lang="en-US" b="0" i="1" smtClean="0">
+                            <a:latin typeface="Cambria Math" panose="02040503050406030204" pitchFamily="18" charset="0"/>
+                          </a:rPr>
+                          <m:t>𝑧</m:t>
+                        </m:r>
+                      </m:e>
+                    </m:d>
+                  </m:oMath>
+                </a14:m>
+                <a:endParaRPr lang="en-US" b="1" dirty="0"/>
+              </a:p>
+            </p:txBody>
+          </p:sp>
+        </mc:Choice>
+        <mc:Fallback xmlns="">
+          <p:sp>
+            <p:nvSpPr>
+              <p:cNvPr id="34" name="TextBox 33">
+                <a:extLst>
+                  <a:ext uri="{FF2B5EF4-FFF2-40B4-BE49-F238E27FC236}">
+                    <a16:creationId xmlns:a16="http://schemas.microsoft.com/office/drawing/2014/main" id="{E7D60B11-7D9D-03F8-5A7E-01BD646320FD}"/>
+                  </a:ext>
+                </a:extLst>
+              </p:cNvPr>
+              <p:cNvSpPr txBox="1">
+                <a:spLocks noRot="1" noChangeAspect="1" noMove="1" noResize="1" noEditPoints="1" noAdjustHandles="1" noChangeArrowheads="1" noChangeShapeType="1" noTextEdit="1"/>
+              </p:cNvSpPr>
+              <p:nvPr/>
+            </p:nvSpPr>
+            <p:spPr>
+              <a:xfrm>
+                <a:off x="386325" y="1256427"/>
+                <a:ext cx="1535228" cy="369332"/>
+              </a:xfrm>
+              <a:prstGeom prst="rect">
+                <a:avLst/>
+              </a:prstGeom>
+              <a:blipFill>
+                <a:blip r:embed="rId4"/>
+                <a:stretch>
+                  <a:fillRect l="-3279" t="-6452" b="-22581"/>
+                </a:stretch>
+              </a:blipFill>
+            </p:spPr>
+            <p:txBody>
+              <a:bodyPr/>
+              <a:lstStyle/>
+              <a:p>
+                <a:r>
+                  <a:rPr lang="en-US">
+                    <a:noFill/>
+                  </a:rPr>
+                  <a:t> </a:t>
+                </a:r>
+              </a:p>
+            </p:txBody>
+          </p:sp>
+        </mc:Fallback>
+      </mc:AlternateContent>
+      <mc:AlternateContent xmlns:mc="http://schemas.openxmlformats.org/markup-compatibility/2006" xmlns:a14="http://schemas.microsoft.com/office/drawing/2010/main">
+        <mc:Choice Requires="a14">
+          <p:sp>
+            <p:nvSpPr>
+              <p:cNvPr id="35" name="TextBox 34">
+                <a:extLst>
+                  <a:ext uri="{FF2B5EF4-FFF2-40B4-BE49-F238E27FC236}">
+                    <a16:creationId xmlns:a16="http://schemas.microsoft.com/office/drawing/2014/main" id="{18F1CAEA-B1A7-16C4-79D1-59685256AB7E}"/>
+                  </a:ext>
+                </a:extLst>
+              </p:cNvPr>
+              <p:cNvSpPr txBox="1"/>
+              <p:nvPr/>
+            </p:nvSpPr>
+            <p:spPr>
+              <a:xfrm>
+                <a:off x="386325" y="2959829"/>
+                <a:ext cx="1366080" cy="369332"/>
+              </a:xfrm>
+              <a:prstGeom prst="rect">
+                <a:avLst/>
+              </a:prstGeom>
+              <a:noFill/>
+            </p:spPr>
+            <p:txBody>
+              <a:bodyPr wrap="none" rtlCol="0">
+                <a:spAutoFit/>
+              </a:bodyPr>
+              <a:lstStyle/>
+              <a:p>
+                <a:r>
+                  <a:rPr lang="en-US" b="1" dirty="0"/>
+                  <a:t>shift </a:t>
+                </a:r>
+                <a14:m>
+                  <m:oMath xmlns:m="http://schemas.openxmlformats.org/officeDocument/2006/math">
+                    <m:r>
+                      <a:rPr lang="en-US" b="0" i="1" smtClean="0">
+                        <a:latin typeface="Cambria Math" panose="02040503050406030204" pitchFamily="18" charset="0"/>
+                      </a:rPr>
+                      <m:t>𝑌</m:t>
+                    </m:r>
+                    <m:r>
+                      <a:rPr lang="en-US" b="0" i="1" smtClean="0">
+                        <a:latin typeface="Cambria Math" panose="02040503050406030204" pitchFamily="18" charset="0"/>
+                      </a:rPr>
+                      <m:t>′′</m:t>
+                    </m:r>
+                    <m:d>
+                      <m:dPr>
+                        <m:ctrlPr>
+                          <a:rPr lang="en-US" b="0" i="1" smtClean="0">
+                            <a:latin typeface="Cambria Math" panose="02040503050406030204" pitchFamily="18" charset="0"/>
+                          </a:rPr>
+                        </m:ctrlPr>
+                      </m:dPr>
+                      <m:e>
+                        <m:r>
+                          <a:rPr lang="en-US" b="0" i="1" smtClean="0">
+                            <a:latin typeface="Cambria Math" panose="02040503050406030204" pitchFamily="18" charset="0"/>
+                          </a:rPr>
+                          <m:t>𝑧</m:t>
+                        </m:r>
+                      </m:e>
+                    </m:d>
+                  </m:oMath>
+                </a14:m>
+                <a:r>
+                  <a:rPr lang="en-US" b="1" dirty="0"/>
+                  <a:t> </a:t>
+                </a:r>
+              </a:p>
+            </p:txBody>
+          </p:sp>
+        </mc:Choice>
+        <mc:Fallback xmlns="">
+          <p:sp>
+            <p:nvSpPr>
+              <p:cNvPr id="35" name="TextBox 34">
+                <a:extLst>
+                  <a:ext uri="{FF2B5EF4-FFF2-40B4-BE49-F238E27FC236}">
+                    <a16:creationId xmlns:a16="http://schemas.microsoft.com/office/drawing/2014/main" id="{18F1CAEA-B1A7-16C4-79D1-59685256AB7E}"/>
+                  </a:ext>
+                </a:extLst>
+              </p:cNvPr>
+              <p:cNvSpPr txBox="1">
+                <a:spLocks noRot="1" noChangeAspect="1" noMove="1" noResize="1" noEditPoints="1" noAdjustHandles="1" noChangeArrowheads="1" noChangeShapeType="1" noTextEdit="1"/>
+              </p:cNvSpPr>
+              <p:nvPr/>
+            </p:nvSpPr>
+            <p:spPr>
+              <a:xfrm>
+                <a:off x="386325" y="2959829"/>
+                <a:ext cx="1366080" cy="369332"/>
+              </a:xfrm>
+              <a:prstGeom prst="rect">
+                <a:avLst/>
+              </a:prstGeom>
+              <a:blipFill>
+                <a:blip r:embed="rId5"/>
+                <a:stretch>
+                  <a:fillRect l="-3704" t="-10000" b="-23333"/>
+                </a:stretch>
+              </a:blipFill>
+            </p:spPr>
+            <p:txBody>
+              <a:bodyPr/>
+              <a:lstStyle/>
+              <a:p>
+                <a:r>
+                  <a:rPr lang="en-US">
+                    <a:noFill/>
+                  </a:rPr>
+                  <a:t> </a:t>
+                </a:r>
+              </a:p>
+            </p:txBody>
+          </p:sp>
+        </mc:Fallback>
+      </mc:AlternateContent>
+      <mc:AlternateContent xmlns:mc="http://schemas.openxmlformats.org/markup-compatibility/2006" xmlns:a14="http://schemas.microsoft.com/office/drawing/2010/main">
+        <mc:Choice Requires="a14">
+          <p:sp>
+            <p:nvSpPr>
+              <p:cNvPr id="38" name="TextBox 37">
+                <a:extLst>
+                  <a:ext uri="{FF2B5EF4-FFF2-40B4-BE49-F238E27FC236}">
+                    <a16:creationId xmlns:a16="http://schemas.microsoft.com/office/drawing/2014/main" id="{36079F20-5BCA-7E03-867C-296094A5F424}"/>
+                  </a:ext>
+                </a:extLst>
+              </p:cNvPr>
+              <p:cNvSpPr txBox="1"/>
+              <p:nvPr/>
+            </p:nvSpPr>
+            <p:spPr>
+              <a:xfrm>
+                <a:off x="607671" y="3960180"/>
+                <a:ext cx="6425670" cy="280077"/>
+              </a:xfrm>
+              <a:prstGeom prst="rect">
+                <a:avLst/>
+              </a:prstGeom>
+              <a:noFill/>
+            </p:spPr>
+            <p:txBody>
+              <a:bodyPr wrap="none" lIns="0" tIns="0" rIns="0" bIns="0" rtlCol="0">
+                <a:spAutoFit/>
+              </a:bodyPr>
+              <a:lstStyle/>
+              <a:p>
+                <a:pPr/>
+                <a14:m>
+                  <m:oMathPara xmlns:m="http://schemas.openxmlformats.org/officeDocument/2006/math">
+                    <m:oMathParaPr>
+                      <m:jc m:val="centerGroup"/>
+                    </m:oMathParaPr>
+                    <m:oMath xmlns:m="http://schemas.openxmlformats.org/officeDocument/2006/math">
+                      <m:r>
+                        <a:rPr lang="en-US" b="0" i="1" smtClean="0">
+                          <a:latin typeface="Cambria Math" panose="02040503050406030204" pitchFamily="18" charset="0"/>
+                        </a:rPr>
+                        <m:t>𝑌</m:t>
+                      </m:r>
+                      <m:d>
+                        <m:dPr>
+                          <m:ctrlPr>
+                            <a:rPr lang="en-US" b="0" i="1" smtClean="0">
+                              <a:latin typeface="Cambria Math" panose="02040503050406030204" pitchFamily="18" charset="0"/>
+                            </a:rPr>
+                          </m:ctrlPr>
+                        </m:dPr>
+                        <m:e>
+                          <m:r>
+                            <a:rPr lang="en-US" b="0" i="1" smtClean="0">
+                              <a:latin typeface="Cambria Math" panose="02040503050406030204" pitchFamily="18" charset="0"/>
+                            </a:rPr>
+                            <m:t>𝑧</m:t>
+                          </m:r>
+                        </m:e>
+                      </m:d>
+                      <m:r>
+                        <a:rPr lang="en-US" b="0" i="1" smtClean="0">
+                          <a:latin typeface="Cambria Math" panose="02040503050406030204" pitchFamily="18" charset="0"/>
+                        </a:rPr>
+                        <m:t>=5</m:t>
+                      </m:r>
+                      <m:sSup>
+                        <m:sSupPr>
+                          <m:ctrlPr>
+                            <a:rPr lang="en-US" b="0" i="1" smtClean="0">
+                              <a:latin typeface="Cambria Math" panose="02040503050406030204" pitchFamily="18" charset="0"/>
+                            </a:rPr>
+                          </m:ctrlPr>
+                        </m:sSupPr>
+                        <m:e>
+                          <m:r>
+                            <a:rPr lang="en-US" b="0" i="1" smtClean="0">
+                              <a:latin typeface="Cambria Math" panose="02040503050406030204" pitchFamily="18" charset="0"/>
+                            </a:rPr>
+                            <m:t>𝑧</m:t>
+                          </m:r>
+                        </m:e>
+                        <m:sup>
+                          <m:r>
+                            <a:rPr lang="en-US" b="0" i="1" smtClean="0">
+                              <a:latin typeface="Cambria Math" panose="02040503050406030204" pitchFamily="18" charset="0"/>
+                            </a:rPr>
+                            <m:t>0</m:t>
+                          </m:r>
+                        </m:sup>
+                      </m:sSup>
+                      <m:r>
+                        <a:rPr lang="en-US" b="0" i="1" smtClean="0">
+                          <a:latin typeface="Cambria Math" panose="02040503050406030204" pitchFamily="18" charset="0"/>
+                        </a:rPr>
+                        <m:t>+10.1</m:t>
+                      </m:r>
+                      <m:sSup>
+                        <m:sSupPr>
+                          <m:ctrlPr>
+                            <a:rPr lang="en-US" b="0" i="1" smtClean="0">
+                              <a:latin typeface="Cambria Math" panose="02040503050406030204" pitchFamily="18" charset="0"/>
+                            </a:rPr>
+                          </m:ctrlPr>
+                        </m:sSupPr>
+                        <m:e>
+                          <m:r>
+                            <a:rPr lang="en-US" b="0" i="1" smtClean="0">
+                              <a:latin typeface="Cambria Math" panose="02040503050406030204" pitchFamily="18" charset="0"/>
+                            </a:rPr>
+                            <m:t>𝑧</m:t>
+                          </m:r>
+                        </m:e>
+                        <m:sup>
+                          <m:r>
+                            <a:rPr lang="en-US" b="0" i="1" smtClean="0">
+                              <a:latin typeface="Cambria Math" panose="02040503050406030204" pitchFamily="18" charset="0"/>
+                            </a:rPr>
+                            <m:t>−1</m:t>
+                          </m:r>
+                        </m:sup>
+                      </m:sSup>
+                      <m:r>
+                        <a:rPr lang="en-US" b="0" i="1" smtClean="0">
+                          <a:latin typeface="Cambria Math" panose="02040503050406030204" pitchFamily="18" charset="0"/>
+                        </a:rPr>
+                        <m:t>+20</m:t>
+                      </m:r>
+                      <m:sSup>
+                        <m:sSupPr>
+                          <m:ctrlPr>
+                            <a:rPr lang="en-US" b="0" i="1" smtClean="0">
+                              <a:latin typeface="Cambria Math" panose="02040503050406030204" pitchFamily="18" charset="0"/>
+                            </a:rPr>
+                          </m:ctrlPr>
+                        </m:sSupPr>
+                        <m:e>
+                          <m:r>
+                            <a:rPr lang="en-US" b="0" i="1" smtClean="0">
+                              <a:latin typeface="Cambria Math" panose="02040503050406030204" pitchFamily="18" charset="0"/>
+                            </a:rPr>
+                            <m:t>.03</m:t>
+                          </m:r>
+                          <m:r>
+                            <a:rPr lang="en-US" b="0" i="1" smtClean="0">
+                              <a:latin typeface="Cambria Math" panose="02040503050406030204" pitchFamily="18" charset="0"/>
+                            </a:rPr>
+                            <m:t>𝑧</m:t>
+                          </m:r>
+                        </m:e>
+                        <m:sup>
+                          <m:r>
+                            <a:rPr lang="en-US" b="0" i="1" smtClean="0">
+                              <a:latin typeface="Cambria Math" panose="02040503050406030204" pitchFamily="18" charset="0"/>
+                            </a:rPr>
+                            <m:t>−2</m:t>
+                          </m:r>
+                        </m:sup>
+                      </m:sSup>
+                      <m:r>
+                        <a:rPr lang="en-US" b="0" i="1" smtClean="0">
+                          <a:latin typeface="Cambria Math" panose="02040503050406030204" pitchFamily="18" charset="0"/>
+                        </a:rPr>
+                        <m:t>+15 </m:t>
+                      </m:r>
+                      <m:sSup>
+                        <m:sSupPr>
+                          <m:ctrlPr>
+                            <a:rPr lang="en-US" b="0" i="1" smtClean="0">
+                              <a:latin typeface="Cambria Math" panose="02040503050406030204" pitchFamily="18" charset="0"/>
+                            </a:rPr>
+                          </m:ctrlPr>
+                        </m:sSupPr>
+                        <m:e>
+                          <m:r>
+                            <a:rPr lang="en-US" b="0" i="1" smtClean="0">
+                              <a:latin typeface="Cambria Math" panose="02040503050406030204" pitchFamily="18" charset="0"/>
+                            </a:rPr>
+                            <m:t>𝑧</m:t>
+                          </m:r>
+                        </m:e>
+                        <m:sup>
+                          <m:r>
+                            <a:rPr lang="en-US" b="0" i="1" smtClean="0">
+                              <a:latin typeface="Cambria Math" panose="02040503050406030204" pitchFamily="18" charset="0"/>
+                            </a:rPr>
+                            <m:t>−3</m:t>
+                          </m:r>
+                        </m:sup>
+                      </m:sSup>
+                      <m:r>
+                        <a:rPr lang="en-US" b="0" i="1" smtClean="0">
+                          <a:latin typeface="Cambria Math" panose="02040503050406030204" pitchFamily="18" charset="0"/>
+                        </a:rPr>
+                        <m:t>+30 </m:t>
+                      </m:r>
+                      <m:sSup>
+                        <m:sSupPr>
+                          <m:ctrlPr>
+                            <a:rPr lang="en-US" b="0" i="1" smtClean="0">
+                              <a:latin typeface="Cambria Math" panose="02040503050406030204" pitchFamily="18" charset="0"/>
+                            </a:rPr>
+                          </m:ctrlPr>
+                        </m:sSupPr>
+                        <m:e>
+                          <m:r>
+                            <a:rPr lang="en-US" b="0" i="1" smtClean="0">
+                              <a:latin typeface="Cambria Math" panose="02040503050406030204" pitchFamily="18" charset="0"/>
+                            </a:rPr>
+                            <m:t>𝑧</m:t>
+                          </m:r>
+                        </m:e>
+                        <m:sup>
+                          <m:r>
+                            <a:rPr lang="en-US" b="0" i="1" smtClean="0">
+                              <a:latin typeface="Cambria Math" panose="02040503050406030204" pitchFamily="18" charset="0"/>
+                            </a:rPr>
+                            <m:t>−4</m:t>
+                          </m:r>
+                        </m:sup>
+                      </m:sSup>
+                      <m:r>
+                        <a:rPr lang="en-US" b="0" i="1" smtClean="0">
+                          <a:latin typeface="Cambria Math" panose="02040503050406030204" pitchFamily="18" charset="0"/>
+                        </a:rPr>
+                        <m:t>+11.11</m:t>
+                      </m:r>
+                      <m:sSup>
+                        <m:sSupPr>
+                          <m:ctrlPr>
+                            <a:rPr lang="en-US" b="0" i="1" smtClean="0">
+                              <a:latin typeface="Cambria Math" panose="02040503050406030204" pitchFamily="18" charset="0"/>
+                            </a:rPr>
+                          </m:ctrlPr>
+                        </m:sSupPr>
+                        <m:e>
+                          <m:r>
+                            <a:rPr lang="en-US" b="0" i="1" smtClean="0">
+                              <a:latin typeface="Cambria Math" panose="02040503050406030204" pitchFamily="18" charset="0"/>
+                            </a:rPr>
+                            <m:t>𝑧</m:t>
+                          </m:r>
+                        </m:e>
+                        <m:sup>
+                          <m:r>
+                            <a:rPr lang="en-US" b="0" i="1" smtClean="0">
+                              <a:latin typeface="Cambria Math" panose="02040503050406030204" pitchFamily="18" charset="0"/>
+                            </a:rPr>
+                            <m:t>−5</m:t>
+                          </m:r>
+                        </m:sup>
+                      </m:sSup>
+                    </m:oMath>
+                  </m:oMathPara>
+                </a14:m>
+                <a:endParaRPr lang="en-US" b="0" dirty="0"/>
+              </a:p>
+            </p:txBody>
+          </p:sp>
+        </mc:Choice>
+        <mc:Fallback xmlns="">
+          <p:sp>
+            <p:nvSpPr>
+              <p:cNvPr id="38" name="TextBox 37">
+                <a:extLst>
+                  <a:ext uri="{FF2B5EF4-FFF2-40B4-BE49-F238E27FC236}">
+                    <a16:creationId xmlns:a16="http://schemas.microsoft.com/office/drawing/2014/main" id="{36079F20-5BCA-7E03-867C-296094A5F424}"/>
+                  </a:ext>
+                </a:extLst>
+              </p:cNvPr>
+              <p:cNvSpPr txBox="1">
+                <a:spLocks noRot="1" noChangeAspect="1" noMove="1" noResize="1" noEditPoints="1" noAdjustHandles="1" noChangeArrowheads="1" noChangeShapeType="1" noTextEdit="1"/>
+              </p:cNvSpPr>
+              <p:nvPr/>
+            </p:nvSpPr>
+            <p:spPr>
+              <a:xfrm>
+                <a:off x="607671" y="3960180"/>
+                <a:ext cx="6425670" cy="280077"/>
+              </a:xfrm>
+              <a:prstGeom prst="rect">
+                <a:avLst/>
+              </a:prstGeom>
+              <a:blipFill>
+                <a:blip r:embed="rId6"/>
+                <a:stretch>
+                  <a:fillRect l="-395" t="-4348" b="-39130"/>
+                </a:stretch>
+              </a:blipFill>
+            </p:spPr>
+            <p:txBody>
+              <a:bodyPr/>
+              <a:lstStyle/>
+              <a:p>
+                <a:r>
+                  <a:rPr lang="en-US">
+                    <a:noFill/>
+                  </a:rPr>
+                  <a:t> </a:t>
+                </a:r>
+              </a:p>
+            </p:txBody>
+          </p:sp>
+        </mc:Fallback>
+      </mc:AlternateContent>
+      <mc:AlternateContent xmlns:mc="http://schemas.openxmlformats.org/markup-compatibility/2006" xmlns:a14="http://schemas.microsoft.com/office/drawing/2010/main">
+        <mc:Choice Requires="a14">
+          <p:sp>
+            <p:nvSpPr>
+              <p:cNvPr id="39" name="TextBox 38">
+                <a:extLst>
+                  <a:ext uri="{FF2B5EF4-FFF2-40B4-BE49-F238E27FC236}">
+                    <a16:creationId xmlns:a16="http://schemas.microsoft.com/office/drawing/2014/main" id="{FFA44435-15B0-5E7D-656B-3E1287B10B76}"/>
+                  </a:ext>
+                </a:extLst>
+              </p:cNvPr>
+              <p:cNvSpPr txBox="1"/>
+              <p:nvPr/>
+            </p:nvSpPr>
+            <p:spPr>
+              <a:xfrm>
+                <a:off x="640968" y="5197215"/>
+                <a:ext cx="8090452" cy="369332"/>
+              </a:xfrm>
+              <a:prstGeom prst="rect">
+                <a:avLst/>
+              </a:prstGeom>
+              <a:noFill/>
+            </p:spPr>
+            <p:txBody>
+              <a:bodyPr wrap="square" rtlCol="0">
+                <a:spAutoFit/>
+              </a:bodyPr>
+              <a:lstStyle/>
+              <a:p>
+                <a:r>
+                  <a:rPr lang="en-US" dirty="0"/>
+                  <a:t>Let </a:t>
+                </a:r>
+                <a14:m>
+                  <m:oMath xmlns:m="http://schemas.openxmlformats.org/officeDocument/2006/math">
+                    <m:sSup>
+                      <m:sSupPr>
+                        <m:ctrlPr>
+                          <a:rPr lang="en-US" b="0" i="1" smtClean="0">
+                            <a:latin typeface="Cambria Math" panose="02040503050406030204" pitchFamily="18" charset="0"/>
+                          </a:rPr>
+                        </m:ctrlPr>
+                      </m:sSupPr>
+                      <m:e>
+                        <m:r>
+                          <a:rPr lang="en-US" b="0" i="1" smtClean="0">
+                            <a:latin typeface="Cambria Math" panose="02040503050406030204" pitchFamily="18" charset="0"/>
+                          </a:rPr>
+                          <m:t>𝑌</m:t>
+                        </m:r>
+                      </m:e>
+                      <m:sup>
+                        <m:r>
+                          <a:rPr lang="en-US" b="0" i="1" smtClean="0">
+                            <a:latin typeface="Cambria Math" panose="02040503050406030204" pitchFamily="18" charset="0"/>
+                          </a:rPr>
+                          <m:t>′</m:t>
+                        </m:r>
+                      </m:sup>
+                    </m:sSup>
+                    <m:r>
+                      <a:rPr lang="en-US" b="0" i="1" smtClean="0">
+                        <a:latin typeface="Cambria Math" panose="02040503050406030204" pitchFamily="18" charset="0"/>
+                      </a:rPr>
+                      <m:t>(</m:t>
+                    </m:r>
+                    <m:r>
+                      <a:rPr lang="en-US" b="0" i="1" smtClean="0">
+                        <a:latin typeface="Cambria Math" panose="02040503050406030204" pitchFamily="18" charset="0"/>
+                      </a:rPr>
+                      <m:t>𝑧</m:t>
+                    </m:r>
+                    <m:r>
+                      <a:rPr lang="en-US" b="0" i="1" smtClean="0">
+                        <a:latin typeface="Cambria Math" panose="02040503050406030204" pitchFamily="18" charset="0"/>
+                      </a:rPr>
+                      <m:t>)</m:t>
+                    </m:r>
+                  </m:oMath>
+                </a14:m>
+                <a:r>
+                  <a:rPr lang="en-US" dirty="0"/>
+                  <a:t> the z-transform of </a:t>
+                </a:r>
+                <a14:m>
+                  <m:oMath xmlns:m="http://schemas.openxmlformats.org/officeDocument/2006/math">
+                    <m:r>
+                      <a:rPr lang="en-US" i="1">
+                        <a:latin typeface="Cambria Math" panose="02040503050406030204" pitchFamily="18" charset="0"/>
+                      </a:rPr>
+                      <m:t>𝑌</m:t>
+                    </m:r>
+                    <m:d>
+                      <m:dPr>
+                        <m:ctrlPr>
+                          <a:rPr lang="en-US" i="1">
+                            <a:latin typeface="Cambria Math" panose="02040503050406030204" pitchFamily="18" charset="0"/>
+                          </a:rPr>
+                        </m:ctrlPr>
+                      </m:dPr>
+                      <m:e>
+                        <m:r>
+                          <a:rPr lang="en-US" i="1">
+                            <a:latin typeface="Cambria Math" panose="02040503050406030204" pitchFamily="18" charset="0"/>
+                          </a:rPr>
+                          <m:t>𝑧</m:t>
+                        </m:r>
+                      </m:e>
+                    </m:d>
+                  </m:oMath>
+                </a14:m>
+                <a:r>
+                  <a:rPr lang="en-US" dirty="0"/>
+                  <a:t> shifted by one time unit</a:t>
+                </a:r>
+              </a:p>
+            </p:txBody>
+          </p:sp>
+        </mc:Choice>
+        <mc:Fallback xmlns="">
+          <p:sp>
+            <p:nvSpPr>
+              <p:cNvPr id="39" name="TextBox 38">
+                <a:extLst>
+                  <a:ext uri="{FF2B5EF4-FFF2-40B4-BE49-F238E27FC236}">
+                    <a16:creationId xmlns:a16="http://schemas.microsoft.com/office/drawing/2014/main" id="{FFA44435-15B0-5E7D-656B-3E1287B10B76}"/>
+                  </a:ext>
+                </a:extLst>
+              </p:cNvPr>
+              <p:cNvSpPr txBox="1">
+                <a:spLocks noRot="1" noChangeAspect="1" noMove="1" noResize="1" noEditPoints="1" noAdjustHandles="1" noChangeArrowheads="1" noChangeShapeType="1" noTextEdit="1"/>
+              </p:cNvSpPr>
+              <p:nvPr/>
+            </p:nvSpPr>
+            <p:spPr>
+              <a:xfrm>
+                <a:off x="640968" y="5197215"/>
+                <a:ext cx="8090452" cy="369332"/>
+              </a:xfrm>
+              <a:prstGeom prst="rect">
+                <a:avLst/>
+              </a:prstGeom>
+              <a:blipFill>
+                <a:blip r:embed="rId7"/>
+                <a:stretch>
+                  <a:fillRect l="-627" t="-6667" b="-23333"/>
+                </a:stretch>
+              </a:blipFill>
+            </p:spPr>
+            <p:txBody>
+              <a:bodyPr/>
+              <a:lstStyle/>
+              <a:p>
+                <a:r>
+                  <a:rPr lang="en-US">
+                    <a:noFill/>
+                  </a:rPr>
+                  <a:t> </a:t>
+                </a:r>
+              </a:p>
+            </p:txBody>
+          </p:sp>
+        </mc:Fallback>
+      </mc:AlternateContent>
+      <p:graphicFrame>
+        <p:nvGraphicFramePr>
+          <p:cNvPr id="40" name="Table 39">
+            <a:extLst>
+              <a:ext uri="{FF2B5EF4-FFF2-40B4-BE49-F238E27FC236}">
+                <a16:creationId xmlns:a16="http://schemas.microsoft.com/office/drawing/2014/main" id="{F10E977C-435B-E5C0-1DBD-2D63680F3FE4}"/>
+              </a:ext>
+            </a:extLst>
+          </p:cNvPr>
+          <p:cNvGraphicFramePr>
+            <a:graphicFrameLocks noGrp="1"/>
+          </p:cNvGraphicFramePr>
+          <p:nvPr>
+            <p:extLst>
+              <p:ext uri="{D42A27DB-BD31-4B8C-83A1-F6EECF244321}">
+                <p14:modId xmlns:p14="http://schemas.microsoft.com/office/powerpoint/2010/main" val="246216043"/>
+              </p:ext>
+            </p:extLst>
+          </p:nvPr>
+        </p:nvGraphicFramePr>
+        <p:xfrm>
+          <a:off x="2407870" y="1829495"/>
+          <a:ext cx="6095999" cy="741680"/>
+        </p:xfrm>
+        <a:graphic>
+          <a:graphicData uri="http://schemas.openxmlformats.org/drawingml/2006/table">
+            <a:tbl>
+              <a:tblPr firstRow="1" bandRow="1">
+                <a:tableStyleId>{5C22544A-7EE6-4342-B048-85BDC9FD1C3A}</a:tableStyleId>
+              </a:tblPr>
+              <a:tblGrid>
+                <a:gridCol w="870857">
+                  <a:extLst>
+                    <a:ext uri="{9D8B030D-6E8A-4147-A177-3AD203B41FA5}">
+                      <a16:colId xmlns:a16="http://schemas.microsoft.com/office/drawing/2014/main" val="2730191597"/>
+                    </a:ext>
+                  </a:extLst>
+                </a:gridCol>
+                <a:gridCol w="870857">
+                  <a:extLst>
+                    <a:ext uri="{9D8B030D-6E8A-4147-A177-3AD203B41FA5}">
+                      <a16:colId xmlns:a16="http://schemas.microsoft.com/office/drawing/2014/main" val="1731637243"/>
+                    </a:ext>
+                  </a:extLst>
+                </a:gridCol>
+                <a:gridCol w="870857">
+                  <a:extLst>
+                    <a:ext uri="{9D8B030D-6E8A-4147-A177-3AD203B41FA5}">
+                      <a16:colId xmlns:a16="http://schemas.microsoft.com/office/drawing/2014/main" val="2191389342"/>
+                    </a:ext>
+                  </a:extLst>
+                </a:gridCol>
+                <a:gridCol w="870857">
+                  <a:extLst>
+                    <a:ext uri="{9D8B030D-6E8A-4147-A177-3AD203B41FA5}">
+                      <a16:colId xmlns:a16="http://schemas.microsoft.com/office/drawing/2014/main" val="1784038227"/>
+                    </a:ext>
+                  </a:extLst>
+                </a:gridCol>
+                <a:gridCol w="870857">
+                  <a:extLst>
+                    <a:ext uri="{9D8B030D-6E8A-4147-A177-3AD203B41FA5}">
+                      <a16:colId xmlns:a16="http://schemas.microsoft.com/office/drawing/2014/main" val="3344840454"/>
+                    </a:ext>
+                  </a:extLst>
+                </a:gridCol>
+                <a:gridCol w="870857">
+                  <a:extLst>
+                    <a:ext uri="{9D8B030D-6E8A-4147-A177-3AD203B41FA5}">
+                      <a16:colId xmlns:a16="http://schemas.microsoft.com/office/drawing/2014/main" val="3194837852"/>
+                    </a:ext>
+                  </a:extLst>
+                </a:gridCol>
+                <a:gridCol w="870857">
+                  <a:extLst>
+                    <a:ext uri="{9D8B030D-6E8A-4147-A177-3AD203B41FA5}">
+                      <a16:colId xmlns:a16="http://schemas.microsoft.com/office/drawing/2014/main" val="4139220557"/>
+                    </a:ext>
+                  </a:extLst>
+                </a:gridCol>
+              </a:tblGrid>
+              <a:tr h="370840">
+                <a:tc>
+                  <a:txBody>
+                    <a:bodyPr/>
+                    <a:lstStyle/>
+                    <a:p>
+                      <a:pPr algn="ctr"/>
+                      <a:r>
+                        <a:rPr lang="en-US" b="1" i="1" dirty="0"/>
+                        <a:t>k</a:t>
+                      </a:r>
+                    </a:p>
+                  </a:txBody>
+                  <a:tcPr/>
+                </a:tc>
+                <a:tc>
+                  <a:txBody>
+                    <a:bodyPr/>
+                    <a:lstStyle/>
+                    <a:p>
+                      <a:pPr algn="ctr"/>
+                      <a:r>
+                        <a:rPr lang="en-US" dirty="0"/>
+                        <a:t>0</a:t>
+                      </a:r>
+                    </a:p>
+                  </a:txBody>
+                  <a:tcPr/>
+                </a:tc>
+                <a:tc>
+                  <a:txBody>
+                    <a:bodyPr/>
+                    <a:lstStyle/>
+                    <a:p>
+                      <a:pPr algn="ctr"/>
+                      <a:r>
+                        <a:rPr lang="en-US" dirty="0"/>
+                        <a:t>1</a:t>
+                      </a:r>
+                    </a:p>
+                  </a:txBody>
+                  <a:tcPr/>
+                </a:tc>
+                <a:tc>
+                  <a:txBody>
+                    <a:bodyPr/>
+                    <a:lstStyle/>
+                    <a:p>
+                      <a:pPr algn="ctr"/>
+                      <a:r>
+                        <a:rPr lang="en-US" dirty="0"/>
+                        <a:t>2</a:t>
+                      </a:r>
+                    </a:p>
+                  </a:txBody>
+                  <a:tcPr/>
+                </a:tc>
+                <a:tc>
+                  <a:txBody>
+                    <a:bodyPr/>
+                    <a:lstStyle/>
+                    <a:p>
+                      <a:pPr algn="ctr"/>
+                      <a:r>
+                        <a:rPr lang="en-US" dirty="0"/>
+                        <a:t>3</a:t>
+                      </a:r>
+                    </a:p>
+                  </a:txBody>
+                  <a:tcPr/>
+                </a:tc>
+                <a:tc>
+                  <a:txBody>
+                    <a:bodyPr/>
+                    <a:lstStyle/>
+                    <a:p>
+                      <a:pPr algn="ctr"/>
+                      <a:r>
+                        <a:rPr lang="en-US" dirty="0"/>
+                        <a:t>4</a:t>
+                      </a:r>
+                    </a:p>
+                  </a:txBody>
+                  <a:tcPr/>
+                </a:tc>
+                <a:tc>
+                  <a:txBody>
+                    <a:bodyPr/>
+                    <a:lstStyle/>
+                    <a:p>
+                      <a:pPr algn="ctr"/>
+                      <a:r>
+                        <a:rPr lang="en-US" dirty="0"/>
+                        <a:t>5</a:t>
+                      </a:r>
+                    </a:p>
+                  </a:txBody>
+                  <a:tcPr/>
+                </a:tc>
+                <a:extLst>
+                  <a:ext uri="{0D108BD9-81ED-4DB2-BD59-A6C34878D82A}">
+                    <a16:rowId xmlns:a16="http://schemas.microsoft.com/office/drawing/2014/main" val="3243667252"/>
+                  </a:ext>
+                </a:extLst>
+              </a:tr>
+              <a:tr h="370840">
+                <a:tc>
+                  <a:txBody>
+                    <a:bodyPr/>
+                    <a:lstStyle/>
+                    <a:p>
+                      <a:pPr algn="ctr"/>
+                      <a:r>
+                        <a:rPr lang="en-US" b="1" i="1" dirty="0"/>
+                        <a:t>y</a:t>
+                      </a:r>
+                    </a:p>
+                  </a:txBody>
+                  <a:tcPr/>
+                </a:tc>
+                <a:tc>
+                  <a:txBody>
+                    <a:bodyPr/>
+                    <a:lstStyle/>
+                    <a:p>
+                      <a:pPr algn="ctr"/>
+                      <a:r>
+                        <a:rPr lang="en-US" dirty="0"/>
+                        <a:t>0</a:t>
+                      </a:r>
+                    </a:p>
+                  </a:txBody>
+                  <a:tcPr/>
+                </a:tc>
+                <a:tc>
+                  <a:txBody>
+                    <a:bodyPr/>
+                    <a:lstStyle/>
+                    <a:p>
+                      <a:pPr algn="ctr"/>
+                      <a:r>
+                        <a:rPr lang="en-US" dirty="0"/>
+                        <a:t>5</a:t>
+                      </a:r>
+                    </a:p>
+                  </a:txBody>
+                  <a:tcPr/>
+                </a:tc>
+                <a:tc>
+                  <a:txBody>
+                    <a:bodyPr/>
+                    <a:lstStyle/>
+                    <a:p>
+                      <a:pPr algn="ctr"/>
+                      <a:r>
+                        <a:rPr lang="en-US" dirty="0"/>
+                        <a:t>10.1</a:t>
+                      </a:r>
+                    </a:p>
+                  </a:txBody>
+                  <a:tcPr/>
+                </a:tc>
+                <a:tc>
+                  <a:txBody>
+                    <a:bodyPr/>
+                    <a:lstStyle/>
+                    <a:p>
+                      <a:pPr algn="ctr"/>
+                      <a:r>
+                        <a:rPr lang="en-US" dirty="0"/>
+                        <a:t>20.03</a:t>
+                      </a:r>
+                    </a:p>
+                  </a:txBody>
+                  <a:tcPr/>
+                </a:tc>
+                <a:tc>
+                  <a:txBody>
+                    <a:bodyPr/>
+                    <a:lstStyle/>
+                    <a:p>
+                      <a:pPr algn="ctr"/>
+                      <a:r>
+                        <a:rPr lang="en-US" dirty="0"/>
+                        <a:t>15</a:t>
+                      </a:r>
+                    </a:p>
+                  </a:txBody>
+                  <a:tcPr/>
+                </a:tc>
+                <a:tc>
+                  <a:txBody>
+                    <a:bodyPr/>
+                    <a:lstStyle/>
+                    <a:p>
+                      <a:pPr algn="ctr"/>
+                      <a:r>
+                        <a:rPr lang="en-US" dirty="0"/>
+                        <a:t>30</a:t>
+                      </a:r>
+                    </a:p>
+                  </a:txBody>
+                  <a:tcPr/>
+                </a:tc>
+                <a:extLst>
+                  <a:ext uri="{0D108BD9-81ED-4DB2-BD59-A6C34878D82A}">
+                    <a16:rowId xmlns:a16="http://schemas.microsoft.com/office/drawing/2014/main" val="178633011"/>
+                  </a:ext>
+                </a:extLst>
+              </a:tr>
+            </a:tbl>
+          </a:graphicData>
+        </a:graphic>
+      </p:graphicFrame>
+      <mc:AlternateContent xmlns:mc="http://schemas.openxmlformats.org/markup-compatibility/2006" xmlns:a14="http://schemas.microsoft.com/office/drawing/2010/main">
+        <mc:Choice Requires="a14">
+          <p:sp>
+            <p:nvSpPr>
+              <p:cNvPr id="41" name="TextBox 40">
+                <a:extLst>
+                  <a:ext uri="{FF2B5EF4-FFF2-40B4-BE49-F238E27FC236}">
+                    <a16:creationId xmlns:a16="http://schemas.microsoft.com/office/drawing/2014/main" id="{94E75989-631E-3B7F-49DE-A7B227A79C40}"/>
+                  </a:ext>
+                </a:extLst>
+              </p:cNvPr>
+              <p:cNvSpPr txBox="1"/>
+              <p:nvPr/>
+            </p:nvSpPr>
+            <p:spPr>
+              <a:xfrm>
+                <a:off x="386325" y="1972108"/>
+                <a:ext cx="1409360" cy="369332"/>
+              </a:xfrm>
+              <a:prstGeom prst="rect">
+                <a:avLst/>
+              </a:prstGeom>
+              <a:noFill/>
+            </p:spPr>
+            <p:txBody>
+              <a:bodyPr wrap="none" rtlCol="0">
+                <a:spAutoFit/>
+              </a:bodyPr>
+              <a:lstStyle/>
+              <a:p>
+                <a:r>
+                  <a:rPr lang="en-US" b="1" dirty="0"/>
+                  <a:t>delay </a:t>
+                </a:r>
+                <a14:m>
+                  <m:oMath xmlns:m="http://schemas.openxmlformats.org/officeDocument/2006/math">
+                    <m:r>
+                      <a:rPr lang="en-US" b="0" i="1" smtClean="0">
+                        <a:latin typeface="Cambria Math" panose="02040503050406030204" pitchFamily="18" charset="0"/>
+                      </a:rPr>
+                      <m:t>𝑌</m:t>
+                    </m:r>
+                    <m:r>
+                      <a:rPr lang="en-US" b="0" i="1" smtClean="0">
+                        <a:latin typeface="Cambria Math" panose="02040503050406030204" pitchFamily="18" charset="0"/>
+                      </a:rPr>
+                      <m:t>′</m:t>
+                    </m:r>
+                    <m:d>
+                      <m:dPr>
+                        <m:ctrlPr>
+                          <a:rPr lang="en-US" b="0" i="1" smtClean="0">
+                            <a:latin typeface="Cambria Math" panose="02040503050406030204" pitchFamily="18" charset="0"/>
+                          </a:rPr>
+                        </m:ctrlPr>
+                      </m:dPr>
+                      <m:e>
+                        <m:r>
+                          <a:rPr lang="en-US" b="0" i="1" smtClean="0">
+                            <a:latin typeface="Cambria Math" panose="02040503050406030204" pitchFamily="18" charset="0"/>
+                          </a:rPr>
+                          <m:t>𝑧</m:t>
+                        </m:r>
+                      </m:e>
+                    </m:d>
+                  </m:oMath>
+                </a14:m>
+                <a:r>
+                  <a:rPr lang="en-US" b="1" dirty="0"/>
+                  <a:t> </a:t>
+                </a:r>
+              </a:p>
+            </p:txBody>
+          </p:sp>
+        </mc:Choice>
+        <mc:Fallback xmlns="">
+          <p:sp>
+            <p:nvSpPr>
+              <p:cNvPr id="41" name="TextBox 40">
+                <a:extLst>
+                  <a:ext uri="{FF2B5EF4-FFF2-40B4-BE49-F238E27FC236}">
+                    <a16:creationId xmlns:a16="http://schemas.microsoft.com/office/drawing/2014/main" id="{94E75989-631E-3B7F-49DE-A7B227A79C40}"/>
+                  </a:ext>
+                </a:extLst>
+              </p:cNvPr>
+              <p:cNvSpPr txBox="1">
+                <a:spLocks noRot="1" noChangeAspect="1" noMove="1" noResize="1" noEditPoints="1" noAdjustHandles="1" noChangeArrowheads="1" noChangeShapeType="1" noTextEdit="1"/>
+              </p:cNvSpPr>
+              <p:nvPr/>
+            </p:nvSpPr>
+            <p:spPr>
+              <a:xfrm>
+                <a:off x="386325" y="1972108"/>
+                <a:ext cx="1409360" cy="369332"/>
+              </a:xfrm>
+              <a:prstGeom prst="rect">
+                <a:avLst/>
+              </a:prstGeom>
+              <a:blipFill>
+                <a:blip r:embed="rId8"/>
+                <a:stretch>
+                  <a:fillRect l="-3571" t="-6667" b="-23333"/>
+                </a:stretch>
+              </a:blipFill>
+            </p:spPr>
+            <p:txBody>
+              <a:bodyPr/>
+              <a:lstStyle/>
+              <a:p>
+                <a:r>
+                  <a:rPr lang="en-US">
+                    <a:noFill/>
+                  </a:rPr>
+                  <a:t> </a:t>
+                </a:r>
+              </a:p>
+            </p:txBody>
+          </p:sp>
+        </mc:Fallback>
+      </mc:AlternateContent>
+      <mc:AlternateContent xmlns:mc="http://schemas.openxmlformats.org/markup-compatibility/2006" xmlns:a14="http://schemas.microsoft.com/office/drawing/2010/main">
+        <mc:Choice Requires="a14">
+          <p:sp>
+            <p:nvSpPr>
+              <p:cNvPr id="42" name="TextBox 41">
+                <a:extLst>
+                  <a:ext uri="{FF2B5EF4-FFF2-40B4-BE49-F238E27FC236}">
+                    <a16:creationId xmlns:a16="http://schemas.microsoft.com/office/drawing/2014/main" id="{50501B1D-14A9-ECD3-9AE4-BEDBFD9EF342}"/>
+                  </a:ext>
+                </a:extLst>
+              </p:cNvPr>
+              <p:cNvSpPr txBox="1"/>
+              <p:nvPr/>
+            </p:nvSpPr>
+            <p:spPr>
+              <a:xfrm>
+                <a:off x="586450" y="5640434"/>
+                <a:ext cx="6785447" cy="300660"/>
+              </a:xfrm>
+              <a:prstGeom prst="rect">
+                <a:avLst/>
+              </a:prstGeom>
+              <a:noFill/>
+            </p:spPr>
+            <p:txBody>
+              <a:bodyPr wrap="none" lIns="0" tIns="0" rIns="0" bIns="0" rtlCol="0">
+                <a:spAutoFit/>
+              </a:bodyPr>
+              <a:lstStyle/>
+              <a:p>
+                <a:pPr/>
+                <a14:m>
+                  <m:oMathPara xmlns:m="http://schemas.openxmlformats.org/officeDocument/2006/math">
+                    <m:oMathParaPr>
+                      <m:jc m:val="centerGroup"/>
+                    </m:oMathParaPr>
+                    <m:oMath xmlns:m="http://schemas.openxmlformats.org/officeDocument/2006/math">
+                      <m:sSup>
+                        <m:sSupPr>
+                          <m:ctrlPr>
+                            <a:rPr lang="en-US" b="0" i="1" smtClean="0">
+                              <a:latin typeface="Cambria Math" panose="02040503050406030204" pitchFamily="18" charset="0"/>
+                            </a:rPr>
+                          </m:ctrlPr>
+                        </m:sSupPr>
+                        <m:e>
+                          <m:r>
+                            <a:rPr lang="en-US" b="0" i="1" smtClean="0">
+                              <a:latin typeface="Cambria Math" panose="02040503050406030204" pitchFamily="18" charset="0"/>
+                            </a:rPr>
+                            <m:t>𝑌</m:t>
+                          </m:r>
+                        </m:e>
+                        <m:sup>
+                          <m:r>
+                            <a:rPr lang="en-US" b="0" i="1" smtClean="0">
+                              <a:latin typeface="Cambria Math" panose="02040503050406030204" pitchFamily="18" charset="0"/>
+                            </a:rPr>
+                            <m:t>′</m:t>
+                          </m:r>
+                        </m:sup>
+                      </m:sSup>
+                      <m:d>
+                        <m:dPr>
+                          <m:ctrlPr>
+                            <a:rPr lang="en-US" b="0" i="1" smtClean="0">
+                              <a:latin typeface="Cambria Math" panose="02040503050406030204" pitchFamily="18" charset="0"/>
+                            </a:rPr>
+                          </m:ctrlPr>
+                        </m:dPr>
+                        <m:e>
+                          <m:r>
+                            <a:rPr lang="en-US" b="0" i="1" smtClean="0">
+                              <a:latin typeface="Cambria Math" panose="02040503050406030204" pitchFamily="18" charset="0"/>
+                            </a:rPr>
+                            <m:t>𝑧</m:t>
+                          </m:r>
+                        </m:e>
+                      </m:d>
+                      <m:r>
+                        <a:rPr lang="en-US" b="0" i="1" smtClean="0">
+                          <a:latin typeface="Cambria Math" panose="02040503050406030204" pitchFamily="18" charset="0"/>
+                        </a:rPr>
+                        <m:t>=</m:t>
+                      </m:r>
+                      <m:r>
+                        <a:rPr lang="en-US" i="1">
+                          <a:latin typeface="Cambria Math" panose="02040503050406030204" pitchFamily="18" charset="0"/>
+                        </a:rPr>
+                        <m:t>10.1</m:t>
+                      </m:r>
+                      <m:sSup>
+                        <m:sSupPr>
+                          <m:ctrlPr>
+                            <a:rPr lang="en-US" i="1">
+                              <a:latin typeface="Cambria Math" panose="02040503050406030204" pitchFamily="18" charset="0"/>
+                            </a:rPr>
+                          </m:ctrlPr>
+                        </m:sSupPr>
+                        <m:e>
+                          <m:r>
+                            <a:rPr lang="en-US" i="1">
+                              <a:latin typeface="Cambria Math" panose="02040503050406030204" pitchFamily="18" charset="0"/>
+                            </a:rPr>
+                            <m:t>𝑧</m:t>
+                          </m:r>
+                        </m:e>
+                        <m:sup>
+                          <m:r>
+                            <a:rPr lang="en-US" b="0" i="1" smtClean="0">
+                              <a:latin typeface="Cambria Math" panose="02040503050406030204" pitchFamily="18" charset="0"/>
+                            </a:rPr>
+                            <m:t>0</m:t>
+                          </m:r>
+                        </m:sup>
+                      </m:sSup>
+                      <m:r>
+                        <a:rPr lang="en-US" i="1">
+                          <a:latin typeface="Cambria Math" panose="02040503050406030204" pitchFamily="18" charset="0"/>
+                        </a:rPr>
+                        <m:t>+20</m:t>
+                      </m:r>
+                      <m:sSup>
+                        <m:sSupPr>
+                          <m:ctrlPr>
+                            <a:rPr lang="en-US" i="1">
+                              <a:latin typeface="Cambria Math" panose="02040503050406030204" pitchFamily="18" charset="0"/>
+                            </a:rPr>
+                          </m:ctrlPr>
+                        </m:sSupPr>
+                        <m:e>
+                          <m:r>
+                            <a:rPr lang="en-US" i="1">
+                              <a:latin typeface="Cambria Math" panose="02040503050406030204" pitchFamily="18" charset="0"/>
+                            </a:rPr>
+                            <m:t>.03</m:t>
+                          </m:r>
+                          <m:r>
+                            <a:rPr lang="en-US" i="1">
+                              <a:latin typeface="Cambria Math" panose="02040503050406030204" pitchFamily="18" charset="0"/>
+                            </a:rPr>
+                            <m:t>𝑧</m:t>
+                          </m:r>
+                        </m:e>
+                        <m:sup>
+                          <m:r>
+                            <a:rPr lang="en-US" i="1">
+                              <a:latin typeface="Cambria Math" panose="02040503050406030204" pitchFamily="18" charset="0"/>
+                            </a:rPr>
+                            <m:t>−</m:t>
+                          </m:r>
+                          <m:r>
+                            <a:rPr lang="en-US" b="0" i="1" smtClean="0">
+                              <a:latin typeface="Cambria Math" panose="02040503050406030204" pitchFamily="18" charset="0"/>
+                            </a:rPr>
+                            <m:t>1</m:t>
+                          </m:r>
+                        </m:sup>
+                      </m:sSup>
+                      <m:r>
+                        <a:rPr lang="en-US" i="1">
+                          <a:latin typeface="Cambria Math" panose="02040503050406030204" pitchFamily="18" charset="0"/>
+                        </a:rPr>
+                        <m:t>+15 </m:t>
+                      </m:r>
+                      <m:sSup>
+                        <m:sSupPr>
+                          <m:ctrlPr>
+                            <a:rPr lang="en-US" i="1">
+                              <a:latin typeface="Cambria Math" panose="02040503050406030204" pitchFamily="18" charset="0"/>
+                            </a:rPr>
+                          </m:ctrlPr>
+                        </m:sSupPr>
+                        <m:e>
+                          <m:r>
+                            <a:rPr lang="en-US" i="1">
+                              <a:latin typeface="Cambria Math" panose="02040503050406030204" pitchFamily="18" charset="0"/>
+                            </a:rPr>
+                            <m:t>𝑧</m:t>
+                          </m:r>
+                        </m:e>
+                        <m:sup>
+                          <m:r>
+                            <a:rPr lang="en-US" i="1">
+                              <a:latin typeface="Cambria Math" panose="02040503050406030204" pitchFamily="18" charset="0"/>
+                            </a:rPr>
+                            <m:t>−</m:t>
+                          </m:r>
+                          <m:r>
+                            <a:rPr lang="en-US" b="0" i="1" smtClean="0">
+                              <a:latin typeface="Cambria Math" panose="02040503050406030204" pitchFamily="18" charset="0"/>
+                            </a:rPr>
+                            <m:t>2</m:t>
+                          </m:r>
+                        </m:sup>
+                      </m:sSup>
+                      <m:r>
+                        <a:rPr lang="en-US" i="1">
+                          <a:latin typeface="Cambria Math" panose="02040503050406030204" pitchFamily="18" charset="0"/>
+                        </a:rPr>
+                        <m:t>+30 </m:t>
+                      </m:r>
+                      <m:sSup>
+                        <m:sSupPr>
+                          <m:ctrlPr>
+                            <a:rPr lang="en-US" i="1">
+                              <a:latin typeface="Cambria Math" panose="02040503050406030204" pitchFamily="18" charset="0"/>
+                            </a:rPr>
+                          </m:ctrlPr>
+                        </m:sSupPr>
+                        <m:e>
+                          <m:r>
+                            <a:rPr lang="en-US" i="1">
+                              <a:latin typeface="Cambria Math" panose="02040503050406030204" pitchFamily="18" charset="0"/>
+                            </a:rPr>
+                            <m:t>𝑧</m:t>
+                          </m:r>
+                        </m:e>
+                        <m:sup>
+                          <m:r>
+                            <a:rPr lang="en-US" i="1">
+                              <a:latin typeface="Cambria Math" panose="02040503050406030204" pitchFamily="18" charset="0"/>
+                            </a:rPr>
+                            <m:t>−</m:t>
+                          </m:r>
+                          <m:r>
+                            <a:rPr lang="en-US" b="0" i="1" smtClean="0">
+                              <a:latin typeface="Cambria Math" panose="02040503050406030204" pitchFamily="18" charset="0"/>
+                            </a:rPr>
+                            <m:t>3</m:t>
+                          </m:r>
+                        </m:sup>
+                      </m:sSup>
+                      <m:r>
+                        <a:rPr lang="en-US" i="1">
+                          <a:latin typeface="Cambria Math" panose="02040503050406030204" pitchFamily="18" charset="0"/>
+                        </a:rPr>
+                        <m:t>+11.11</m:t>
+                      </m:r>
+                      <m:sSup>
+                        <m:sSupPr>
+                          <m:ctrlPr>
+                            <a:rPr lang="en-US" i="1">
+                              <a:latin typeface="Cambria Math" panose="02040503050406030204" pitchFamily="18" charset="0"/>
+                            </a:rPr>
+                          </m:ctrlPr>
+                        </m:sSupPr>
+                        <m:e>
+                          <m:r>
+                            <a:rPr lang="en-US" i="1">
+                              <a:latin typeface="Cambria Math" panose="02040503050406030204" pitchFamily="18" charset="0"/>
+                            </a:rPr>
+                            <m:t>𝑧</m:t>
+                          </m:r>
+                        </m:e>
+                        <m:sup>
+                          <m:r>
+                            <a:rPr lang="en-US" i="1">
+                              <a:latin typeface="Cambria Math" panose="02040503050406030204" pitchFamily="18" charset="0"/>
+                            </a:rPr>
+                            <m:t>−</m:t>
+                          </m:r>
+                          <m:r>
+                            <a:rPr lang="en-US" b="0" i="1" smtClean="0">
+                              <a:latin typeface="Cambria Math" panose="02040503050406030204" pitchFamily="18" charset="0"/>
+                            </a:rPr>
+                            <m:t>4</m:t>
+                          </m:r>
+                        </m:sup>
+                      </m:sSup>
+                      <m:r>
+                        <a:rPr lang="en-US" b="0" i="1" smtClean="0">
+                          <a:latin typeface="Cambria Math" panose="02040503050406030204" pitchFamily="18" charset="0"/>
+                        </a:rPr>
+                        <m:t>=</m:t>
+                      </m:r>
+                      <m:sSup>
+                        <m:sSupPr>
+                          <m:ctrlPr>
+                            <a:rPr lang="en-US" b="0" i="1" smtClean="0">
+                              <a:latin typeface="Cambria Math" panose="02040503050406030204" pitchFamily="18" charset="0"/>
+                            </a:rPr>
+                          </m:ctrlPr>
+                        </m:sSupPr>
+                        <m:e>
+                          <m:r>
+                            <a:rPr lang="en-US" b="0" i="1" smtClean="0">
+                              <a:latin typeface="Cambria Math" panose="02040503050406030204" pitchFamily="18" charset="0"/>
+                            </a:rPr>
+                            <m:t>𝑧</m:t>
+                          </m:r>
+                        </m:e>
+                        <m:sup/>
+                      </m:sSup>
+                      <m:r>
+                        <a:rPr lang="en-US" b="0" i="1" smtClean="0">
+                          <a:latin typeface="Cambria Math" panose="02040503050406030204" pitchFamily="18" charset="0"/>
+                        </a:rPr>
+                        <m:t>𝑌</m:t>
+                      </m:r>
+                      <m:r>
+                        <a:rPr lang="en-US" b="0" i="1" smtClean="0">
+                          <a:latin typeface="Cambria Math" panose="02040503050406030204" pitchFamily="18" charset="0"/>
+                        </a:rPr>
+                        <m:t>(</m:t>
+                      </m:r>
+                      <m:r>
+                        <a:rPr lang="en-US" b="0" i="1" smtClean="0">
+                          <a:latin typeface="Cambria Math" panose="02040503050406030204" pitchFamily="18" charset="0"/>
+                        </a:rPr>
+                        <m:t>𝑧</m:t>
+                      </m:r>
+                      <m:r>
+                        <a:rPr lang="en-US" b="0" i="1" smtClean="0">
+                          <a:latin typeface="Cambria Math" panose="02040503050406030204" pitchFamily="18" charset="0"/>
+                        </a:rPr>
+                        <m:t>)</m:t>
+                      </m:r>
+                    </m:oMath>
+                  </m:oMathPara>
+                </a14:m>
+                <a:endParaRPr lang="en-US" b="0" dirty="0"/>
+              </a:p>
+            </p:txBody>
+          </p:sp>
+        </mc:Choice>
+        <mc:Fallback xmlns="">
+          <p:sp>
+            <p:nvSpPr>
+              <p:cNvPr id="42" name="TextBox 41">
+                <a:extLst>
+                  <a:ext uri="{FF2B5EF4-FFF2-40B4-BE49-F238E27FC236}">
+                    <a16:creationId xmlns:a16="http://schemas.microsoft.com/office/drawing/2014/main" id="{50501B1D-14A9-ECD3-9AE4-BEDBFD9EF342}"/>
+                  </a:ext>
+                </a:extLst>
+              </p:cNvPr>
+              <p:cNvSpPr txBox="1">
+                <a:spLocks noRot="1" noChangeAspect="1" noMove="1" noResize="1" noEditPoints="1" noAdjustHandles="1" noChangeArrowheads="1" noChangeShapeType="1" noTextEdit="1"/>
+              </p:cNvSpPr>
+              <p:nvPr/>
+            </p:nvSpPr>
+            <p:spPr>
+              <a:xfrm>
+                <a:off x="586450" y="5640434"/>
+                <a:ext cx="6785447" cy="300660"/>
+              </a:xfrm>
+              <a:prstGeom prst="rect">
+                <a:avLst/>
+              </a:prstGeom>
+              <a:blipFill>
+                <a:blip r:embed="rId9"/>
+                <a:stretch>
+                  <a:fillRect l="-187" r="-748" b="-32000"/>
+                </a:stretch>
+              </a:blipFill>
+            </p:spPr>
+            <p:txBody>
+              <a:bodyPr/>
+              <a:lstStyle/>
+              <a:p>
+                <a:r>
+                  <a:rPr lang="en-US">
+                    <a:noFill/>
+                  </a:rPr>
+                  <a:t> </a:t>
+                </a:r>
+              </a:p>
+            </p:txBody>
+          </p:sp>
+        </mc:Fallback>
+      </mc:AlternateContent>
+    </p:spTree>
+    <p:extLst>
+      <p:ext uri="{BB962C8B-B14F-4D97-AF65-F5344CB8AC3E}">
+        <p14:creationId xmlns:p14="http://schemas.microsoft.com/office/powerpoint/2010/main" val="3003716209"/>
+      </p:ext>
+    </p:extLst>
+  </p:cSld>
+  <p:clrMapOvr>
+    <a:masterClrMapping/>
+  </p:clrMapOvr>
+  <p:timing>
+    <p:tnLst>
+      <p:par>
+        <p:cTn id="1" dur="indefinite" restart="never" nodeType="tmRoot">
+          <p:childTnLst>
+            <p:seq concurrent="1" nextAc="seek">
+              <p:cTn id="2" dur="indefinite" nodeType="mainSeq">
+                <p:childTnLst>
+                  <p:par>
+                    <p:cTn id="3" fill="hold">
+                      <p:stCondLst>
+                        <p:cond delay="indefinite"/>
+                      </p:stCondLst>
+                      <p:childTnLst>
+                        <p:par>
+                          <p:cTn id="4" fill="hold">
+                            <p:stCondLst>
+                              <p:cond delay="0"/>
+                            </p:stCondLst>
+                            <p:childTnLst>
+                              <p:par>
+                                <p:cTn id="5" presetID="3" presetClass="entr" presetSubtype="10" fill="hold" grpId="0" nodeType="clickEffect">
+                                  <p:stCondLst>
+                                    <p:cond delay="0"/>
+                                  </p:stCondLst>
+                                  <p:childTnLst>
+                                    <p:set>
+                                      <p:cBhvr>
+                                        <p:cTn id="6" dur="1" fill="hold">
+                                          <p:stCondLst>
+                                            <p:cond delay="0"/>
+                                          </p:stCondLst>
+                                        </p:cTn>
+                                        <p:tgtEl>
+                                          <p:spTgt spid="41"/>
+                                        </p:tgtEl>
+                                        <p:attrNameLst>
+                                          <p:attrName>style.visibility</p:attrName>
+                                        </p:attrNameLst>
+                                      </p:cBhvr>
+                                      <p:to>
+                                        <p:strVal val="visible"/>
+                                      </p:to>
+                                    </p:set>
+                                    <p:animEffect transition="in" filter="blinds(horizontal)">
+                                      <p:cBhvr>
+                                        <p:cTn id="7" dur="500"/>
+                                        <p:tgtEl>
+                                          <p:spTgt spid="41"/>
+                                        </p:tgtEl>
+                                      </p:cBhvr>
+                                    </p:animEffect>
+                                  </p:childTnLst>
+                                </p:cTn>
+                              </p:par>
+                              <p:par>
+                                <p:cTn id="8" presetID="3" presetClass="entr" presetSubtype="10" fill="hold" nodeType="withEffect">
+                                  <p:stCondLst>
+                                    <p:cond delay="0"/>
+                                  </p:stCondLst>
+                                  <p:childTnLst>
+                                    <p:set>
+                                      <p:cBhvr>
+                                        <p:cTn id="9" dur="1" fill="hold">
+                                          <p:stCondLst>
+                                            <p:cond delay="0"/>
+                                          </p:stCondLst>
+                                        </p:cTn>
+                                        <p:tgtEl>
+                                          <p:spTgt spid="40"/>
+                                        </p:tgtEl>
+                                        <p:attrNameLst>
+                                          <p:attrName>style.visibility</p:attrName>
+                                        </p:attrNameLst>
+                                      </p:cBhvr>
+                                      <p:to>
+                                        <p:strVal val="visible"/>
+                                      </p:to>
+                                    </p:set>
+                                    <p:animEffect transition="in" filter="blinds(horizontal)">
+                                      <p:cBhvr>
+                                        <p:cTn id="10" dur="500"/>
+                                        <p:tgtEl>
+                                          <p:spTgt spid="40"/>
+                                        </p:tgtEl>
+                                      </p:cBhvr>
+                                    </p:animEffect>
+                                  </p:childTnLst>
+                                </p:cTn>
+                              </p:par>
+                            </p:childTnLst>
+                          </p:cTn>
+                        </p:par>
+                      </p:childTnLst>
+                    </p:cTn>
+                  </p:par>
+                  <p:par>
+                    <p:cTn id="11" fill="hold">
+                      <p:stCondLst>
+                        <p:cond delay="indefinite"/>
+                      </p:stCondLst>
+                      <p:childTnLst>
+                        <p:par>
+                          <p:cTn id="12" fill="hold">
+                            <p:stCondLst>
+                              <p:cond delay="0"/>
+                            </p:stCondLst>
+                            <p:childTnLst>
+                              <p:par>
+                                <p:cTn id="13" presetID="1" presetClass="entr" presetSubtype="0" fill="hold" grpId="0" nodeType="clickEffect">
+                                  <p:stCondLst>
+                                    <p:cond delay="0"/>
+                                  </p:stCondLst>
+                                  <p:childTnLst>
+                                    <p:set>
+                                      <p:cBhvr>
+                                        <p:cTn id="14" dur="1" fill="hold">
+                                          <p:stCondLst>
+                                            <p:cond delay="0"/>
+                                          </p:stCondLst>
+                                        </p:cTn>
+                                        <p:tgtEl>
+                                          <p:spTgt spid="35"/>
+                                        </p:tgtEl>
+                                        <p:attrNameLst>
+                                          <p:attrName>style.visibility</p:attrName>
+                                        </p:attrNameLst>
+                                      </p:cBhvr>
+                                      <p:to>
+                                        <p:strVal val="visible"/>
+                                      </p:to>
+                                    </p:set>
+                                  </p:childTnLst>
+                                </p:cTn>
+                              </p:par>
+                              <p:par>
+                                <p:cTn id="15" presetID="1" presetClass="entr" presetSubtype="0" fill="hold" nodeType="withEffect">
+                                  <p:stCondLst>
+                                    <p:cond delay="0"/>
+                                  </p:stCondLst>
+                                  <p:childTnLst>
+                                    <p:set>
+                                      <p:cBhvr>
+                                        <p:cTn id="16" dur="1" fill="hold">
+                                          <p:stCondLst>
+                                            <p:cond delay="0"/>
+                                          </p:stCondLst>
+                                        </p:cTn>
+                                        <p:tgtEl>
+                                          <p:spTgt spid="9"/>
+                                        </p:tgtEl>
+                                        <p:attrNameLst>
+                                          <p:attrName>style.visibility</p:attrName>
+                                        </p:attrNameLst>
+                                      </p:cBhvr>
+                                      <p:to>
+                                        <p:strVal val="visible"/>
+                                      </p:to>
+                                    </p:set>
+                                  </p:childTnLst>
+                                </p:cTn>
+                              </p:par>
+                            </p:childTnLst>
+                          </p:cTn>
+                        </p:par>
+                      </p:childTnLst>
+                    </p:cTn>
+                  </p:par>
+                  <p:par>
+                    <p:cTn id="17" fill="hold">
+                      <p:stCondLst>
+                        <p:cond delay="indefinite"/>
+                      </p:stCondLst>
+                      <p:childTnLst>
+                        <p:par>
+                          <p:cTn id="18" fill="hold">
+                            <p:stCondLst>
+                              <p:cond delay="0"/>
+                            </p:stCondLst>
+                            <p:childTnLst>
+                              <p:par>
+                                <p:cTn id="19" presetID="1" presetClass="entr" presetSubtype="0" fill="hold" grpId="0" nodeType="clickEffect">
+                                  <p:stCondLst>
+                                    <p:cond delay="0"/>
+                                  </p:stCondLst>
+                                  <p:childTnLst>
+                                    <p:set>
+                                      <p:cBhvr>
+                                        <p:cTn id="20" dur="1" fill="hold">
+                                          <p:stCondLst>
+                                            <p:cond delay="0"/>
+                                          </p:stCondLst>
+                                        </p:cTn>
+                                        <p:tgtEl>
+                                          <p:spTgt spid="38"/>
+                                        </p:tgtEl>
+                                        <p:attrNameLst>
+                                          <p:attrName>style.visibility</p:attrName>
+                                        </p:attrNameLst>
+                                      </p:cBhvr>
+                                      <p:to>
+                                        <p:strVal val="visible"/>
+                                      </p:to>
+                                    </p:set>
+                                  </p:childTnLst>
+                                </p:cTn>
+                              </p:par>
+                            </p:childTnLst>
+                          </p:cTn>
+                        </p:par>
+                      </p:childTnLst>
+                    </p:cTn>
+                  </p:par>
+                  <p:par>
+                    <p:cTn id="21" fill="hold">
+                      <p:stCondLst>
+                        <p:cond delay="indefinite"/>
+                      </p:stCondLst>
+                      <p:childTnLst>
+                        <p:par>
+                          <p:cTn id="22" fill="hold">
+                            <p:stCondLst>
+                              <p:cond delay="0"/>
+                            </p:stCondLst>
+                            <p:childTnLst>
+                              <p:par>
+                                <p:cTn id="23" presetID="1" presetClass="entr" presetSubtype="0" fill="hold" grpId="0" nodeType="clickEffect">
+                                  <p:stCondLst>
+                                    <p:cond delay="0"/>
+                                  </p:stCondLst>
+                                  <p:childTnLst>
+                                    <p:set>
+                                      <p:cBhvr>
+                                        <p:cTn id="24" dur="1" fill="hold">
+                                          <p:stCondLst>
+                                            <p:cond delay="0"/>
+                                          </p:stCondLst>
+                                        </p:cTn>
+                                        <p:tgtEl>
+                                          <p:spTgt spid="32"/>
+                                        </p:tgtEl>
+                                        <p:attrNameLst>
+                                          <p:attrName>style.visibility</p:attrName>
+                                        </p:attrNameLst>
+                                      </p:cBhvr>
+                                      <p:to>
+                                        <p:strVal val="visible"/>
+                                      </p:to>
+                                    </p:set>
+                                  </p:childTnLst>
+                                </p:cTn>
+                              </p:par>
+                              <p:par>
+                                <p:cTn id="25" presetID="1" presetClass="entr" presetSubtype="0" fill="hold" grpId="0" nodeType="withEffect">
+                                  <p:stCondLst>
+                                    <p:cond delay="0"/>
+                                  </p:stCondLst>
+                                  <p:childTnLst>
+                                    <p:set>
+                                      <p:cBhvr>
+                                        <p:cTn id="26" dur="1" fill="hold">
+                                          <p:stCondLst>
+                                            <p:cond delay="0"/>
+                                          </p:stCondLst>
+                                        </p:cTn>
+                                        <p:tgtEl>
+                                          <p:spTgt spid="33"/>
+                                        </p:tgtEl>
+                                        <p:attrNameLst>
+                                          <p:attrName>style.visibility</p:attrName>
+                                        </p:attrNameLst>
+                                      </p:cBhvr>
+                                      <p:to>
+                                        <p:strVal val="visible"/>
+                                      </p:to>
+                                    </p:set>
+                                  </p:childTnLst>
+                                </p:cTn>
+                              </p:par>
+                            </p:childTnLst>
+                          </p:cTn>
+                        </p:par>
+                      </p:childTnLst>
+                    </p:cTn>
+                  </p:par>
+                  <p:par>
+                    <p:cTn id="27" fill="hold">
+                      <p:stCondLst>
+                        <p:cond delay="indefinite"/>
+                      </p:stCondLst>
+                      <p:childTnLst>
+                        <p:par>
+                          <p:cTn id="28" fill="hold">
+                            <p:stCondLst>
+                              <p:cond delay="0"/>
+                            </p:stCondLst>
+                            <p:childTnLst>
+                              <p:par>
+                                <p:cTn id="29" presetID="3" presetClass="entr" presetSubtype="10" fill="hold" grpId="0" nodeType="clickEffect">
+                                  <p:stCondLst>
+                                    <p:cond delay="0"/>
+                                  </p:stCondLst>
+                                  <p:childTnLst>
+                                    <p:set>
+                                      <p:cBhvr>
+                                        <p:cTn id="30" dur="1" fill="hold">
+                                          <p:stCondLst>
+                                            <p:cond delay="0"/>
+                                          </p:stCondLst>
+                                        </p:cTn>
+                                        <p:tgtEl>
+                                          <p:spTgt spid="39"/>
+                                        </p:tgtEl>
+                                        <p:attrNameLst>
+                                          <p:attrName>style.visibility</p:attrName>
+                                        </p:attrNameLst>
+                                      </p:cBhvr>
+                                      <p:to>
+                                        <p:strVal val="visible"/>
+                                      </p:to>
+                                    </p:set>
+                                    <p:animEffect transition="in" filter="blinds(horizontal)">
+                                      <p:cBhvr>
+                                        <p:cTn id="31" dur="500"/>
+                                        <p:tgtEl>
+                                          <p:spTgt spid="39"/>
+                                        </p:tgtEl>
+                                      </p:cBhvr>
+                                    </p:animEffect>
+                                  </p:childTnLst>
+                                </p:cTn>
+                              </p:par>
+                              <p:par>
+                                <p:cTn id="32" presetID="3" presetClass="entr" presetSubtype="10" fill="hold" grpId="0" nodeType="withEffect">
+                                  <p:stCondLst>
+                                    <p:cond delay="0"/>
+                                  </p:stCondLst>
+                                  <p:childTnLst>
+                                    <p:set>
+                                      <p:cBhvr>
+                                        <p:cTn id="33" dur="1" fill="hold">
+                                          <p:stCondLst>
+                                            <p:cond delay="0"/>
+                                          </p:stCondLst>
+                                        </p:cTn>
+                                        <p:tgtEl>
+                                          <p:spTgt spid="42"/>
+                                        </p:tgtEl>
+                                        <p:attrNameLst>
+                                          <p:attrName>style.visibility</p:attrName>
+                                        </p:attrNameLst>
+                                      </p:cBhvr>
+                                      <p:to>
+                                        <p:strVal val="visible"/>
+                                      </p:to>
+                                    </p:set>
+                                    <p:animEffect transition="in" filter="blinds(horizontal)">
+                                      <p:cBhvr>
+                                        <p:cTn id="34" dur="500"/>
+                                        <p:tgtEl>
+                                          <p:spTgt spid="42"/>
+                                        </p:tgtEl>
+                                      </p:cBhvr>
+                                    </p:animEffect>
+                                  </p:childTnLst>
+                                </p:cTn>
+                              </p:par>
+                            </p:childTnLst>
+                          </p:cTn>
+                        </p:par>
+                      </p:childTnLst>
+                    </p:cTn>
+                  </p:par>
+                </p:childTnLst>
+              </p:cTn>
+              <p:prevCondLst>
+                <p:cond evt="onPrev" delay="0">
+                  <p:tgtEl>
+                    <p:sldTgt/>
+                  </p:tgtEl>
+                </p:cond>
+              </p:prevCondLst>
+              <p:nextCondLst>
+                <p:cond evt="onNext" delay="0">
+                  <p:tgtEl>
+                    <p:sldTgt/>
+                  </p:tgtEl>
+                </p:cond>
+              </p:nextCondLst>
+            </p:seq>
+          </p:childTnLst>
+        </p:cTn>
+      </p:par>
+    </p:tnLst>
+    <p:bldLst>
+      <p:bldP spid="32" grpId="0"/>
+      <p:bldP spid="33" grpId="0"/>
+      <p:bldP spid="35" grpId="0"/>
+      <p:bldP spid="38" grpId="0"/>
+      <p:bldP spid="39" grpId="0"/>
+      <p:bldP spid="41" grpId="0"/>
+      <p:bldP spid="42" grpId="0"/>
+    </p:bldLst>
+  </p:timing>
+</p:sld>
+</file>
+
+<file path=ppt/slides/slide11.xml><?xml version="1.0" encoding="utf-8"?>
+<p:sld xmlns:a="http://schemas.openxmlformats.org/drawingml/2006/main" xmlns:r="http://schemas.openxmlformats.org/officeDocument/2006/relationships" xmlns:p="http://schemas.openxmlformats.org/presentationml/2006/main">
+  <p:cSld>
+    <p:spTree>
+      <p:nvGrpSpPr>
+        <p:cNvPr id="1" name=""/>
+        <p:cNvGrpSpPr/>
+        <p:nvPr/>
+      </p:nvGrpSpPr>
+      <p:grpSpPr>
+        <a:xfrm>
+          <a:off x="0" y="0"/>
+          <a:ext cx="0" cy="0"/>
+          <a:chOff x="0" y="0"/>
+          <a:chExt cx="0" cy="0"/>
+        </a:xfrm>
+      </p:grpSpPr>
+      <p:sp>
+        <p:nvSpPr>
+          <p:cNvPr id="2" name="Title 1">
+            <a:extLst>
+              <a:ext uri="{FF2B5EF4-FFF2-40B4-BE49-F238E27FC236}">
                 <a16:creationId xmlns:a16="http://schemas.microsoft.com/office/drawing/2014/main" id="{D58E0158-A031-9D78-030F-62F57D2B23C2}"/>
               </a:ext>
             </a:extLst>
@@ -5466,7 +8592,7 @@
               <a:pPr>
                 <a:defRPr/>
               </a:pPr>
-              <a:t>10</a:t>
+              <a:t>11</a:t>
             </a:fld>
             <a:endParaRPr lang="en-US" altLang="x-none"/>
           </a:p>
@@ -6204,8 +9330,8 @@
           </p:sp>
         </mc:Fallback>
       </mc:AlternateContent>
-      <mc:AlternateContent xmlns:mc="http://schemas.openxmlformats.org/markup-compatibility/2006">
-        <mc:Choice xmlns:a14="http://schemas.microsoft.com/office/drawing/2010/main" Requires="a14">
+      <mc:AlternateContent xmlns:mc="http://schemas.openxmlformats.org/markup-compatibility/2006" xmlns:a14="http://schemas.microsoft.com/office/drawing/2010/main">
+        <mc:Choice Requires="a14">
           <p:sp>
             <p:nvSpPr>
               <p:cNvPr id="31" name="TextBox 30">
@@ -6526,7 +9652,7 @@
             </p:txBody>
           </p:sp>
         </mc:Choice>
-        <mc:Fallback>
+        <mc:Fallback xmlns="">
           <p:sp>
             <p:nvSpPr>
               <p:cNvPr id="31" name="TextBox 30">
@@ -6610,8 +9736,8 @@
           </a:p>
         </p:txBody>
       </p:sp>
-      <mc:AlternateContent xmlns:mc="http://schemas.openxmlformats.org/markup-compatibility/2006">
-        <mc:Choice xmlns:a14="http://schemas.microsoft.com/office/drawing/2010/main" Requires="a14">
+      <mc:AlternateContent xmlns:mc="http://schemas.openxmlformats.org/markup-compatibility/2006" xmlns:a14="http://schemas.microsoft.com/office/drawing/2010/main">
+        <mc:Choice Requires="a14">
           <p:sp>
             <p:nvSpPr>
               <p:cNvPr id="4" name="TextBox 3">
@@ -6693,37 +9819,7 @@
                         <a:rPr lang="en-US" b="0" i="1" smtClean="0">
                           <a:latin typeface="Cambria Math" panose="02040503050406030204" pitchFamily="18" charset="0"/>
                         </a:rPr>
-                        <m:t>=</m:t>
-                      </m:r>
-                      <m:r>
-                        <a:rPr lang="en-US" b="0" i="1" smtClean="0">
-                          <a:latin typeface="Cambria Math" panose="02040503050406030204" pitchFamily="18" charset="0"/>
-                        </a:rPr>
-                        <m:t>6</m:t>
-                      </m:r>
-                      <m:r>
-                        <a:rPr lang="en-US" b="0" i="1" smtClean="0">
-                          <a:latin typeface="Cambria Math" panose="02040503050406030204" pitchFamily="18" charset="0"/>
-                        </a:rPr>
-                        <m:t>, </m:t>
-                      </m:r>
-                      <m:r>
-                        <a:rPr lang="en-US" b="0" i="1" smtClean="0">
-                          <a:latin typeface="Cambria Math" panose="02040503050406030204" pitchFamily="18" charset="0"/>
-                        </a:rPr>
-                        <m:t>1</m:t>
-                      </m:r>
-                      <m:r>
-                        <a:rPr lang="en-US" b="0" i="1" smtClean="0">
-                          <a:latin typeface="Cambria Math" panose="02040503050406030204" pitchFamily="18" charset="0"/>
-                        </a:rPr>
-                        <m:t>2, 3, </m:t>
-                      </m:r>
-                      <m:r>
-                        <a:rPr lang="en-US" b="0" i="1" smtClean="0">
-                          <a:latin typeface="Cambria Math" panose="02040503050406030204" pitchFamily="18" charset="0"/>
-                        </a:rPr>
-                        <m:t>15</m:t>
+                        <m:t>=6, 12, 3, 15</m:t>
                       </m:r>
                     </m:oMath>
                   </m:oMathPara>
@@ -6733,7 +9829,7 @@
             </p:txBody>
           </p:sp>
         </mc:Choice>
-        <mc:Fallback>
+        <mc:Fallback xmlns="">
           <p:sp>
             <p:nvSpPr>
               <p:cNvPr id="4" name="TextBox 3">
@@ -6791,7 +9887,7 @@
 </p:sld>
 </file>
 
-<file path=ppt/slides/slide11.xml><?xml version="1.0" encoding="utf-8"?>
+<file path=ppt/slides/slide12.xml><?xml version="1.0" encoding="utf-8"?>
 <p:sld xmlns:a="http://schemas.openxmlformats.org/drawingml/2006/main" xmlns:r="http://schemas.openxmlformats.org/officeDocument/2006/relationships" xmlns:p="http://schemas.openxmlformats.org/presentationml/2006/main">
   <p:cSld>
     <p:spTree>
@@ -6865,7 +9961,7 @@
               <a:pPr>
                 <a:defRPr/>
               </a:pPr>
-              <a:t>11</a:t>
+              <a:t>12</a:t>
             </a:fld>
             <a:endParaRPr lang="en-US" altLang="x-none"/>
           </a:p>
@@ -7827,7 +10923,7 @@
 </p:sld>
 </file>
 
-<file path=ppt/slides/slide12.xml><?xml version="1.0" encoding="utf-8"?>
+<file path=ppt/slides/slide13.xml><?xml version="1.0" encoding="utf-8"?>
 <p:sld xmlns:a="http://schemas.openxmlformats.org/drawingml/2006/main" xmlns:r="http://schemas.openxmlformats.org/officeDocument/2006/relationships" xmlns:p="http://schemas.openxmlformats.org/presentationml/2006/main">
   <p:cSld>
     <p:spTree>
@@ -7901,7 +10997,7 @@
               <a:pPr>
                 <a:defRPr/>
               </a:pPr>
-              <a:t>12</a:t>
+              <a:t>13</a:t>
             </a:fld>
             <a:endParaRPr lang="en-US" altLang="x-none"/>
           </a:p>
@@ -9353,7 +12449,7 @@
 </p:sld>
 </file>
 
-<file path=ppt/slides/slide13.xml><?xml version="1.0" encoding="utf-8"?>
+<file path=ppt/slides/slide14.xml><?xml version="1.0" encoding="utf-8"?>
 <p:sld xmlns:a="http://schemas.openxmlformats.org/drawingml/2006/main" xmlns:r="http://schemas.openxmlformats.org/officeDocument/2006/relationships" xmlns:p="http://schemas.openxmlformats.org/presentationml/2006/main">
   <p:cSld>
     <p:spTree>
@@ -9427,14 +12523,14 @@
               <a:pPr>
                 <a:defRPr/>
               </a:pPr>
-              <a:t>13</a:t>
+              <a:t>14</a:t>
             </a:fld>
             <a:endParaRPr lang="en-US" altLang="x-none"/>
           </a:p>
         </p:txBody>
       </p:sp>
-      <mc:AlternateContent xmlns:mc="http://schemas.openxmlformats.org/markup-compatibility/2006">
-        <mc:Choice xmlns:a14="http://schemas.microsoft.com/office/drawing/2010/main" Requires="a14">
+      <mc:AlternateContent xmlns:mc="http://schemas.openxmlformats.org/markup-compatibility/2006" xmlns:a14="http://schemas.microsoft.com/office/drawing/2010/main">
+        <mc:Choice Requires="a14">
           <p:sp>
             <p:nvSpPr>
               <p:cNvPr id="4" name="TextBox 3">
@@ -9538,13 +12634,7 @@
                         <a:rPr lang="en-US" b="0" i="1" smtClean="0">
                           <a:latin typeface="Cambria Math" panose="02040503050406030204" pitchFamily="18" charset="0"/>
                         </a:rPr>
-                        <m:t>𝑏</m:t>
-                      </m:r>
-                      <m:r>
-                        <a:rPr lang="en-US" b="0" i="1" smtClean="0">
-                          <a:latin typeface="Cambria Math" panose="02040503050406030204" pitchFamily="18" charset="0"/>
-                        </a:rPr>
-                        <m:t>𝑢</m:t>
+                        <m:t>𝑏𝑢</m:t>
                       </m:r>
                       <m:r>
                         <a:rPr lang="en-US" b="0" i="1" smtClean="0">
@@ -9572,7 +12662,7 @@
             </p:txBody>
           </p:sp>
         </mc:Choice>
-        <mc:Fallback>
+        <mc:Fallback xmlns="">
           <p:sp>
             <p:nvSpPr>
               <p:cNvPr id="4" name="TextBox 3">
@@ -11850,6 +14940,108 @@
                 <a:blip r:embed="rId10"/>
                 <a:stretch>
                   <a:fillRect l="-679" t="-6667" b="-26667"/>
+                </a:stretch>
+              </a:blipFill>
+            </p:spPr>
+            <p:txBody>
+              <a:bodyPr/>
+              <a:lstStyle/>
+              <a:p>
+                <a:r>
+                  <a:rPr lang="en-US">
+                    <a:noFill/>
+                  </a:rPr>
+                  <a:t> </a:t>
+                </a:r>
+              </a:p>
+            </p:txBody>
+          </p:sp>
+        </mc:Fallback>
+      </mc:AlternateContent>
+      <mc:AlternateContent xmlns:mc="http://schemas.openxmlformats.org/markup-compatibility/2006" xmlns:a14="http://schemas.microsoft.com/office/drawing/2010/main">
+        <mc:Choice Requires="a14">
+          <p:sp>
+            <p:nvSpPr>
+              <p:cNvPr id="12" name="TextBox 11">
+                <a:extLst>
+                  <a:ext uri="{FF2B5EF4-FFF2-40B4-BE49-F238E27FC236}">
+                    <a16:creationId xmlns:a16="http://schemas.microsoft.com/office/drawing/2014/main" id="{153297E6-F353-44EC-3F2D-46012D602B5E}"/>
+                  </a:ext>
+                </a:extLst>
+              </p:cNvPr>
+              <p:cNvSpPr txBox="1"/>
+              <p:nvPr/>
+            </p:nvSpPr>
+            <p:spPr>
+              <a:xfrm>
+                <a:off x="2175143" y="6187973"/>
+                <a:ext cx="638573" cy="276999"/>
+              </a:xfrm>
+              <a:prstGeom prst="rect">
+                <a:avLst/>
+              </a:prstGeom>
+              <a:noFill/>
+            </p:spPr>
+            <p:txBody>
+              <a:bodyPr wrap="none" lIns="0" tIns="0" rIns="0" bIns="0" rtlCol="0">
+                <a:spAutoFit/>
+              </a:bodyPr>
+              <a:lstStyle/>
+              <a:p>
+                <a:pPr/>
+                <a14:m>
+                  <m:oMathPara xmlns:m="http://schemas.openxmlformats.org/officeDocument/2006/math">
+                    <m:oMathParaPr>
+                      <m:jc m:val="centerGroup"/>
+                    </m:oMathParaPr>
+                    <m:oMath xmlns:m="http://schemas.openxmlformats.org/officeDocument/2006/math">
+                      <m:r>
+                        <a:rPr lang="en-US" b="0" i="1" smtClean="0">
+                          <a:latin typeface="Cambria Math" panose="02040503050406030204" pitchFamily="18" charset="0"/>
+                        </a:rPr>
+                        <m:t>𝛼</m:t>
+                      </m:r>
+                      <m:r>
+                        <a:rPr lang="en-US" b="0" i="1" smtClean="0">
+                          <a:latin typeface="Cambria Math" panose="02040503050406030204" pitchFamily="18" charset="0"/>
+                        </a:rPr>
+                        <m:t>&lt;0</m:t>
+                      </m:r>
+                    </m:oMath>
+                  </m:oMathPara>
+                </a14:m>
+                <a:endParaRPr lang="en-US" dirty="0"/>
+              </a:p>
+            </p:txBody>
+          </p:sp>
+        </mc:Choice>
+        <mc:Fallback xmlns="">
+          <p:sp>
+            <p:nvSpPr>
+              <p:cNvPr id="12" name="TextBox 11">
+                <a:extLst>
+                  <a:ext uri="{FF2B5EF4-FFF2-40B4-BE49-F238E27FC236}">
+                    <a16:creationId xmlns:a16="http://schemas.microsoft.com/office/drawing/2014/main" id="{153297E6-F353-44EC-3F2D-46012D602B5E}"/>
+                  </a:ext>
+                </a:extLst>
+              </p:cNvPr>
+              <p:cNvSpPr txBox="1">
+                <a:spLocks noRot="1" noChangeAspect="1" noMove="1" noResize="1" noEditPoints="1" noAdjustHandles="1" noChangeArrowheads="1" noChangeShapeType="1" noTextEdit="1"/>
+              </p:cNvSpPr>
+              <p:nvPr/>
+            </p:nvSpPr>
+            <p:spPr>
+              <a:xfrm>
+                <a:off x="2175143" y="6187973"/>
+                <a:ext cx="638573" cy="276999"/>
+              </a:xfrm>
+              <a:prstGeom prst="rect">
+                <a:avLst/>
+              </a:prstGeom>
+              <a:blipFill>
+                <a:blip r:embed="rId11"/>
+                <a:stretch>
+                  <a:fillRect l="-3922" r="-7843" b="-8696"/>
                 </a:stretch>
               </a:blipFill>
             </p:spPr>
@@ -12327,6 +15519,51 @@
                       </p:childTnLst>
                     </p:cTn>
                   </p:par>
+                  <p:par>
+                    <p:cTn id="41" fill="hold">
+                      <p:stCondLst>
+                        <p:cond delay="indefinite"/>
+                      </p:stCondLst>
+                      <p:childTnLst>
+                        <p:par>
+                          <p:cTn id="42" fill="hold">
+                            <p:stCondLst>
+                              <p:cond delay="0"/>
+                            </p:stCondLst>
+                            <p:childTnLst>
+                              <p:par>
+                                <p:cTn id="43" presetID="1" presetClass="entr" presetSubtype="0" fill="hold" grpId="0" nodeType="clickEffect">
+                                  <p:stCondLst>
+                                    <p:cond delay="0"/>
+                                  </p:stCondLst>
+                                  <p:childTnLst>
+                                    <p:set>
+                                      <p:cBhvr>
+                                        <p:cTn id="44" dur="1" fill="hold">
+                                          <p:stCondLst>
+                                            <p:cond delay="0"/>
+                                          </p:stCondLst>
+                                        </p:cTn>
+                                        <p:tgtEl>
+                                          <p:spTgt spid="12"/>
+                                        </p:tgtEl>
+                                        <p:attrNameLst>
+                                          <p:attrName>style.visibility</p:attrName>
+                                        </p:attrNameLst>
+                                      </p:cBhvr>
+                                      <p:to>
+                                        <p:strVal val="visible"/>
+                                      </p:to>
+                                    </p:set>
+                                  </p:childTnLst>
+                                </p:cTn>
+                              </p:par>
+                            </p:childTnLst>
+                          </p:cTn>
+                        </p:par>
+                      </p:childTnLst>
+                    </p:cTn>
+                  </p:par>
                 </p:childTnLst>
               </p:cTn>
               <p:prevCondLst>
@@ -12360,12 +15597,13 @@
       <p:bldP spid="13" grpId="0"/>
       <p:bldP spid="14" grpId="0"/>
       <p:bldP spid="15" grpId="0"/>
+      <p:bldP spid="12" grpId="0"/>
     </p:bldLst>
   </p:timing>
 </p:sld>
 </file>
 
-<file path=ppt/slides/slide14.xml><?xml version="1.0" encoding="utf-8"?>
+<file path=ppt/slides/slide15.xml><?xml version="1.0" encoding="utf-8"?>
 <p:sld xmlns:a="http://schemas.openxmlformats.org/drawingml/2006/main" xmlns:r="http://schemas.openxmlformats.org/officeDocument/2006/relationships" xmlns:p="http://schemas.openxmlformats.org/presentationml/2006/main">
   <p:cSld>
     <p:spTree>
@@ -12415,8 +15653,8 @@
           </a:p>
         </p:txBody>
       </p:sp>
-      <mc:AlternateContent xmlns:mc="http://schemas.openxmlformats.org/markup-compatibility/2006">
-        <mc:Choice xmlns:a14="http://schemas.microsoft.com/office/drawing/2010/main" Requires="a14">
+      <mc:AlternateContent xmlns:mc="http://schemas.openxmlformats.org/markup-compatibility/2006" xmlns:a14="http://schemas.microsoft.com/office/drawing/2010/main">
+        <mc:Choice Requires="a14">
           <p:sp>
             <p:nvSpPr>
               <p:cNvPr id="3" name="Content Placeholder 2">
@@ -12993,7 +16231,7 @@
             </p:txBody>
           </p:sp>
         </mc:Choice>
-        <mc:Fallback>
+        <mc:Fallback xmlns="">
           <p:sp>
             <p:nvSpPr>
               <p:cNvPr id="3" name="Content Placeholder 2">
@@ -13066,7 +16304,7 @@
               <a:pPr>
                 <a:defRPr/>
               </a:pPr>
-              <a:t>14</a:t>
+              <a:t>15</a:t>
             </a:fld>
             <a:endParaRPr lang="en-US" altLang="x-none"/>
           </a:p>
@@ -13788,7 +17026,7 @@
 </p:sld>
 </file>
 
-<file path=ppt/slides/slide15.xml><?xml version="1.0" encoding="utf-8"?>
+<file path=ppt/slides/slide16.xml><?xml version="1.0" encoding="utf-8"?>
 <p:sld xmlns:a="http://schemas.openxmlformats.org/drawingml/2006/main" xmlns:r="http://schemas.openxmlformats.org/officeDocument/2006/relationships" xmlns:p="http://schemas.openxmlformats.org/presentationml/2006/main">
   <p:cSld>
     <p:spTree>
@@ -13838,8 +17076,8 @@
           </a:p>
         </p:txBody>
       </p:sp>
-      <mc:AlternateContent xmlns:mc="http://schemas.openxmlformats.org/markup-compatibility/2006">
-        <mc:Choice xmlns:a14="http://schemas.microsoft.com/office/drawing/2010/main" Requires="a14">
+      <mc:AlternateContent xmlns:mc="http://schemas.openxmlformats.org/markup-compatibility/2006" xmlns:a14="http://schemas.microsoft.com/office/drawing/2010/main">
+        <mc:Choice Requires="a14">
           <p:sp>
             <p:nvSpPr>
               <p:cNvPr id="3" name="Content Placeholder 2">
@@ -14011,7 +17249,7 @@
             </p:txBody>
           </p:sp>
         </mc:Choice>
-        <mc:Fallback>
+        <mc:Fallback xmlns="">
           <p:sp>
             <p:nvSpPr>
               <p:cNvPr id="3" name="Content Placeholder 2">
@@ -14084,7 +17322,7 @@
               <a:pPr>
                 <a:defRPr/>
               </a:pPr>
-              <a:t>15</a:t>
+              <a:t>16</a:t>
             </a:fld>
             <a:endParaRPr lang="en-US" altLang="x-none"/>
           </a:p>
@@ -14277,13 +17515,12 @@
           </a:bodyPr>
           <a:lstStyle/>
           <a:p>
-            <a:pPr/>
             <a:endParaRPr lang="en-US" dirty="0"/>
           </a:p>
         </p:txBody>
       </p:sp>
-      <mc:AlternateContent xmlns:mc="http://schemas.openxmlformats.org/markup-compatibility/2006">
-        <mc:Choice xmlns:a14="http://schemas.microsoft.com/office/drawing/2010/main" Requires="a14">
+      <mc:AlternateContent xmlns:mc="http://schemas.openxmlformats.org/markup-compatibility/2006" xmlns:a14="http://schemas.microsoft.com/office/drawing/2010/main">
+        <mc:Choice Requires="a14">
           <p:sp>
             <p:nvSpPr>
               <p:cNvPr id="14" name="TextBox 13">
@@ -14339,7 +17576,7 @@
             </p:txBody>
           </p:sp>
         </mc:Choice>
-        <mc:Fallback>
+        <mc:Fallback xmlns="">
           <p:sp>
             <p:nvSpPr>
               <p:cNvPr id="14" name="TextBox 13">
@@ -14384,8 +17621,8 @@
           </p:sp>
         </mc:Fallback>
       </mc:AlternateContent>
-      <mc:AlternateContent xmlns:mc="http://schemas.openxmlformats.org/markup-compatibility/2006">
-        <mc:Choice xmlns:a14="http://schemas.microsoft.com/office/drawing/2010/main" Requires="a14">
+      <mc:AlternateContent xmlns:mc="http://schemas.openxmlformats.org/markup-compatibility/2006" xmlns:a14="http://schemas.microsoft.com/office/drawing/2010/main">
+        <mc:Choice Requires="a14">
           <p:sp>
             <p:nvSpPr>
               <p:cNvPr id="15" name="TextBox 14">
@@ -14441,7 +17678,7 @@
             </p:txBody>
           </p:sp>
         </mc:Choice>
-        <mc:Fallback>
+        <mc:Fallback xmlns="">
           <p:sp>
             <p:nvSpPr>
               <p:cNvPr id="15" name="TextBox 14">
@@ -14486,8 +17723,8 @@
           </p:sp>
         </mc:Fallback>
       </mc:AlternateContent>
-      <mc:AlternateContent xmlns:mc="http://schemas.openxmlformats.org/markup-compatibility/2006">
-        <mc:Choice xmlns:a14="http://schemas.microsoft.com/office/drawing/2010/main" Requires="a14">
+      <mc:AlternateContent xmlns:mc="http://schemas.openxmlformats.org/markup-compatibility/2006" xmlns:a14="http://schemas.microsoft.com/office/drawing/2010/main">
+        <mc:Choice Requires="a14">
           <p:sp>
             <p:nvSpPr>
               <p:cNvPr id="5" name="TextBox 4">
@@ -14516,6 +17753,7 @@
               </a:bodyPr>
               <a:lstStyle/>
               <a:p>
+                <a:pPr/>
                 <a14:m>
                   <m:oMathPara xmlns:m="http://schemas.openxmlformats.org/officeDocument/2006/math">
                     <m:oMathParaPr>
@@ -14542,7 +17780,7 @@
             </p:txBody>
           </p:sp>
         </mc:Choice>
-        <mc:Fallback>
+        <mc:Fallback xmlns="">
           <p:sp>
             <p:nvSpPr>
               <p:cNvPr id="5" name="TextBox 4">
@@ -15047,7 +18285,7 @@
 </p:sld>
 </file>
 
-<file path=ppt/slides/slide16.xml><?xml version="1.0" encoding="utf-8"?>
+<file path=ppt/slides/slide17.xml><?xml version="1.0" encoding="utf-8"?>
 <p:sld xmlns:a="http://schemas.openxmlformats.org/drawingml/2006/main" xmlns:r="http://schemas.openxmlformats.org/officeDocument/2006/relationships" xmlns:p="http://schemas.openxmlformats.org/presentationml/2006/main">
   <p:cSld>
     <p:spTree>
@@ -15784,7 +19022,7 @@
               <a:pPr>
                 <a:defRPr/>
               </a:pPr>
-              <a:t>16</a:t>
+              <a:t>17</a:t>
             </a:fld>
             <a:endParaRPr lang="en-US" altLang="x-none"/>
           </a:p>
@@ -16735,7 +19973,7 @@
 </p:sld>
 </file>
 
-<file path=ppt/slides/slide17.xml><?xml version="1.0" encoding="utf-8"?>
+<file path=ppt/slides/slide18.xml><?xml version="1.0" encoding="utf-8"?>
 <p:sld xmlns:a="http://schemas.openxmlformats.org/drawingml/2006/main" xmlns:r="http://schemas.openxmlformats.org/officeDocument/2006/relationships" xmlns:p="http://schemas.openxmlformats.org/presentationml/2006/main">
   <p:cSld>
     <p:spTree>
@@ -16781,8 +20019,8 @@
           </a:p>
         </p:txBody>
       </p:sp>
-      <mc:AlternateContent xmlns:mc="http://schemas.openxmlformats.org/markup-compatibility/2006">
-        <mc:Choice xmlns:a14="http://schemas.microsoft.com/office/drawing/2010/main" Requires="a14">
+      <mc:AlternateContent xmlns:mc="http://schemas.openxmlformats.org/markup-compatibility/2006" xmlns:a14="http://schemas.microsoft.com/office/drawing/2010/main">
+        <mc:Choice Requires="a14">
           <p:sp>
             <p:nvSpPr>
               <p:cNvPr id="3" name="Content Placeholder 2">
@@ -16901,7 +20139,7 @@
             </p:txBody>
           </p:sp>
         </mc:Choice>
-        <mc:Fallback>
+        <mc:Fallback xmlns="">
           <p:sp>
             <p:nvSpPr>
               <p:cNvPr id="3" name="Content Placeholder 2">
@@ -16974,14 +20212,14 @@
               <a:pPr>
                 <a:defRPr/>
               </a:pPr>
-              <a:t>17</a:t>
+              <a:t>18</a:t>
             </a:fld>
             <a:endParaRPr lang="en-US" altLang="x-none"/>
           </a:p>
         </p:txBody>
       </p:sp>
-      <mc:AlternateContent xmlns:mc="http://schemas.openxmlformats.org/markup-compatibility/2006">
-        <mc:Choice xmlns:a14="http://schemas.microsoft.com/office/drawing/2010/main" Requires="a14">
+      <mc:AlternateContent xmlns:mc="http://schemas.openxmlformats.org/markup-compatibility/2006" xmlns:a14="http://schemas.microsoft.com/office/drawing/2010/main">
+        <mc:Choice Requires="a14">
           <p:graphicFrame>
             <p:nvGraphicFramePr>
               <p:cNvPr id="5" name="Table 5">
@@ -17880,7 +21118,7 @@
             </a:graphic>
           </p:graphicFrame>
         </mc:Choice>
-        <mc:Fallback>
+        <mc:Fallback xmlns="">
           <p:graphicFrame>
             <p:nvGraphicFramePr>
               <p:cNvPr id="5" name="Table 5">
@@ -18293,7 +21531,7 @@
 </p:sld>
 </file>
 
-<file path=ppt/slides/slide18.xml><?xml version="1.0" encoding="utf-8"?>
+<file path=ppt/slides/slide19.xml><?xml version="1.0" encoding="utf-8"?>
 <p:sld xmlns:a="http://schemas.openxmlformats.org/drawingml/2006/main" xmlns:r="http://schemas.openxmlformats.org/officeDocument/2006/relationships" xmlns:p="http://schemas.openxmlformats.org/presentationml/2006/main">
   <p:cSld>
     <p:spTree>
@@ -18411,7 +21649,7 @@
               <a:pPr>
                 <a:defRPr/>
               </a:pPr>
-              <a:t>18</a:t>
+              <a:t>19</a:t>
             </a:fld>
             <a:endParaRPr lang="en-US" altLang="x-none"/>
           </a:p>
@@ -18897,7 +22135,172 @@
 </p:sld>
 </file>
 
-<file path=ppt/slides/slide19.xml><?xml version="1.0" encoding="utf-8"?>
+<file path=ppt/slides/slide2.xml><?xml version="1.0" encoding="utf-8"?>
+<p:sld xmlns:a="http://schemas.openxmlformats.org/drawingml/2006/main" xmlns:r="http://schemas.openxmlformats.org/officeDocument/2006/relationships" xmlns:p="http://schemas.openxmlformats.org/presentationml/2006/main">
+  <p:cSld>
+    <p:spTree>
+      <p:nvGrpSpPr>
+        <p:cNvPr id="1" name=""/>
+        <p:cNvGrpSpPr/>
+        <p:nvPr/>
+      </p:nvGrpSpPr>
+      <p:grpSpPr>
+        <a:xfrm>
+          <a:off x="0" y="0"/>
+          <a:ext cx="0" cy="0"/>
+          <a:chOff x="0" y="0"/>
+          <a:chExt cx="0" cy="0"/>
+        </a:xfrm>
+      </p:grpSpPr>
+      <p:sp>
+        <p:nvSpPr>
+          <p:cNvPr id="2" name="Title 1">
+            <a:extLst>
+              <a:ext uri="{FF2B5EF4-FFF2-40B4-BE49-F238E27FC236}">
+                <a16:creationId xmlns:a16="http://schemas.microsoft.com/office/drawing/2014/main" id="{6E005764-3DB3-EF22-C152-8DBBFD1E1FE4}"/>
+              </a:ext>
+            </a:extLst>
+          </p:cNvPr>
+          <p:cNvSpPr>
+            <a:spLocks noGrp="1"/>
+          </p:cNvSpPr>
+          <p:nvPr>
+            <p:ph type="title"/>
+          </p:nvPr>
+        </p:nvSpPr>
+        <p:spPr/>
+        <p:txBody>
+          <a:bodyPr/>
+          <a:lstStyle/>
+          <a:p>
+            <a:r>
+              <a:rPr lang="en-US" dirty="0"/>
+              <a:t>Agenda</a:t>
+            </a:r>
+          </a:p>
+        </p:txBody>
+      </p:sp>
+      <p:sp>
+        <p:nvSpPr>
+          <p:cNvPr id="3" name="Content Placeholder 2">
+            <a:extLst>
+              <a:ext uri="{FF2B5EF4-FFF2-40B4-BE49-F238E27FC236}">
+                <a16:creationId xmlns:a16="http://schemas.microsoft.com/office/drawing/2014/main" id="{F26D6AEB-805F-1325-C2A4-73A70010CF80}"/>
+              </a:ext>
+            </a:extLst>
+          </p:cNvPr>
+          <p:cNvSpPr>
+            <a:spLocks noGrp="1"/>
+          </p:cNvSpPr>
+          <p:nvPr>
+            <p:ph idx="1"/>
+          </p:nvPr>
+        </p:nvSpPr>
+        <p:spPr/>
+        <p:txBody>
+          <a:bodyPr/>
+          <a:lstStyle/>
+          <a:p>
+            <a:r>
+              <a:rPr lang="en-US" dirty="0"/>
+              <a:t>Why models?</a:t>
+            </a:r>
+          </a:p>
+          <a:p>
+            <a:r>
+              <a:rPr lang="en-US" dirty="0"/>
+              <a:t>Discrete time analysis</a:t>
+            </a:r>
+          </a:p>
+          <a:p>
+            <a:r>
+              <a:rPr lang="en-US" dirty="0"/>
+              <a:t>Laplace transforms</a:t>
+            </a:r>
+          </a:p>
+          <a:p>
+            <a:pPr lvl="1"/>
+            <a:r>
+              <a:rPr lang="en-US" dirty="0"/>
+              <a:t>Definition, calculation, poles</a:t>
+            </a:r>
+          </a:p>
+          <a:p>
+            <a:pPr lvl="1"/>
+            <a:r>
+              <a:rPr lang="en-US" dirty="0"/>
+              <a:t>Solving high order approximations</a:t>
+            </a:r>
+          </a:p>
+          <a:p>
+            <a:r>
+              <a:rPr lang="en-US" dirty="0"/>
+              <a:t>Poles determine stability and oscillations.</a:t>
+            </a:r>
+          </a:p>
+          <a:p>
+            <a:r>
+              <a:rPr lang="en-US" dirty="0"/>
+              <a:t>Definition of transfer function.</a:t>
+            </a:r>
+          </a:p>
+          <a:p>
+            <a:r>
+              <a:rPr lang="en-US" dirty="0"/>
+              <a:t>Calculating DC gain.</a:t>
+            </a:r>
+          </a:p>
+        </p:txBody>
+      </p:sp>
+      <p:sp>
+        <p:nvSpPr>
+          <p:cNvPr id="4" name="Slide Number Placeholder 3">
+            <a:extLst>
+              <a:ext uri="{FF2B5EF4-FFF2-40B4-BE49-F238E27FC236}">
+                <a16:creationId xmlns:a16="http://schemas.microsoft.com/office/drawing/2014/main" id="{CCBF9456-3122-EF64-BE82-F57BC4B2E442}"/>
+              </a:ext>
+            </a:extLst>
+          </p:cNvPr>
+          <p:cNvSpPr>
+            <a:spLocks noGrp="1"/>
+          </p:cNvSpPr>
+          <p:nvPr>
+            <p:ph type="sldNum" sz="quarter" idx="11"/>
+          </p:nvPr>
+        </p:nvSpPr>
+        <p:spPr/>
+        <p:txBody>
+          <a:bodyPr/>
+          <a:lstStyle/>
+          <a:p>
+            <a:pPr>
+              <a:defRPr/>
+            </a:pPr>
+            <a:fld id="{3EF4E9CC-9D91-476E-91FD-5BEEC1642931}" type="slidenum">
+              <a:rPr lang="en-US" altLang="x-none" smtClean="0"/>
+              <a:pPr>
+                <a:defRPr/>
+              </a:pPr>
+              <a:t>2</a:t>
+            </a:fld>
+            <a:endParaRPr lang="en-US" altLang="x-none"/>
+          </a:p>
+        </p:txBody>
+      </p:sp>
+    </p:spTree>
+    <p:extLst>
+      <p:ext uri="{BB962C8B-B14F-4D97-AF65-F5344CB8AC3E}">
+        <p14:creationId xmlns:p14="http://schemas.microsoft.com/office/powerpoint/2010/main" val="480347433"/>
+      </p:ext>
+    </p:extLst>
+  </p:cSld>
+  <p:clrMapOvr>
+    <a:masterClrMapping/>
+  </p:clrMapOvr>
+</p:sld>
+</file>
+
+<file path=ppt/slides/slide20.xml><?xml version="1.0" encoding="utf-8"?>
 <p:sld xmlns:a="http://schemas.openxmlformats.org/drawingml/2006/main" xmlns:r="http://schemas.openxmlformats.org/officeDocument/2006/relationships" xmlns:p="http://schemas.openxmlformats.org/presentationml/2006/main">
   <p:cSld>
     <p:spTree>
@@ -19324,172 +22727,7 @@
 </p:sld>
 </file>
 
-<file path=ppt/slides/slide2.xml><?xml version="1.0" encoding="utf-8"?>
-<p:sld xmlns:a="http://schemas.openxmlformats.org/drawingml/2006/main" xmlns:r="http://schemas.openxmlformats.org/officeDocument/2006/relationships" xmlns:p="http://schemas.openxmlformats.org/presentationml/2006/main">
-  <p:cSld>
-    <p:spTree>
-      <p:nvGrpSpPr>
-        <p:cNvPr id="1" name=""/>
-        <p:cNvGrpSpPr/>
-        <p:nvPr/>
-      </p:nvGrpSpPr>
-      <p:grpSpPr>
-        <a:xfrm>
-          <a:off x="0" y="0"/>
-          <a:ext cx="0" cy="0"/>
-          <a:chOff x="0" y="0"/>
-          <a:chExt cx="0" cy="0"/>
-        </a:xfrm>
-      </p:grpSpPr>
-      <p:sp>
-        <p:nvSpPr>
-          <p:cNvPr id="2" name="Title 1">
-            <a:extLst>
-              <a:ext uri="{FF2B5EF4-FFF2-40B4-BE49-F238E27FC236}">
-                <a16:creationId xmlns:a16="http://schemas.microsoft.com/office/drawing/2014/main" id="{6E005764-3DB3-EF22-C152-8DBBFD1E1FE4}"/>
-              </a:ext>
-            </a:extLst>
-          </p:cNvPr>
-          <p:cNvSpPr>
-            <a:spLocks noGrp="1"/>
-          </p:cNvSpPr>
-          <p:nvPr>
-            <p:ph type="title"/>
-          </p:nvPr>
-        </p:nvSpPr>
-        <p:spPr/>
-        <p:txBody>
-          <a:bodyPr/>
-          <a:lstStyle/>
-          <a:p>
-            <a:r>
-              <a:rPr lang="en-US" dirty="0"/>
-              <a:t>Agenda</a:t>
-            </a:r>
-          </a:p>
-        </p:txBody>
-      </p:sp>
-      <p:sp>
-        <p:nvSpPr>
-          <p:cNvPr id="3" name="Content Placeholder 2">
-            <a:extLst>
-              <a:ext uri="{FF2B5EF4-FFF2-40B4-BE49-F238E27FC236}">
-                <a16:creationId xmlns:a16="http://schemas.microsoft.com/office/drawing/2014/main" id="{F26D6AEB-805F-1325-C2A4-73A70010CF80}"/>
-              </a:ext>
-            </a:extLst>
-          </p:cNvPr>
-          <p:cNvSpPr>
-            <a:spLocks noGrp="1"/>
-          </p:cNvSpPr>
-          <p:nvPr>
-            <p:ph idx="1"/>
-          </p:nvPr>
-        </p:nvSpPr>
-        <p:spPr/>
-        <p:txBody>
-          <a:bodyPr/>
-          <a:lstStyle/>
-          <a:p>
-            <a:r>
-              <a:rPr lang="en-US" dirty="0"/>
-              <a:t>Linear time invariant (LTI) systems</a:t>
-            </a:r>
-          </a:p>
-          <a:p>
-            <a:r>
-              <a:rPr lang="en-US" dirty="0"/>
-              <a:t>Discrete time analysis</a:t>
-            </a:r>
-          </a:p>
-          <a:p>
-            <a:r>
-              <a:rPr lang="en-US" dirty="0"/>
-              <a:t>Laplace transforms</a:t>
-            </a:r>
-          </a:p>
-          <a:p>
-            <a:pPr lvl="1"/>
-            <a:r>
-              <a:rPr lang="en-US" dirty="0"/>
-              <a:t>Definition, calculation, poles</a:t>
-            </a:r>
-          </a:p>
-          <a:p>
-            <a:pPr lvl="1"/>
-            <a:r>
-              <a:rPr lang="en-US" dirty="0"/>
-              <a:t>Solving high order approximations</a:t>
-            </a:r>
-          </a:p>
-          <a:p>
-            <a:r>
-              <a:rPr lang="en-US" dirty="0"/>
-              <a:t>Poles determine stability and oscillations.</a:t>
-            </a:r>
-          </a:p>
-          <a:p>
-            <a:r>
-              <a:rPr lang="en-US" dirty="0"/>
-              <a:t>Definition of transfer function.</a:t>
-            </a:r>
-          </a:p>
-          <a:p>
-            <a:r>
-              <a:rPr lang="en-US" dirty="0"/>
-              <a:t>Calculating DC gain.</a:t>
-            </a:r>
-          </a:p>
-        </p:txBody>
-      </p:sp>
-      <p:sp>
-        <p:nvSpPr>
-          <p:cNvPr id="4" name="Slide Number Placeholder 3">
-            <a:extLst>
-              <a:ext uri="{FF2B5EF4-FFF2-40B4-BE49-F238E27FC236}">
-                <a16:creationId xmlns:a16="http://schemas.microsoft.com/office/drawing/2014/main" id="{CCBF9456-3122-EF64-BE82-F57BC4B2E442}"/>
-              </a:ext>
-            </a:extLst>
-          </p:cNvPr>
-          <p:cNvSpPr>
-            <a:spLocks noGrp="1"/>
-          </p:cNvSpPr>
-          <p:nvPr>
-            <p:ph type="sldNum" sz="quarter" idx="11"/>
-          </p:nvPr>
-        </p:nvSpPr>
-        <p:spPr/>
-        <p:txBody>
-          <a:bodyPr/>
-          <a:lstStyle/>
-          <a:p>
-            <a:pPr>
-              <a:defRPr/>
-            </a:pPr>
-            <a:fld id="{3EF4E9CC-9D91-476E-91FD-5BEEC1642931}" type="slidenum">
-              <a:rPr lang="en-US" altLang="x-none" smtClean="0"/>
-              <a:pPr>
-                <a:defRPr/>
-              </a:pPr>
-              <a:t>2</a:t>
-            </a:fld>
-            <a:endParaRPr lang="en-US" altLang="x-none"/>
-          </a:p>
-        </p:txBody>
-      </p:sp>
-    </p:spTree>
-    <p:extLst>
-      <p:ext uri="{BB962C8B-B14F-4D97-AF65-F5344CB8AC3E}">
-        <p14:creationId xmlns:p14="http://schemas.microsoft.com/office/powerpoint/2010/main" val="480347433"/>
-      </p:ext>
-    </p:extLst>
-  </p:cSld>
-  <p:clrMapOvr>
-    <a:masterClrMapping/>
-  </p:clrMapOvr>
-</p:sld>
-</file>
-
-<file path=ppt/slides/slide20.xml><?xml version="1.0" encoding="utf-8"?>
+<file path=ppt/slides/slide21.xml><?xml version="1.0" encoding="utf-8"?>
 <p:sld xmlns:a="http://schemas.openxmlformats.org/drawingml/2006/main" xmlns:r="http://schemas.openxmlformats.org/officeDocument/2006/relationships" xmlns:p="http://schemas.openxmlformats.org/presentationml/2006/main">
   <p:cSld>
     <p:spTree>
@@ -19563,7 +22801,7 @@
               <a:pPr>
                 <a:defRPr/>
               </a:pPr>
-              <a:t>20</a:t>
+              <a:t>21</a:t>
             </a:fld>
             <a:endParaRPr lang="en-US" altLang="x-none"/>
           </a:p>
@@ -20077,7 +23315,7 @@
 </p:sld>
 </file>
 
-<file path=ppt/slides/slide21.xml><?xml version="1.0" encoding="utf-8"?>
+<file path=ppt/slides/slide22.xml><?xml version="1.0" encoding="utf-8"?>
 <p:sld xmlns:a="http://schemas.openxmlformats.org/drawingml/2006/main" xmlns:r="http://schemas.openxmlformats.org/officeDocument/2006/relationships" xmlns:p="http://schemas.openxmlformats.org/presentationml/2006/main">
   <p:cSld>
     <p:spTree>
@@ -20618,7 +23856,7 @@
               <a:pPr>
                 <a:defRPr/>
               </a:pPr>
-              <a:t>21</a:t>
+              <a:t>22</a:t>
             </a:fld>
             <a:endParaRPr lang="en-US" altLang="x-none"/>
           </a:p>
@@ -20875,7 +24113,7 @@
 </p:sld>
 </file>
 
-<file path=ppt/slides/slide22.xml><?xml version="1.0" encoding="utf-8"?>
+<file path=ppt/slides/slide23.xml><?xml version="1.0" encoding="utf-8"?>
 <p:sld xmlns:a="http://schemas.openxmlformats.org/drawingml/2006/main" xmlns:r="http://schemas.openxmlformats.org/officeDocument/2006/relationships" xmlns:p="http://schemas.openxmlformats.org/presentationml/2006/main">
   <p:cSld>
     <p:spTree>
@@ -21530,7 +24768,7 @@
               <a:pPr>
                 <a:defRPr/>
               </a:pPr>
-              <a:t>22</a:t>
+              <a:t>23</a:t>
             </a:fld>
             <a:endParaRPr lang="en-US" altLang="x-none"/>
           </a:p>
@@ -21787,7 +25025,7 @@
 </p:sld>
 </file>
 
-<file path=ppt/slides/slide23.xml><?xml version="1.0" encoding="utf-8"?>
+<file path=ppt/slides/slide24.xml><?xml version="1.0" encoding="utf-8"?>
 <p:sld xmlns:a="http://schemas.openxmlformats.org/drawingml/2006/main" xmlns:r="http://schemas.openxmlformats.org/officeDocument/2006/relationships" xmlns:p="http://schemas.openxmlformats.org/presentationml/2006/main">
   <p:cSld>
     <p:spTree>
@@ -22304,7 +25542,7 @@
               <a:pPr>
                 <a:defRPr/>
               </a:pPr>
-              <a:t>23</a:t>
+              <a:t>24</a:t>
             </a:fld>
             <a:endParaRPr lang="en-US" altLang="x-none"/>
           </a:p>
@@ -22799,11 +26037,18 @@
                               <m:t>−</m:t>
                             </m:r>
                             <m:r>
-                              <a:rPr lang="en-US" sz="1800" i="1" smtClean="0">
+                              <a:rPr lang="en-US" sz="1800" b="0" i="1" smtClean="0">
                                 <a:latin typeface="Cambria Math" panose="02040503050406030204" pitchFamily="18" charset="0"/>
                                 <a:ea typeface="Cambria Math" panose="02040503050406030204" pitchFamily="18" charset="0"/>
                               </a:rPr>
-                              <m:t>𝑎𝑡</m:t>
+                              <m:t>𝛼</m:t>
+                            </m:r>
+                            <m:r>
+                              <a:rPr lang="en-US" sz="1800" b="0" i="1" smtClean="0">
+                                <a:latin typeface="Cambria Math" panose="02040503050406030204" pitchFamily="18" charset="0"/>
+                                <a:ea typeface="Cambria Math" panose="02040503050406030204" pitchFamily="18" charset="0"/>
+                              </a:rPr>
+                              <m:t>𝑡</m:t>
                             </m:r>
                           </m:sup>
                         </m:sSup>
@@ -22850,11 +26095,11 @@
                           <m:t>+</m:t>
                         </m:r>
                         <m:r>
-                          <a:rPr lang="en-US" sz="1800" i="1" smtClean="0">
+                          <a:rPr lang="en-US" sz="1800" b="0" i="1" smtClean="0">
                             <a:latin typeface="Cambria Math" panose="02040503050406030204" pitchFamily="18" charset="0"/>
                             <a:ea typeface="Cambria Math" panose="02040503050406030204" pitchFamily="18" charset="0"/>
                           </a:rPr>
-                          <m:t>𝑎</m:t>
+                          <m:t>𝛼</m:t>
                         </m:r>
                       </m:den>
                     </m:f>
@@ -23605,7 +26850,7 @@
 </p:sld>
 </file>
 
-<file path=ppt/slides/slide24.xml><?xml version="1.0" encoding="utf-8"?>
+<file path=ppt/slides/slide25.xml><?xml version="1.0" encoding="utf-8"?>
 <p:sld xmlns:a="http://schemas.openxmlformats.org/drawingml/2006/main" xmlns:r="http://schemas.openxmlformats.org/officeDocument/2006/relationships" xmlns:p="http://schemas.openxmlformats.org/presentationml/2006/main">
   <p:cSld>
     <p:spTree>
@@ -23650,8 +26895,8 @@
           </a:p>
         </p:txBody>
       </p:sp>
-      <mc:AlternateContent xmlns:mc="http://schemas.openxmlformats.org/markup-compatibility/2006">
-        <mc:Choice xmlns:a14="http://schemas.microsoft.com/office/drawing/2010/main" Requires="a14">
+      <mc:AlternateContent xmlns:mc="http://schemas.openxmlformats.org/markup-compatibility/2006" xmlns:a14="http://schemas.microsoft.com/office/drawing/2010/main">
+        <mc:Choice Requires="a14">
           <p:sp>
             <p:nvSpPr>
               <p:cNvPr id="3" name="Content Placeholder 2">
@@ -24059,7 +27304,7 @@
             </p:txBody>
           </p:sp>
         </mc:Choice>
-        <mc:Fallback>
+        <mc:Fallback xmlns="">
           <p:sp>
             <p:nvSpPr>
               <p:cNvPr id="3" name="Content Placeholder 2">
@@ -24128,7 +27373,7 @@
               <a:pPr>
                 <a:defRPr/>
               </a:pPr>
-              <a:t>24</a:t>
+              <a:t>25</a:t>
             </a:fld>
             <a:endParaRPr lang="en-US" altLang="x-none"/>
           </a:p>
@@ -24147,7 +27392,7 @@
 </p:sld>
 </file>
 
-<file path=ppt/slides/slide25.xml><?xml version="1.0" encoding="utf-8"?>
+<file path=ppt/slides/slide26.xml><?xml version="1.0" encoding="utf-8"?>
 <p:sld xmlns:a="http://schemas.openxmlformats.org/drawingml/2006/main" xmlns:r="http://schemas.openxmlformats.org/officeDocument/2006/relationships" xmlns:p="http://schemas.openxmlformats.org/presentationml/2006/main">
   <p:cSld>
     <p:spTree>
@@ -24437,7 +27682,7 @@
               <a:pPr>
                 <a:defRPr/>
               </a:pPr>
-              <a:t>25</a:t>
+              <a:t>26</a:t>
             </a:fld>
             <a:endParaRPr lang="en-US" altLang="x-none"/>
           </a:p>
@@ -25731,7 +28976,7 @@
 </p:sld>
 </file>
 
-<file path=ppt/slides/slide26.xml><?xml version="1.0" encoding="utf-8"?>
+<file path=ppt/slides/slide27.xml><?xml version="1.0" encoding="utf-8"?>
 <p:sld xmlns:a="http://schemas.openxmlformats.org/drawingml/2006/main" xmlns:r="http://schemas.openxmlformats.org/officeDocument/2006/relationships" xmlns:p="http://schemas.openxmlformats.org/presentationml/2006/main">
   <p:cSld>
     <p:spTree>
@@ -25805,7 +29050,7 @@
               <a:pPr>
                 <a:defRPr/>
               </a:pPr>
-              <a:t>26</a:t>
+              <a:t>27</a:t>
             </a:fld>
             <a:endParaRPr lang="en-US" altLang="x-none"/>
           </a:p>
@@ -27906,7 +31151,7 @@
 </p:sld>
 </file>
 
-<file path=ppt/slides/slide27.xml><?xml version="1.0" encoding="utf-8"?>
+<file path=ppt/slides/slide28.xml><?xml version="1.0" encoding="utf-8"?>
 <p:sld xmlns:a="http://schemas.openxmlformats.org/drawingml/2006/main" xmlns:r="http://schemas.openxmlformats.org/officeDocument/2006/relationships" xmlns:p="http://schemas.openxmlformats.org/presentationml/2006/main">
   <p:cSld>
     <p:spTree>
@@ -27951,8 +31196,8 @@
           </a:p>
         </p:txBody>
       </p:sp>
-      <mc:AlternateContent xmlns:mc="http://schemas.openxmlformats.org/markup-compatibility/2006" xmlns:a14="http://schemas.microsoft.com/office/drawing/2010/main">
-        <mc:Choice Requires="a14">
+      <mc:AlternateContent xmlns:mc="http://schemas.openxmlformats.org/markup-compatibility/2006">
+        <mc:Choice xmlns:a14="http://schemas.microsoft.com/office/drawing/2010/main" Requires="a14">
           <p:sp>
             <p:nvSpPr>
               <p:cNvPr id="4" name="Content Placeholder 3">
@@ -28081,12 +31326,6 @@
                       </a:rPr>
                       <m:t>=</m:t>
                     </m:r>
-                    <m:r>
-                      <a:rPr lang="en-US" b="0" i="1" smtClean="0">
-                        <a:latin typeface="Cambria Math" panose="02040503050406030204" pitchFamily="18" charset="0"/>
-                      </a:rPr>
-                      <m:t>𝑠</m:t>
-                    </m:r>
                     <m:func>
                       <m:funcPr>
                         <m:ctrlPr>
@@ -28130,6 +31369,12 @@
                             </m:r>
                           </m:lim>
                         </m:limLow>
+                        <m:r>
+                          <a:rPr lang="en-US" b="0" i="1" smtClean="0">
+                            <a:latin typeface="Cambria Math" panose="02040503050406030204" pitchFamily="18" charset="0"/>
+                          </a:rPr>
+                          <m:t>𝑠</m:t>
+                        </m:r>
                       </m:fName>
                       <m:e>
                         <m:f>
@@ -28269,12 +31514,6 @@
                       </a:rPr>
                       <m:t>=</m:t>
                     </m:r>
-                    <m:r>
-                      <a:rPr lang="en-US" b="0" i="1" smtClean="0">
-                        <a:latin typeface="Cambria Math" panose="02040503050406030204" pitchFamily="18" charset="0"/>
-                      </a:rPr>
-                      <m:t>𝑠</m:t>
-                    </m:r>
                     <m:func>
                       <m:funcPr>
                         <m:ctrlPr>
@@ -28318,6 +31557,12 @@
                             </m:r>
                           </m:lim>
                         </m:limLow>
+                        <m:r>
+                          <a:rPr lang="en-US" b="0" i="1" smtClean="0">
+                            <a:latin typeface="Cambria Math" panose="02040503050406030204" pitchFamily="18" charset="0"/>
+                          </a:rPr>
+                          <m:t>𝑠</m:t>
+                        </m:r>
                       </m:fName>
                       <m:e>
                         <m:f>
@@ -28372,7 +31617,7 @@
             </p:txBody>
           </p:sp>
         </mc:Choice>
-        <mc:Fallback xmlns="">
+        <mc:Fallback>
           <p:sp>
             <p:nvSpPr>
               <p:cNvPr id="4" name="Content Placeholder 3">
@@ -28445,7 +31690,7 @@
               <a:pPr>
                 <a:defRPr/>
               </a:pPr>
-              <a:t>27</a:t>
+              <a:t>28</a:t>
             </a:fld>
             <a:endParaRPr lang="en-US" altLang="x-none"/>
           </a:p>
@@ -29004,7 +32249,11 @@
                                           </p:stCondLst>
                                         </p:cTn>
                                         <p:tgtEl>
-                                          <p:spTgt spid="10"/>
+                                          <p:spTgt spid="4">
+                                            <p:txEl>
+                                              <p:pRg st="2" end="2"/>
+                                            </p:txEl>
+                                          </p:spTgt>
                                         </p:tgtEl>
                                         <p:attrNameLst>
                                           <p:attrName>style.visibility</p:attrName>
@@ -29049,11 +32298,7 @@
                                           </p:stCondLst>
                                         </p:cTn>
                                         <p:tgtEl>
-                                          <p:spTgt spid="4">
-                                            <p:txEl>
-                                              <p:pRg st="2" end="2"/>
-                                            </p:txEl>
-                                          </p:spTgt>
+                                          <p:spTgt spid="10"/>
                                         </p:tgtEl>
                                         <p:attrNameLst>
                                           <p:attrName>style.visibility</p:attrName>
@@ -29142,7 +32387,7 @@
 </p:sld>
 </file>
 
-<file path=ppt/slides/slide28.xml><?xml version="1.0" encoding="utf-8"?>
+<file path=ppt/slides/slide29.xml><?xml version="1.0" encoding="utf-8"?>
 <p:sld xmlns:a="http://schemas.openxmlformats.org/drawingml/2006/main" xmlns:r="http://schemas.openxmlformats.org/officeDocument/2006/relationships" xmlns:p="http://schemas.openxmlformats.org/presentationml/2006/main">
   <p:cSld>
     <p:spTree>
@@ -30162,7 +33407,7 @@
               <a:pPr>
                 <a:defRPr/>
               </a:pPr>
-              <a:t>28</a:t>
+              <a:t>29</a:t>
             </a:fld>
             <a:endParaRPr lang="en-US" altLang="x-none"/>
           </a:p>
@@ -30584,7 +33829,142 @@
 </p:sld>
 </file>
 
-<file path=ppt/slides/slide29.xml><?xml version="1.0" encoding="utf-8"?>
+<file path=ppt/slides/slide3.xml><?xml version="1.0" encoding="utf-8"?>
+<p:sld xmlns:a="http://schemas.openxmlformats.org/drawingml/2006/main" xmlns:r="http://schemas.openxmlformats.org/officeDocument/2006/relationships" xmlns:p="http://schemas.openxmlformats.org/presentationml/2006/main">
+  <p:cSld>
+    <p:spTree>
+      <p:nvGrpSpPr>
+        <p:cNvPr id="1" name=""/>
+        <p:cNvGrpSpPr/>
+        <p:nvPr/>
+      </p:nvGrpSpPr>
+      <p:grpSpPr>
+        <a:xfrm>
+          <a:off x="0" y="0"/>
+          <a:ext cx="0" cy="0"/>
+          <a:chOff x="0" y="0"/>
+          <a:chExt cx="0" cy="0"/>
+        </a:xfrm>
+      </p:grpSpPr>
+      <p:sp>
+        <p:nvSpPr>
+          <p:cNvPr id="2" name="Title 1">
+            <a:extLst>
+              <a:ext uri="{FF2B5EF4-FFF2-40B4-BE49-F238E27FC236}">
+                <a16:creationId xmlns:a16="http://schemas.microsoft.com/office/drawing/2014/main" id="{4EA8A61A-C803-3748-1807-C905C11C336E}"/>
+              </a:ext>
+            </a:extLst>
+          </p:cNvPr>
+          <p:cNvSpPr>
+            <a:spLocks noGrp="1"/>
+          </p:cNvSpPr>
+          <p:nvPr>
+            <p:ph type="title"/>
+          </p:nvPr>
+        </p:nvSpPr>
+        <p:spPr/>
+        <p:txBody>
+          <a:bodyPr/>
+          <a:lstStyle/>
+          <a:p>
+            <a:r>
+              <a:rPr lang="en-US" dirty="0"/>
+              <a:t>The Problem</a:t>
+            </a:r>
+          </a:p>
+        </p:txBody>
+      </p:sp>
+      <p:sp>
+        <p:nvSpPr>
+          <p:cNvPr id="5" name="Content Placeholder 4">
+            <a:extLst>
+              <a:ext uri="{FF2B5EF4-FFF2-40B4-BE49-F238E27FC236}">
+                <a16:creationId xmlns:a16="http://schemas.microsoft.com/office/drawing/2014/main" id="{1E22DC6D-FCF1-841A-DC5E-D300F9644636}"/>
+              </a:ext>
+            </a:extLst>
+          </p:cNvPr>
+          <p:cNvSpPr>
+            <a:spLocks noGrp="1"/>
+          </p:cNvSpPr>
+          <p:nvPr>
+            <p:ph idx="1"/>
+          </p:nvPr>
+        </p:nvSpPr>
+        <p:spPr>
+          <a:xfrm>
+            <a:off x="457200" y="1371600"/>
+            <a:ext cx="8229600" cy="3188826"/>
+          </a:xfrm>
+        </p:spPr>
+        <p:txBody>
+          <a:bodyPr/>
+          <a:lstStyle/>
+          <a:p>
+            <a:r>
+              <a:rPr lang="en-US" dirty="0"/>
+              <a:t>Most control properties are dynamic: stability, oscillations, settling times.</a:t>
+            </a:r>
+          </a:p>
+          <a:p>
+            <a:endParaRPr lang="en-US" dirty="0"/>
+          </a:p>
+          <a:p>
+            <a:r>
+              <a:rPr lang="en-US" dirty="0"/>
+              <a:t>We need a way to easily assess these properties and to manipulate signals and systems (which are dynamical objects).</a:t>
+            </a:r>
+          </a:p>
+        </p:txBody>
+      </p:sp>
+      <p:sp>
+        <p:nvSpPr>
+          <p:cNvPr id="4" name="Slide Number Placeholder 3">
+            <a:extLst>
+              <a:ext uri="{FF2B5EF4-FFF2-40B4-BE49-F238E27FC236}">
+                <a16:creationId xmlns:a16="http://schemas.microsoft.com/office/drawing/2014/main" id="{094D20E3-1111-09B0-41E6-860B77E4DB5B}"/>
+              </a:ext>
+            </a:extLst>
+          </p:cNvPr>
+          <p:cNvSpPr>
+            <a:spLocks noGrp="1"/>
+          </p:cNvSpPr>
+          <p:nvPr>
+            <p:ph type="sldNum" sz="quarter" idx="11"/>
+          </p:nvPr>
+        </p:nvSpPr>
+        <p:spPr/>
+        <p:txBody>
+          <a:bodyPr/>
+          <a:lstStyle/>
+          <a:p>
+            <a:pPr>
+              <a:defRPr/>
+            </a:pPr>
+            <a:fld id="{3EF4E9CC-9D91-476E-91FD-5BEEC1642931}" type="slidenum">
+              <a:rPr lang="en-US" altLang="x-none" smtClean="0"/>
+              <a:pPr>
+                <a:defRPr/>
+              </a:pPr>
+              <a:t>3</a:t>
+            </a:fld>
+            <a:endParaRPr lang="en-US" altLang="x-none"/>
+          </a:p>
+        </p:txBody>
+      </p:sp>
+    </p:spTree>
+    <p:extLst>
+      <p:ext uri="{BB962C8B-B14F-4D97-AF65-F5344CB8AC3E}">
+        <p14:creationId xmlns:p14="http://schemas.microsoft.com/office/powerpoint/2010/main" val="2750760974"/>
+      </p:ext>
+    </p:extLst>
+  </p:cSld>
+  <p:clrMapOvr>
+    <a:masterClrMapping/>
+  </p:clrMapOvr>
+</p:sld>
+</file>
+
+<file path=ppt/slides/slide30.xml><?xml version="1.0" encoding="utf-8"?>
 <p:sld xmlns:a="http://schemas.openxmlformats.org/drawingml/2006/main" xmlns:r="http://schemas.openxmlformats.org/officeDocument/2006/relationships" xmlns:p="http://schemas.openxmlformats.org/presentationml/2006/main">
   <p:cSld>
     <p:spTree>
@@ -31513,7 +34893,7 @@
               <a:pPr>
                 <a:defRPr/>
               </a:pPr>
-              <a:t>29</a:t>
+              <a:t>30</a:t>
             </a:fld>
             <a:endParaRPr lang="en-US" altLang="x-none"/>
           </a:p>
@@ -31924,142 +35304,7 @@
 </p:sld>
 </file>
 
-<file path=ppt/slides/slide3.xml><?xml version="1.0" encoding="utf-8"?>
-<p:sld xmlns:a="http://schemas.openxmlformats.org/drawingml/2006/main" xmlns:r="http://schemas.openxmlformats.org/officeDocument/2006/relationships" xmlns:p="http://schemas.openxmlformats.org/presentationml/2006/main">
-  <p:cSld>
-    <p:spTree>
-      <p:nvGrpSpPr>
-        <p:cNvPr id="1" name=""/>
-        <p:cNvGrpSpPr/>
-        <p:nvPr/>
-      </p:nvGrpSpPr>
-      <p:grpSpPr>
-        <a:xfrm>
-          <a:off x="0" y="0"/>
-          <a:ext cx="0" cy="0"/>
-          <a:chOff x="0" y="0"/>
-          <a:chExt cx="0" cy="0"/>
-        </a:xfrm>
-      </p:grpSpPr>
-      <p:sp>
-        <p:nvSpPr>
-          <p:cNvPr id="2" name="Title 1">
-            <a:extLst>
-              <a:ext uri="{FF2B5EF4-FFF2-40B4-BE49-F238E27FC236}">
-                <a16:creationId xmlns:a16="http://schemas.microsoft.com/office/drawing/2014/main" id="{4EA8A61A-C803-3748-1807-C905C11C336E}"/>
-              </a:ext>
-            </a:extLst>
-          </p:cNvPr>
-          <p:cNvSpPr>
-            <a:spLocks noGrp="1"/>
-          </p:cNvSpPr>
-          <p:nvPr>
-            <p:ph type="title"/>
-          </p:nvPr>
-        </p:nvSpPr>
-        <p:spPr/>
-        <p:txBody>
-          <a:bodyPr/>
-          <a:lstStyle/>
-          <a:p>
-            <a:r>
-              <a:rPr lang="en-US" dirty="0"/>
-              <a:t>The Problem</a:t>
-            </a:r>
-          </a:p>
-        </p:txBody>
-      </p:sp>
-      <p:sp>
-        <p:nvSpPr>
-          <p:cNvPr id="5" name="Content Placeholder 4">
-            <a:extLst>
-              <a:ext uri="{FF2B5EF4-FFF2-40B4-BE49-F238E27FC236}">
-                <a16:creationId xmlns:a16="http://schemas.microsoft.com/office/drawing/2014/main" id="{1E22DC6D-FCF1-841A-DC5E-D300F9644636}"/>
-              </a:ext>
-            </a:extLst>
-          </p:cNvPr>
-          <p:cNvSpPr>
-            <a:spLocks noGrp="1"/>
-          </p:cNvSpPr>
-          <p:nvPr>
-            <p:ph idx="1"/>
-          </p:nvPr>
-        </p:nvSpPr>
-        <p:spPr>
-          <a:xfrm>
-            <a:off x="457200" y="1371600"/>
-            <a:ext cx="8229600" cy="3188826"/>
-          </a:xfrm>
-        </p:spPr>
-        <p:txBody>
-          <a:bodyPr/>
-          <a:lstStyle/>
-          <a:p>
-            <a:r>
-              <a:rPr lang="en-US" dirty="0"/>
-              <a:t>Most control properties are dynamic: stability, oscillations, settling times.</a:t>
-            </a:r>
-          </a:p>
-          <a:p>
-            <a:endParaRPr lang="en-US" dirty="0"/>
-          </a:p>
-          <a:p>
-            <a:r>
-              <a:rPr lang="en-US" dirty="0"/>
-              <a:t>We need a way to easily assess these properties and to manipulate signals and systems (which are dynamical objects).</a:t>
-            </a:r>
-          </a:p>
-        </p:txBody>
-      </p:sp>
-      <p:sp>
-        <p:nvSpPr>
-          <p:cNvPr id="4" name="Slide Number Placeholder 3">
-            <a:extLst>
-              <a:ext uri="{FF2B5EF4-FFF2-40B4-BE49-F238E27FC236}">
-                <a16:creationId xmlns:a16="http://schemas.microsoft.com/office/drawing/2014/main" id="{094D20E3-1111-09B0-41E6-860B77E4DB5B}"/>
-              </a:ext>
-            </a:extLst>
-          </p:cNvPr>
-          <p:cNvSpPr>
-            <a:spLocks noGrp="1"/>
-          </p:cNvSpPr>
-          <p:nvPr>
-            <p:ph type="sldNum" sz="quarter" idx="11"/>
-          </p:nvPr>
-        </p:nvSpPr>
-        <p:spPr/>
-        <p:txBody>
-          <a:bodyPr/>
-          <a:lstStyle/>
-          <a:p>
-            <a:pPr>
-              <a:defRPr/>
-            </a:pPr>
-            <a:fld id="{3EF4E9CC-9D91-476E-91FD-5BEEC1642931}" type="slidenum">
-              <a:rPr lang="en-US" altLang="x-none" smtClean="0"/>
-              <a:pPr>
-                <a:defRPr/>
-              </a:pPr>
-              <a:t>3</a:t>
-            </a:fld>
-            <a:endParaRPr lang="en-US" altLang="x-none"/>
-          </a:p>
-        </p:txBody>
-      </p:sp>
-    </p:spTree>
-    <p:extLst>
-      <p:ext uri="{BB962C8B-B14F-4D97-AF65-F5344CB8AC3E}">
-        <p14:creationId xmlns:p14="http://schemas.microsoft.com/office/powerpoint/2010/main" val="2750760974"/>
-      </p:ext>
-    </p:extLst>
-  </p:cSld>
-  <p:clrMapOvr>
-    <a:masterClrMapping/>
-  </p:clrMapOvr>
-</p:sld>
-</file>
-
-<file path=ppt/slides/slide30.xml><?xml version="1.0" encoding="utf-8"?>
+<file path=ppt/slides/slide31.xml><?xml version="1.0" encoding="utf-8"?>
 <p:sld xmlns:a="http://schemas.openxmlformats.org/drawingml/2006/main" xmlns:r="http://schemas.openxmlformats.org/officeDocument/2006/relationships" xmlns:p="http://schemas.openxmlformats.org/presentationml/2006/main">
   <p:cSld>
     <p:spTree>
@@ -32186,7 +35431,7 @@
               <a:pPr>
                 <a:defRPr/>
               </a:pPr>
-              <a:t>30</a:t>
+              <a:t>31</a:t>
             </a:fld>
             <a:endParaRPr lang="en-US" altLang="x-none"/>
           </a:p>
@@ -32196,6 +35441,124 @@
     <p:extLst>
       <p:ext uri="{BB962C8B-B14F-4D97-AF65-F5344CB8AC3E}">
         <p14:creationId xmlns:p14="http://schemas.microsoft.com/office/powerpoint/2010/main" val="2216428288"/>
+      </p:ext>
+    </p:extLst>
+  </p:cSld>
+  <p:clrMapOvr>
+    <a:masterClrMapping/>
+  </p:clrMapOvr>
+</p:sld>
+</file>
+
+<file path=ppt/slides/slide32.xml><?xml version="1.0" encoding="utf-8"?>
+<p:sld xmlns:a="http://schemas.openxmlformats.org/drawingml/2006/main" xmlns:r="http://schemas.openxmlformats.org/officeDocument/2006/relationships" xmlns:p="http://schemas.openxmlformats.org/presentationml/2006/main">
+  <p:cSld>
+    <p:spTree>
+      <p:nvGrpSpPr>
+        <p:cNvPr id="1" name=""/>
+        <p:cNvGrpSpPr/>
+        <p:nvPr/>
+      </p:nvGrpSpPr>
+      <p:grpSpPr>
+        <a:xfrm>
+          <a:off x="0" y="0"/>
+          <a:ext cx="0" cy="0"/>
+          <a:chOff x="0" y="0"/>
+          <a:chExt cx="0" cy="0"/>
+        </a:xfrm>
+      </p:grpSpPr>
+      <p:sp>
+        <p:nvSpPr>
+          <p:cNvPr id="2" name="Title 1">
+            <a:extLst>
+              <a:ext uri="{FF2B5EF4-FFF2-40B4-BE49-F238E27FC236}">
+                <a16:creationId xmlns:a16="http://schemas.microsoft.com/office/drawing/2014/main" id="{42814E75-A200-E6ED-0392-93FA2FC3A01F}"/>
+              </a:ext>
+            </a:extLst>
+          </p:cNvPr>
+          <p:cNvSpPr>
+            <a:spLocks noGrp="1"/>
+          </p:cNvSpPr>
+          <p:nvPr>
+            <p:ph type="title"/>
+          </p:nvPr>
+        </p:nvSpPr>
+        <p:spPr/>
+        <p:txBody>
+          <a:bodyPr/>
+          <a:lstStyle/>
+          <a:p>
+            <a:r>
+              <a:rPr lang="en-US" dirty="0"/>
+              <a:t>Exercise 1: Find the Transfer Function for a Sequential Chemical Network</a:t>
+            </a:r>
+          </a:p>
+        </p:txBody>
+      </p:sp>
+      <p:sp>
+        <p:nvSpPr>
+          <p:cNvPr id="3" name="Content Placeholder 2">
+            <a:extLst>
+              <a:ext uri="{FF2B5EF4-FFF2-40B4-BE49-F238E27FC236}">
+                <a16:creationId xmlns:a16="http://schemas.microsoft.com/office/drawing/2014/main" id="{892574D4-4AD3-8F49-B41C-963E114A4BCF}"/>
+              </a:ext>
+            </a:extLst>
+          </p:cNvPr>
+          <p:cNvSpPr>
+            <a:spLocks noGrp="1"/>
+          </p:cNvSpPr>
+          <p:nvPr>
+            <p:ph idx="1"/>
+          </p:nvPr>
+        </p:nvSpPr>
+        <p:spPr/>
+        <p:txBody>
+          <a:bodyPr/>
+          <a:lstStyle/>
+          <a:p>
+            <a:endParaRPr lang="en-US"/>
+          </a:p>
+        </p:txBody>
+      </p:sp>
+      <p:sp>
+        <p:nvSpPr>
+          <p:cNvPr id="4" name="Slide Number Placeholder 3">
+            <a:extLst>
+              <a:ext uri="{FF2B5EF4-FFF2-40B4-BE49-F238E27FC236}">
+                <a16:creationId xmlns:a16="http://schemas.microsoft.com/office/drawing/2014/main" id="{2E843DBA-93B8-19B6-DEDA-ED770F1694DF}"/>
+              </a:ext>
+            </a:extLst>
+          </p:cNvPr>
+          <p:cNvSpPr>
+            <a:spLocks noGrp="1"/>
+          </p:cNvSpPr>
+          <p:nvPr>
+            <p:ph type="sldNum" sz="quarter" idx="11"/>
+          </p:nvPr>
+        </p:nvSpPr>
+        <p:spPr/>
+        <p:txBody>
+          <a:bodyPr/>
+          <a:lstStyle/>
+          <a:p>
+            <a:pPr>
+              <a:defRPr/>
+            </a:pPr>
+            <a:fld id="{3EF4E9CC-9D91-476E-91FD-5BEEC1642931}" type="slidenum">
+              <a:rPr lang="en-US" altLang="x-none" smtClean="0"/>
+              <a:pPr>
+                <a:defRPr/>
+              </a:pPr>
+              <a:t>32</a:t>
+            </a:fld>
+            <a:endParaRPr lang="en-US" altLang="x-none"/>
+          </a:p>
+        </p:txBody>
+      </p:sp>
+    </p:spTree>
+    <p:extLst>
+      <p:ext uri="{BB962C8B-B14F-4D97-AF65-F5344CB8AC3E}">
+        <p14:creationId xmlns:p14="http://schemas.microsoft.com/office/powerpoint/2010/main" val="3256604456"/>
       </p:ext>
     </p:extLst>
   </p:cSld>
@@ -32757,8 +36120,8 @@
             </a:fontRef>
           </p:style>
         </p:cxnSp>
-        <mc:AlternateContent xmlns:mc="http://schemas.openxmlformats.org/markup-compatibility/2006">
-          <mc:Choice xmlns:a14="http://schemas.microsoft.com/office/drawing/2010/main" Requires="a14">
+        <mc:AlternateContent xmlns:mc="http://schemas.openxmlformats.org/markup-compatibility/2006" xmlns:a14="http://schemas.microsoft.com/office/drawing/2010/main">
+          <mc:Choice Requires="a14">
             <p:sp>
               <p:nvSpPr>
                 <p:cNvPr id="8" name="Rectangle 7">
@@ -32814,7 +36177,7 @@
               </p:txBody>
             </p:sp>
           </mc:Choice>
-          <mc:Fallback>
+          <mc:Fallback xmlns="">
             <p:sp>
               <p:nvSpPr>
                 <p:cNvPr id="8" name="Rectangle 7">
@@ -32906,8 +36269,8 @@
             </a:fontRef>
           </p:style>
         </p:cxnSp>
-        <mc:AlternateContent xmlns:mc="http://schemas.openxmlformats.org/markup-compatibility/2006">
-          <mc:Choice xmlns:a14="http://schemas.microsoft.com/office/drawing/2010/main" Requires="a14">
+        <mc:AlternateContent xmlns:mc="http://schemas.openxmlformats.org/markup-compatibility/2006" xmlns:a14="http://schemas.microsoft.com/office/drawing/2010/main">
+          <mc:Choice Requires="a14">
             <p:sp>
               <p:nvSpPr>
                 <p:cNvPr id="11" name="Rectangle 10">
@@ -32963,7 +36326,7 @@
               </p:txBody>
             </p:sp>
           </mc:Choice>
-          <mc:Fallback>
+          <mc:Fallback xmlns="">
             <p:sp>
               <p:nvSpPr>
                 <p:cNvPr id="11" name="Rectangle 10">
@@ -33296,6 +36659,839 @@
       </p:grpSpPr>
       <p:sp>
         <p:nvSpPr>
+          <p:cNvPr id="5" name="Title 4">
+            <a:extLst>
+              <a:ext uri="{FF2B5EF4-FFF2-40B4-BE49-F238E27FC236}">
+                <a16:creationId xmlns:a16="http://schemas.microsoft.com/office/drawing/2014/main" id="{D51DF36C-5E61-85AD-7CDC-45F5EA072DFA}"/>
+              </a:ext>
+            </a:extLst>
+          </p:cNvPr>
+          <p:cNvSpPr>
+            <a:spLocks noGrp="1"/>
+          </p:cNvSpPr>
+          <p:nvPr>
+            <p:ph type="title"/>
+          </p:nvPr>
+        </p:nvSpPr>
+        <p:spPr/>
+        <p:txBody>
+          <a:bodyPr/>
+          <a:lstStyle/>
+          <a:p>
+            <a:r>
+              <a:rPr lang="en-US" dirty="0"/>
+              <a:t>Some System Response</a:t>
+            </a:r>
+          </a:p>
+        </p:txBody>
+      </p:sp>
+      <p:sp>
+        <p:nvSpPr>
+          <p:cNvPr id="4" name="Slide Number Placeholder 3">
+            <a:extLst>
+              <a:ext uri="{FF2B5EF4-FFF2-40B4-BE49-F238E27FC236}">
+                <a16:creationId xmlns:a16="http://schemas.microsoft.com/office/drawing/2014/main" id="{DD3E300F-3215-247F-2677-86324C598ABE}"/>
+              </a:ext>
+            </a:extLst>
+          </p:cNvPr>
+          <p:cNvSpPr>
+            <a:spLocks noGrp="1"/>
+          </p:cNvSpPr>
+          <p:nvPr>
+            <p:ph type="sldNum" sz="quarter" idx="11"/>
+          </p:nvPr>
+        </p:nvSpPr>
+        <p:spPr/>
+        <p:txBody>
+          <a:bodyPr/>
+          <a:lstStyle/>
+          <a:p>
+            <a:pPr>
+              <a:defRPr/>
+            </a:pPr>
+            <a:fld id="{3EF4E9CC-9D91-476E-91FD-5BEEC1642931}" type="slidenum">
+              <a:rPr lang="en-US" altLang="x-none" smtClean="0"/>
+              <a:pPr>
+                <a:defRPr/>
+              </a:pPr>
+              <a:t>6</a:t>
+            </a:fld>
+            <a:endParaRPr lang="en-US" altLang="x-none"/>
+          </a:p>
+        </p:txBody>
+      </p:sp>
+      <p:pic>
+        <p:nvPicPr>
+          <p:cNvPr id="1028" name="Picture 4" descr="12 e response of an unstable system ( 0 ζ &lt; ). | Download Scientific Diagram">
+            <a:extLst>
+              <a:ext uri="{FF2B5EF4-FFF2-40B4-BE49-F238E27FC236}">
+                <a16:creationId xmlns:a16="http://schemas.microsoft.com/office/drawing/2014/main" id="{D69F5947-9868-0D57-0420-ABDC1A2AA60B}"/>
+              </a:ext>
+            </a:extLst>
+          </p:cNvPr>
+          <p:cNvPicPr>
+            <a:picLocks noChangeAspect="1" noChangeArrowheads="1"/>
+          </p:cNvPicPr>
+          <p:nvPr/>
+        </p:nvPicPr>
+        <p:blipFill>
+          <a:blip r:embed="rId2">
+            <a:extLst>
+              <a:ext uri="{28A0092B-C50C-407E-A947-70E740481C1C}">
+                <a14:useLocalDpi xmlns:a14="http://schemas.microsoft.com/office/drawing/2010/main" val="0"/>
+              </a:ext>
+            </a:extLst>
+          </a:blip>
+          <a:srcRect/>
+          <a:stretch>
+            <a:fillRect/>
+          </a:stretch>
+        </p:blipFill>
+        <p:spPr bwMode="auto">
+          <a:xfrm>
+            <a:off x="5456698" y="2783181"/>
+            <a:ext cx="1711526" cy="1465285"/>
+          </a:xfrm>
+          <a:prstGeom prst="rect">
+            <a:avLst/>
+          </a:prstGeom>
+          <a:noFill/>
+          <a:extLst>
+            <a:ext uri="{909E8E84-426E-40DD-AFC4-6F175D3DCCD1}">
+              <a14:hiddenFill xmlns:a14="http://schemas.microsoft.com/office/drawing/2010/main">
+                <a:solidFill>
+                  <a:srgbClr val="FFFFFF"/>
+                </a:solidFill>
+              </a14:hiddenFill>
+            </a:ext>
+          </a:extLst>
+        </p:spPr>
+      </p:pic>
+      <p:sp>
+        <p:nvSpPr>
+          <p:cNvPr id="6" name="AutoShape 6" descr="Unstable System Response | Download Scientific Diagram">
+            <a:extLst>
+              <a:ext uri="{FF2B5EF4-FFF2-40B4-BE49-F238E27FC236}">
+                <a16:creationId xmlns:a16="http://schemas.microsoft.com/office/drawing/2014/main" id="{4974B8BA-7B5A-1800-DA86-B4145E9F31B7}"/>
+              </a:ext>
+            </a:extLst>
+          </p:cNvPr>
+          <p:cNvSpPr>
+            <a:spLocks noChangeAspect="1" noChangeArrowheads="1"/>
+          </p:cNvSpPr>
+          <p:nvPr/>
+        </p:nvSpPr>
+        <p:spPr bwMode="auto">
+          <a:xfrm>
+            <a:off x="4419600" y="3693289"/>
+            <a:ext cx="304800" cy="304800"/>
+          </a:xfrm>
+          <a:prstGeom prst="rect">
+            <a:avLst/>
+          </a:prstGeom>
+          <a:noFill/>
+          <a:extLst>
+            <a:ext uri="{909E8E84-426E-40DD-AFC4-6F175D3DCCD1}">
+              <a14:hiddenFill xmlns:a14="http://schemas.microsoft.com/office/drawing/2010/main">
+                <a:solidFill>
+                  <a:srgbClr val="FFFFFF"/>
+                </a:solidFill>
+              </a14:hiddenFill>
+            </a:ext>
+          </a:extLst>
+        </p:spPr>
+        <p:txBody>
+          <a:bodyPr vert="horz" wrap="square" lIns="91440" tIns="45720" rIns="91440" bIns="45720" numCol="1" anchor="t" anchorCtr="0" compatLnSpc="1">
+            <a:prstTxWarp prst="textNoShape">
+              <a:avLst/>
+            </a:prstTxWarp>
+          </a:bodyPr>
+          <a:lstStyle/>
+          <a:p>
+            <a:endParaRPr lang="en-US"/>
+          </a:p>
+        </p:txBody>
+      </p:sp>
+      <p:pic>
+        <p:nvPicPr>
+          <p:cNvPr id="1032" name="Picture 8" descr="Oscillating Reactions Web Module">
+            <a:extLst>
+              <a:ext uri="{FF2B5EF4-FFF2-40B4-BE49-F238E27FC236}">
+                <a16:creationId xmlns:a16="http://schemas.microsoft.com/office/drawing/2014/main" id="{A183E5F2-D11D-F211-B5AC-B72E4799C1FE}"/>
+              </a:ext>
+            </a:extLst>
+          </p:cNvPr>
+          <p:cNvPicPr>
+            <a:picLocks noChangeAspect="1" noChangeArrowheads="1"/>
+          </p:cNvPicPr>
+          <p:nvPr/>
+        </p:nvPicPr>
+        <p:blipFill>
+          <a:blip r:embed="rId3">
+            <a:extLst>
+              <a:ext uri="{28A0092B-C50C-407E-A947-70E740481C1C}">
+                <a14:useLocalDpi xmlns:a14="http://schemas.microsoft.com/office/drawing/2010/main" val="0"/>
+              </a:ext>
+            </a:extLst>
+          </a:blip>
+          <a:srcRect/>
+          <a:stretch>
+            <a:fillRect/>
+          </a:stretch>
+        </p:blipFill>
+        <p:spPr bwMode="auto">
+          <a:xfrm>
+            <a:off x="2489200" y="4717884"/>
+            <a:ext cx="2082800" cy="1363412"/>
+          </a:xfrm>
+          <a:prstGeom prst="rect">
+            <a:avLst/>
+          </a:prstGeom>
+          <a:noFill/>
+          <a:extLst>
+            <a:ext uri="{909E8E84-426E-40DD-AFC4-6F175D3DCCD1}">
+              <a14:hiddenFill xmlns:a14="http://schemas.microsoft.com/office/drawing/2010/main">
+                <a:solidFill>
+                  <a:srgbClr val="FFFFFF"/>
+                </a:solidFill>
+              </a14:hiddenFill>
+            </a:ext>
+          </a:extLst>
+        </p:spPr>
+      </p:pic>
+      <p:grpSp>
+        <p:nvGrpSpPr>
+          <p:cNvPr id="11" name="Group 10">
+            <a:extLst>
+              <a:ext uri="{FF2B5EF4-FFF2-40B4-BE49-F238E27FC236}">
+                <a16:creationId xmlns:a16="http://schemas.microsoft.com/office/drawing/2014/main" id="{FEED85B1-B0D6-D9D0-6C39-167E32796BD3}"/>
+              </a:ext>
+            </a:extLst>
+          </p:cNvPr>
+          <p:cNvGrpSpPr/>
+          <p:nvPr/>
+        </p:nvGrpSpPr>
+        <p:grpSpPr>
+          <a:xfrm>
+            <a:off x="42040" y="2783181"/>
+            <a:ext cx="2997842" cy="1777919"/>
+            <a:chOff x="358816" y="1713053"/>
+            <a:chExt cx="2997842" cy="1777919"/>
+          </a:xfrm>
+        </p:grpSpPr>
+        <p:pic>
+          <p:nvPicPr>
+            <p:cNvPr id="1026" name="Picture 2" descr="Settling time - Wikipedia">
+              <a:extLst>
+                <a:ext uri="{FF2B5EF4-FFF2-40B4-BE49-F238E27FC236}">
+                  <a16:creationId xmlns:a16="http://schemas.microsoft.com/office/drawing/2014/main" id="{F5D98BEA-AD88-2F61-5854-9CC71DA34ABC}"/>
+                </a:ext>
+              </a:extLst>
+            </p:cNvPr>
+            <p:cNvPicPr>
+              <a:picLocks noChangeAspect="1" noChangeArrowheads="1"/>
+            </p:cNvPicPr>
+            <p:nvPr/>
+          </p:nvPicPr>
+          <p:blipFill>
+            <a:blip r:embed="rId4">
+              <a:extLst>
+                <a:ext uri="{28A0092B-C50C-407E-A947-70E740481C1C}">
+                  <a14:useLocalDpi xmlns:a14="http://schemas.microsoft.com/office/drawing/2010/main" val="0"/>
+                </a:ext>
+              </a:extLst>
+            </a:blip>
+            <a:srcRect/>
+            <a:stretch>
+              <a:fillRect/>
+            </a:stretch>
+          </p:blipFill>
+          <p:spPr bwMode="auto">
+            <a:xfrm>
+              <a:off x="918369" y="1713053"/>
+              <a:ext cx="2438289" cy="1777919"/>
+            </a:xfrm>
+            <a:prstGeom prst="rect">
+              <a:avLst/>
+            </a:prstGeom>
+            <a:noFill/>
+            <a:extLst>
+              <a:ext uri="{909E8E84-426E-40DD-AFC4-6F175D3DCCD1}">
+                <a14:hiddenFill xmlns:a14="http://schemas.microsoft.com/office/drawing/2010/main">
+                  <a:solidFill>
+                    <a:srgbClr val="FFFFFF"/>
+                  </a:solidFill>
+                </a14:hiddenFill>
+              </a:ext>
+            </a:extLst>
+          </p:spPr>
+        </p:pic>
+        <p:sp>
+          <p:nvSpPr>
+            <p:cNvPr id="8" name="Rectangle 7">
+              <a:extLst>
+                <a:ext uri="{FF2B5EF4-FFF2-40B4-BE49-F238E27FC236}">
+                  <a16:creationId xmlns:a16="http://schemas.microsoft.com/office/drawing/2014/main" id="{CD42C2B5-C399-6721-3707-9BCB4A1008E2}"/>
+                </a:ext>
+              </a:extLst>
+            </p:cNvPr>
+            <p:cNvSpPr/>
+            <p:nvPr/>
+          </p:nvSpPr>
+          <p:spPr>
+            <a:xfrm>
+              <a:off x="1662497" y="2782623"/>
+              <a:ext cx="1169042" cy="708349"/>
+            </a:xfrm>
+            <a:prstGeom prst="rect">
+              <a:avLst/>
+            </a:prstGeom>
+            <a:solidFill>
+              <a:schemeClr val="bg1"/>
+            </a:solidFill>
+            <a:ln>
+              <a:noFill/>
+            </a:ln>
+            <a:effectLst>
+              <a:outerShdw dist="23000" sx="1000" sy="1000" rotWithShape="0">
+                <a:srgbClr val="000000"/>
+              </a:outerShdw>
+            </a:effectLst>
+          </p:spPr>
+          <p:style>
+            <a:lnRef idx="1">
+              <a:schemeClr val="accent1"/>
+            </a:lnRef>
+            <a:fillRef idx="3">
+              <a:schemeClr val="accent1"/>
+            </a:fillRef>
+            <a:effectRef idx="2">
+              <a:schemeClr val="accent1"/>
+            </a:effectRef>
+            <a:fontRef idx="minor">
+              <a:schemeClr val="lt1"/>
+            </a:fontRef>
+          </p:style>
+          <p:txBody>
+            <a:bodyPr rtlCol="0" anchor="ctr"/>
+            <a:lstStyle/>
+            <a:p>
+              <a:pPr algn="ctr"/>
+              <a:endParaRPr lang="en-US"/>
+            </a:p>
+          </p:txBody>
+        </p:sp>
+        <p:sp>
+          <p:nvSpPr>
+            <p:cNvPr id="9" name="Rectangle 8">
+              <a:extLst>
+                <a:ext uri="{FF2B5EF4-FFF2-40B4-BE49-F238E27FC236}">
+                  <a16:creationId xmlns:a16="http://schemas.microsoft.com/office/drawing/2014/main" id="{7D1DA142-F7C4-94B8-71D9-826C70EC98B2}"/>
+                </a:ext>
+              </a:extLst>
+            </p:cNvPr>
+            <p:cNvSpPr/>
+            <p:nvPr/>
+          </p:nvSpPr>
+          <p:spPr>
+            <a:xfrm>
+              <a:off x="2395959" y="2390786"/>
+              <a:ext cx="435580" cy="708349"/>
+            </a:xfrm>
+            <a:prstGeom prst="rect">
+              <a:avLst/>
+            </a:prstGeom>
+            <a:solidFill>
+              <a:schemeClr val="bg1"/>
+            </a:solidFill>
+            <a:ln>
+              <a:noFill/>
+            </a:ln>
+            <a:effectLst>
+              <a:outerShdw dist="23000" sx="1000" sy="1000" rotWithShape="0">
+                <a:srgbClr val="000000"/>
+              </a:outerShdw>
+            </a:effectLst>
+          </p:spPr>
+          <p:style>
+            <a:lnRef idx="1">
+              <a:schemeClr val="accent1"/>
+            </a:lnRef>
+            <a:fillRef idx="3">
+              <a:schemeClr val="accent1"/>
+            </a:fillRef>
+            <a:effectRef idx="2">
+              <a:schemeClr val="accent1"/>
+            </a:effectRef>
+            <a:fontRef idx="minor">
+              <a:schemeClr val="lt1"/>
+            </a:fontRef>
+          </p:style>
+          <p:txBody>
+            <a:bodyPr rtlCol="0" anchor="ctr"/>
+            <a:lstStyle/>
+            <a:p>
+              <a:pPr algn="ctr"/>
+              <a:endParaRPr lang="en-US"/>
+            </a:p>
+          </p:txBody>
+        </p:sp>
+        <p:sp>
+          <p:nvSpPr>
+            <p:cNvPr id="7" name="Rectangle 6">
+              <a:extLst>
+                <a:ext uri="{FF2B5EF4-FFF2-40B4-BE49-F238E27FC236}">
+                  <a16:creationId xmlns:a16="http://schemas.microsoft.com/office/drawing/2014/main" id="{7EFA392C-0854-CD67-B385-C6B27B693139}"/>
+                </a:ext>
+              </a:extLst>
+            </p:cNvPr>
+            <p:cNvSpPr/>
+            <p:nvPr/>
+          </p:nvSpPr>
+          <p:spPr>
+            <a:xfrm>
+              <a:off x="358816" y="1713053"/>
+              <a:ext cx="1169042" cy="1428144"/>
+            </a:xfrm>
+            <a:prstGeom prst="rect">
+              <a:avLst/>
+            </a:prstGeom>
+            <a:solidFill>
+              <a:schemeClr val="bg1"/>
+            </a:solidFill>
+            <a:ln>
+              <a:noFill/>
+            </a:ln>
+            <a:effectLst>
+              <a:outerShdw dist="23000" sx="1000" sy="1000" rotWithShape="0">
+                <a:srgbClr val="000000"/>
+              </a:outerShdw>
+            </a:effectLst>
+          </p:spPr>
+          <p:style>
+            <a:lnRef idx="1">
+              <a:schemeClr val="accent1"/>
+            </a:lnRef>
+            <a:fillRef idx="3">
+              <a:schemeClr val="accent1"/>
+            </a:fillRef>
+            <a:effectRef idx="2">
+              <a:schemeClr val="accent1"/>
+            </a:effectRef>
+            <a:fontRef idx="minor">
+              <a:schemeClr val="lt1"/>
+            </a:fontRef>
+          </p:style>
+          <p:txBody>
+            <a:bodyPr rtlCol="0" anchor="ctr"/>
+            <a:lstStyle/>
+            <a:p>
+              <a:pPr algn="ctr"/>
+              <a:endParaRPr lang="en-US"/>
+            </a:p>
+          </p:txBody>
+        </p:sp>
+      </p:grpSp>
+      <p:grpSp>
+        <p:nvGrpSpPr>
+          <p:cNvPr id="12" name="Group 11">
+            <a:extLst>
+              <a:ext uri="{FF2B5EF4-FFF2-40B4-BE49-F238E27FC236}">
+                <a16:creationId xmlns:a16="http://schemas.microsoft.com/office/drawing/2014/main" id="{F8EA2D9A-1941-215F-BC02-859F1DD7AF87}"/>
+              </a:ext>
+            </a:extLst>
+          </p:cNvPr>
+          <p:cNvGrpSpPr/>
+          <p:nvPr/>
+        </p:nvGrpSpPr>
+        <p:grpSpPr>
+          <a:xfrm>
+            <a:off x="2843567" y="1123532"/>
+            <a:ext cx="2643212" cy="800639"/>
+            <a:chOff x="2843567" y="1308727"/>
+            <a:chExt cx="2643212" cy="800639"/>
+          </a:xfrm>
+        </p:grpSpPr>
+        <p:sp>
+          <p:nvSpPr>
+            <p:cNvPr id="13" name="Rectangle 12">
+              <a:extLst>
+                <a:ext uri="{FF2B5EF4-FFF2-40B4-BE49-F238E27FC236}">
+                  <a16:creationId xmlns:a16="http://schemas.microsoft.com/office/drawing/2014/main" id="{D6C5FFFE-603A-D2A6-0214-5887453BA513}"/>
+                </a:ext>
+              </a:extLst>
+            </p:cNvPr>
+            <p:cNvSpPr>
+              <a:spLocks noChangeAspect="1"/>
+            </p:cNvSpPr>
+            <p:nvPr/>
+          </p:nvSpPr>
+          <p:spPr>
+            <a:xfrm>
+              <a:off x="3620277" y="1474417"/>
+              <a:ext cx="1095847" cy="634949"/>
+            </a:xfrm>
+            <a:prstGeom prst="rect">
+              <a:avLst/>
+            </a:prstGeom>
+          </p:spPr>
+          <p:style>
+            <a:lnRef idx="1">
+              <a:schemeClr val="accent1"/>
+            </a:lnRef>
+            <a:fillRef idx="3">
+              <a:schemeClr val="accent1"/>
+            </a:fillRef>
+            <a:effectRef idx="2">
+              <a:schemeClr val="accent1"/>
+            </a:effectRef>
+            <a:fontRef idx="minor">
+              <a:schemeClr val="lt1"/>
+            </a:fontRef>
+          </p:style>
+          <p:txBody>
+            <a:bodyPr rtlCol="0" anchor="ctr"/>
+            <a:lstStyle/>
+            <a:p>
+              <a:pPr algn="ctr"/>
+              <a:r>
+                <a:rPr lang="en-US" sz="2000" dirty="0"/>
+                <a:t>System</a:t>
+              </a:r>
+            </a:p>
+          </p:txBody>
+        </p:sp>
+        <p:cxnSp>
+          <p:nvCxnSpPr>
+            <p:cNvPr id="14" name="Straight Arrow Connector 13">
+              <a:extLst>
+                <a:ext uri="{FF2B5EF4-FFF2-40B4-BE49-F238E27FC236}">
+                  <a16:creationId xmlns:a16="http://schemas.microsoft.com/office/drawing/2014/main" id="{8F6A9938-86F3-4FDD-D5A2-172FF58E6D8D}"/>
+                </a:ext>
+              </a:extLst>
+            </p:cNvPr>
+            <p:cNvCxnSpPr>
+              <a:cxnSpLocks/>
+              <a:endCxn id="13" idx="1"/>
+            </p:cNvCxnSpPr>
+            <p:nvPr/>
+          </p:nvCxnSpPr>
+          <p:spPr>
+            <a:xfrm>
+              <a:off x="3009418" y="1791892"/>
+              <a:ext cx="610859" cy="0"/>
+            </a:xfrm>
+            <a:prstGeom prst="straightConnector1">
+              <a:avLst/>
+            </a:prstGeom>
+            <a:ln>
+              <a:tailEnd type="triangle" w="lg" len="lg"/>
+            </a:ln>
+            <a:effectLst>
+              <a:outerShdw dist="20000" sx="1000" sy="1000" rotWithShape="0">
+                <a:srgbClr val="000000"/>
+              </a:outerShdw>
+            </a:effectLst>
+          </p:spPr>
+          <p:style>
+            <a:lnRef idx="2">
+              <a:schemeClr val="accent1"/>
+            </a:lnRef>
+            <a:fillRef idx="0">
+              <a:schemeClr val="accent1"/>
+            </a:fillRef>
+            <a:effectRef idx="1">
+              <a:schemeClr val="accent1"/>
+            </a:effectRef>
+            <a:fontRef idx="minor">
+              <a:schemeClr val="tx1"/>
+            </a:fontRef>
+          </p:style>
+        </p:cxnSp>
+        <mc:AlternateContent xmlns:mc="http://schemas.openxmlformats.org/markup-compatibility/2006" xmlns:a14="http://schemas.microsoft.com/office/drawing/2010/main">
+          <mc:Choice Requires="a14">
+            <p:sp>
+              <p:nvSpPr>
+                <p:cNvPr id="15" name="Rectangle 14">
+                  <a:extLst>
+                    <a:ext uri="{FF2B5EF4-FFF2-40B4-BE49-F238E27FC236}">
+                      <a16:creationId xmlns:a16="http://schemas.microsoft.com/office/drawing/2014/main" id="{D772468C-72A2-8571-9207-85675B3B00C8}"/>
+                    </a:ext>
+                  </a:extLst>
+                </p:cNvPr>
+                <p:cNvSpPr/>
+                <p:nvPr/>
+              </p:nvSpPr>
+              <p:spPr>
+                <a:xfrm>
+                  <a:off x="2843567" y="1329182"/>
+                  <a:ext cx="716478" cy="461665"/>
+                </a:xfrm>
+                <a:prstGeom prst="rect">
+                  <a:avLst/>
+                </a:prstGeom>
+              </p:spPr>
+              <p:txBody>
+                <a:bodyPr wrap="square">
+                  <a:spAutoFit/>
+                </a:bodyPr>
+                <a:lstStyle/>
+                <a:p>
+                  <a:pPr/>
+                  <a14:m>
+                    <m:oMathPara xmlns:m="http://schemas.openxmlformats.org/officeDocument/2006/math">
+                      <m:oMathParaPr>
+                        <m:jc m:val="centerGroup"/>
+                      </m:oMathParaPr>
+                      <m:oMath xmlns:m="http://schemas.openxmlformats.org/officeDocument/2006/math">
+                        <m:r>
+                          <a:rPr lang="en-US" sz="2400" b="0" i="1" smtClean="0">
+                            <a:solidFill>
+                              <a:schemeClr val="tx1"/>
+                            </a:solidFill>
+                            <a:latin typeface="Cambria Math" panose="02040503050406030204" pitchFamily="18" charset="0"/>
+                          </a:rPr>
+                          <m:t>𝑢</m:t>
+                        </m:r>
+                      </m:oMath>
+                    </m:oMathPara>
+                  </a14:m>
+                  <a:endParaRPr lang="en-US" sz="2400" dirty="0">
+                    <a:solidFill>
+                      <a:schemeClr val="tx1"/>
+                    </a:solidFill>
+                  </a:endParaRPr>
+                </a:p>
+              </p:txBody>
+            </p:sp>
+          </mc:Choice>
+          <mc:Fallback xmlns="">
+            <p:sp>
+              <p:nvSpPr>
+                <p:cNvPr id="15" name="Rectangle 14">
+                  <a:extLst>
+                    <a:ext uri="{FF2B5EF4-FFF2-40B4-BE49-F238E27FC236}">
+                      <a16:creationId xmlns:a16="http://schemas.microsoft.com/office/drawing/2014/main" id="{D772468C-72A2-8571-9207-85675B3B00C8}"/>
+                    </a:ext>
+                  </a:extLst>
+                </p:cNvPr>
+                <p:cNvSpPr>
+                  <a:spLocks noRot="1" noChangeAspect="1" noMove="1" noResize="1" noEditPoints="1" noAdjustHandles="1" noChangeArrowheads="1" noChangeShapeType="1" noTextEdit="1"/>
+                </p:cNvSpPr>
+                <p:nvPr/>
+              </p:nvSpPr>
+              <p:spPr>
+                <a:xfrm>
+                  <a:off x="2843567" y="1329182"/>
+                  <a:ext cx="716478" cy="461665"/>
+                </a:xfrm>
+                <a:prstGeom prst="rect">
+                  <a:avLst/>
+                </a:prstGeom>
+                <a:blipFill>
+                  <a:blip r:embed="rId5"/>
+                  <a:stretch>
+                    <a:fillRect/>
+                  </a:stretch>
+                </a:blipFill>
+              </p:spPr>
+              <p:txBody>
+                <a:bodyPr/>
+                <a:lstStyle/>
+                <a:p>
+                  <a:r>
+                    <a:rPr lang="en-US">
+                      <a:noFill/>
+                    </a:rPr>
+                    <a:t> </a:t>
+                  </a:r>
+                </a:p>
+              </p:txBody>
+            </p:sp>
+          </mc:Fallback>
+        </mc:AlternateContent>
+        <p:cxnSp>
+          <p:nvCxnSpPr>
+            <p:cNvPr id="16" name="Straight Arrow Connector 15">
+              <a:extLst>
+                <a:ext uri="{FF2B5EF4-FFF2-40B4-BE49-F238E27FC236}">
+                  <a16:creationId xmlns:a16="http://schemas.microsoft.com/office/drawing/2014/main" id="{29E4E5D7-6279-0C1F-338D-E685A9617D31}"/>
+                </a:ext>
+              </a:extLst>
+            </p:cNvPr>
+            <p:cNvCxnSpPr>
+              <a:cxnSpLocks/>
+              <a:stCxn id="13" idx="3"/>
+            </p:cNvCxnSpPr>
+            <p:nvPr/>
+          </p:nvCxnSpPr>
+          <p:spPr>
+            <a:xfrm>
+              <a:off x="4716124" y="1791892"/>
+              <a:ext cx="642954" cy="0"/>
+            </a:xfrm>
+            <a:prstGeom prst="straightConnector1">
+              <a:avLst/>
+            </a:prstGeom>
+            <a:ln>
+              <a:tailEnd type="triangle" w="lg" len="lg"/>
+            </a:ln>
+            <a:effectLst>
+              <a:outerShdw dist="20000" sx="1000" sy="1000" rotWithShape="0">
+                <a:srgbClr val="000000"/>
+              </a:outerShdw>
+            </a:effectLst>
+          </p:spPr>
+          <p:style>
+            <a:lnRef idx="2">
+              <a:schemeClr val="accent1"/>
+            </a:lnRef>
+            <a:fillRef idx="0">
+              <a:schemeClr val="accent1"/>
+            </a:fillRef>
+            <a:effectRef idx="1">
+              <a:schemeClr val="accent1"/>
+            </a:effectRef>
+            <a:fontRef idx="minor">
+              <a:schemeClr val="tx1"/>
+            </a:fontRef>
+          </p:style>
+        </p:cxnSp>
+        <mc:AlternateContent xmlns:mc="http://schemas.openxmlformats.org/markup-compatibility/2006" xmlns:a14="http://schemas.microsoft.com/office/drawing/2010/main">
+          <mc:Choice Requires="a14">
+            <p:sp>
+              <p:nvSpPr>
+                <p:cNvPr id="17" name="Rectangle 16">
+                  <a:extLst>
+                    <a:ext uri="{FF2B5EF4-FFF2-40B4-BE49-F238E27FC236}">
+                      <a16:creationId xmlns:a16="http://schemas.microsoft.com/office/drawing/2014/main" id="{A50FD8B5-085F-36C4-6724-E52AC541B87D}"/>
+                    </a:ext>
+                  </a:extLst>
+                </p:cNvPr>
+                <p:cNvSpPr/>
+                <p:nvPr/>
+              </p:nvSpPr>
+              <p:spPr>
+                <a:xfrm>
+                  <a:off x="4770301" y="1308727"/>
+                  <a:ext cx="716478" cy="461665"/>
+                </a:xfrm>
+                <a:prstGeom prst="rect">
+                  <a:avLst/>
+                </a:prstGeom>
+              </p:spPr>
+              <p:txBody>
+                <a:bodyPr wrap="square">
+                  <a:spAutoFit/>
+                </a:bodyPr>
+                <a:lstStyle/>
+                <a:p>
+                  <a:pPr/>
+                  <a14:m>
+                    <m:oMathPara xmlns:m="http://schemas.openxmlformats.org/officeDocument/2006/math">
+                      <m:oMathParaPr>
+                        <m:jc m:val="centerGroup"/>
+                      </m:oMathParaPr>
+                      <m:oMath xmlns:m="http://schemas.openxmlformats.org/officeDocument/2006/math">
+                        <m:r>
+                          <a:rPr lang="en-US" sz="2400" b="0" i="1" smtClean="0">
+                            <a:solidFill>
+                              <a:schemeClr val="tx1"/>
+                            </a:solidFill>
+                            <a:latin typeface="Cambria Math" panose="02040503050406030204" pitchFamily="18" charset="0"/>
+                          </a:rPr>
+                          <m:t>𝑦</m:t>
+                        </m:r>
+                      </m:oMath>
+                    </m:oMathPara>
+                  </a14:m>
+                  <a:endParaRPr lang="en-US" sz="2400" dirty="0">
+                    <a:solidFill>
+                      <a:schemeClr val="tx1"/>
+                    </a:solidFill>
+                  </a:endParaRPr>
+                </a:p>
+              </p:txBody>
+            </p:sp>
+          </mc:Choice>
+          <mc:Fallback xmlns="">
+            <p:sp>
+              <p:nvSpPr>
+                <p:cNvPr id="17" name="Rectangle 16">
+                  <a:extLst>
+                    <a:ext uri="{FF2B5EF4-FFF2-40B4-BE49-F238E27FC236}">
+                      <a16:creationId xmlns:a16="http://schemas.microsoft.com/office/drawing/2014/main" id="{A50FD8B5-085F-36C4-6724-E52AC541B87D}"/>
+                    </a:ext>
+                  </a:extLst>
+                </p:cNvPr>
+                <p:cNvSpPr>
+                  <a:spLocks noRot="1" noChangeAspect="1" noMove="1" noResize="1" noEditPoints="1" noAdjustHandles="1" noChangeArrowheads="1" noChangeShapeType="1" noTextEdit="1"/>
+                </p:cNvSpPr>
+                <p:nvPr/>
+              </p:nvSpPr>
+              <p:spPr>
+                <a:xfrm>
+                  <a:off x="4770301" y="1308727"/>
+                  <a:ext cx="716478" cy="461665"/>
+                </a:xfrm>
+                <a:prstGeom prst="rect">
+                  <a:avLst/>
+                </a:prstGeom>
+                <a:blipFill>
+                  <a:blip r:embed="rId6"/>
+                  <a:stretch>
+                    <a:fillRect b="-10811"/>
+                  </a:stretch>
+                </a:blipFill>
+              </p:spPr>
+              <p:txBody>
+                <a:bodyPr/>
+                <a:lstStyle/>
+                <a:p>
+                  <a:r>
+                    <a:rPr lang="en-US">
+                      <a:noFill/>
+                    </a:rPr>
+                    <a:t> </a:t>
+                  </a:r>
+                </a:p>
+              </p:txBody>
+            </p:sp>
+          </mc:Fallback>
+        </mc:AlternateContent>
+      </p:grpSp>
+    </p:spTree>
+    <p:extLst>
+      <p:ext uri="{BB962C8B-B14F-4D97-AF65-F5344CB8AC3E}">
+        <p14:creationId xmlns:p14="http://schemas.microsoft.com/office/powerpoint/2010/main" val="2246158238"/>
+      </p:ext>
+    </p:extLst>
+  </p:cSld>
+  <p:clrMapOvr>
+    <a:masterClrMapping/>
+  </p:clrMapOvr>
+</p:sld>
+</file>
+
+<file path=ppt/slides/slide7.xml><?xml version="1.0" encoding="utf-8"?>
+<p:sld xmlns:a="http://schemas.openxmlformats.org/drawingml/2006/main" xmlns:r="http://schemas.openxmlformats.org/officeDocument/2006/relationships" xmlns:p="http://schemas.openxmlformats.org/presentationml/2006/main">
+  <p:cSld>
+    <p:spTree>
+      <p:nvGrpSpPr>
+        <p:cNvPr id="1" name=""/>
+        <p:cNvGrpSpPr/>
+        <p:nvPr/>
+      </p:nvGrpSpPr>
+      <p:grpSpPr>
+        <a:xfrm>
+          <a:off x="0" y="0"/>
+          <a:ext cx="0" cy="0"/>
+          <a:chOff x="0" y="0"/>
+          <a:chExt cx="0" cy="0"/>
+        </a:xfrm>
+      </p:grpSpPr>
+      <p:sp>
+        <p:nvSpPr>
           <p:cNvPr id="2" name="Title 1">
             <a:extLst>
               <a:ext uri="{FF2B5EF4-FFF2-40B4-BE49-F238E27FC236}">
@@ -33356,7 +37552,7 @@
               <a:pPr>
                 <a:defRPr/>
               </a:pPr>
-              <a:t>6</a:t>
+              <a:t>7</a:t>
             </a:fld>
             <a:endParaRPr lang="en-US" altLang="x-none"/>
           </a:p>
@@ -33424,8 +37620,8 @@
           </a:prstGeom>
         </p:spPr>
       </p:pic>
-      <mc:AlternateContent xmlns:mc="http://schemas.openxmlformats.org/markup-compatibility/2006">
-        <mc:Choice xmlns:a14="http://schemas.microsoft.com/office/drawing/2010/main" Requires="a14">
+      <mc:AlternateContent xmlns:mc="http://schemas.openxmlformats.org/markup-compatibility/2006" xmlns:a14="http://schemas.microsoft.com/office/drawing/2010/main">
+        <mc:Choice Requires="a14">
           <p:sp>
             <p:nvSpPr>
               <p:cNvPr id="11" name="TextBox 10">
@@ -33495,7 +37691,7 @@
             </p:txBody>
           </p:sp>
         </mc:Choice>
-        <mc:Fallback>
+        <mc:Fallback xmlns="">
           <p:sp>
             <p:nvSpPr>
               <p:cNvPr id="11" name="TextBox 10">
@@ -33595,8 +37791,8 @@
           </a:p>
         </p:txBody>
       </p:sp>
-      <mc:AlternateContent xmlns:mc="http://schemas.openxmlformats.org/markup-compatibility/2006">
-        <mc:Choice xmlns:a14="http://schemas.microsoft.com/office/drawing/2010/main" Requires="a14">
+      <mc:AlternateContent xmlns:mc="http://schemas.openxmlformats.org/markup-compatibility/2006" xmlns:a14="http://schemas.microsoft.com/office/drawing/2010/main">
+        <mc:Choice Requires="a14">
           <p:sp>
             <p:nvSpPr>
               <p:cNvPr id="13" name="TextBox 12">
@@ -33666,7 +37862,7 @@
             </p:txBody>
           </p:sp>
         </mc:Choice>
-        <mc:Fallback>
+        <mc:Fallback xmlns="">
           <p:sp>
             <p:nvSpPr>
               <p:cNvPr id="13" name="TextBox 12">
@@ -33711,8 +37907,8 @@
           </p:sp>
         </mc:Fallback>
       </mc:AlternateContent>
-      <mc:AlternateContent xmlns:mc="http://schemas.openxmlformats.org/markup-compatibility/2006">
-        <mc:Choice xmlns:a14="http://schemas.microsoft.com/office/drawing/2010/main" Requires="a14">
+      <mc:AlternateContent xmlns:mc="http://schemas.openxmlformats.org/markup-compatibility/2006" xmlns:a14="http://schemas.microsoft.com/office/drawing/2010/main">
+        <mc:Choice Requires="a14">
           <p:sp>
             <p:nvSpPr>
               <p:cNvPr id="15" name="TextBox 14">
@@ -33764,7 +37960,7 @@
             </p:txBody>
           </p:sp>
         </mc:Choice>
-        <mc:Fallback>
+        <mc:Fallback xmlns="">
           <p:sp>
             <p:nvSpPr>
               <p:cNvPr id="15" name="TextBox 14">
@@ -34004,8 +38200,8 @@
           </a:p>
         </p:txBody>
       </p:sp>
-      <mc:AlternateContent xmlns:mc="http://schemas.openxmlformats.org/markup-compatibility/2006">
-        <mc:Choice xmlns:a14="http://schemas.microsoft.com/office/drawing/2010/main" Requires="a14">
+      <mc:AlternateContent xmlns:mc="http://schemas.openxmlformats.org/markup-compatibility/2006" xmlns:a14="http://schemas.microsoft.com/office/drawing/2010/main">
+        <mc:Choice Requires="a14">
           <p:sp>
             <p:nvSpPr>
               <p:cNvPr id="14" name="TextBox 13">
@@ -34057,7 +38253,7 @@
             </p:txBody>
           </p:sp>
         </mc:Choice>
-        <mc:Fallback>
+        <mc:Fallback xmlns="">
           <p:sp>
             <p:nvSpPr>
               <p:cNvPr id="14" name="TextBox 13">
@@ -34102,8 +38298,8 @@
           </p:sp>
         </mc:Fallback>
       </mc:AlternateContent>
-      <mc:AlternateContent xmlns:mc="http://schemas.openxmlformats.org/markup-compatibility/2006">
-        <mc:Choice xmlns:a14="http://schemas.microsoft.com/office/drawing/2010/main" Requires="a14">
+      <mc:AlternateContent xmlns:mc="http://schemas.openxmlformats.org/markup-compatibility/2006" xmlns:a14="http://schemas.microsoft.com/office/drawing/2010/main">
+        <mc:Choice Requires="a14">
           <p:sp>
             <p:nvSpPr>
               <p:cNvPr id="21" name="TextBox 20">
@@ -34173,7 +38369,7 @@
             </p:txBody>
           </p:sp>
         </mc:Choice>
-        <mc:Fallback>
+        <mc:Fallback xmlns="">
           <p:sp>
             <p:nvSpPr>
               <p:cNvPr id="21" name="TextBox 20">
@@ -34334,8 +38530,8 @@
             </a:fontRef>
           </p:style>
         </p:cxnSp>
-        <mc:AlternateContent xmlns:mc="http://schemas.openxmlformats.org/markup-compatibility/2006">
-          <mc:Choice xmlns:a14="http://schemas.microsoft.com/office/drawing/2010/main" Requires="a14">
+        <mc:AlternateContent xmlns:mc="http://schemas.openxmlformats.org/markup-compatibility/2006" xmlns:a14="http://schemas.microsoft.com/office/drawing/2010/main">
+          <mc:Choice Requires="a14">
             <p:sp>
               <p:nvSpPr>
                 <p:cNvPr id="8" name="Rectangle 7">
@@ -34391,7 +38587,7 @@
               </p:txBody>
             </p:sp>
           </mc:Choice>
-          <mc:Fallback>
+          <mc:Fallback xmlns="">
             <p:sp>
               <p:nvSpPr>
                 <p:cNvPr id="8" name="Rectangle 7">
@@ -34483,8 +38679,8 @@
             </a:fontRef>
           </p:style>
         </p:cxnSp>
-        <mc:AlternateContent xmlns:mc="http://schemas.openxmlformats.org/markup-compatibility/2006">
-          <mc:Choice xmlns:a14="http://schemas.microsoft.com/office/drawing/2010/main" Requires="a14">
+        <mc:AlternateContent xmlns:mc="http://schemas.openxmlformats.org/markup-compatibility/2006" xmlns:a14="http://schemas.microsoft.com/office/drawing/2010/main">
+          <mc:Choice Requires="a14">
             <p:sp>
               <p:nvSpPr>
                 <p:cNvPr id="16" name="Rectangle 15">
@@ -34540,7 +38736,7 @@
               </p:txBody>
             </p:sp>
           </mc:Choice>
-          <mc:Fallback>
+          <mc:Fallback xmlns="">
             <p:sp>
               <p:nvSpPr>
                 <p:cNvPr id="16" name="Rectangle 15">
@@ -34599,7 +38795,7 @@
 </p:sld>
 </file>
 
-<file path=ppt/slides/slide7.xml><?xml version="1.0" encoding="utf-8"?>
+<file path=ppt/slides/slide8.xml><?xml version="1.0" encoding="utf-8"?>
 <p:sld xmlns:a="http://schemas.openxmlformats.org/drawingml/2006/main" xmlns:r="http://schemas.openxmlformats.org/officeDocument/2006/relationships" xmlns:p="http://schemas.openxmlformats.org/presentationml/2006/main">
   <p:cSld>
     <p:spTree>
@@ -34678,7 +38874,7 @@
               <a:pPr>
                 <a:defRPr/>
               </a:pPr>
-              <a:t>7</a:t>
+              <a:t>8</a:t>
             </a:fld>
             <a:endParaRPr lang="en-US" altLang="x-none"/>
           </a:p>
@@ -35596,8 +39792,8 @@
           </a:p>
         </p:txBody>
       </p:sp>
-      <mc:AlternateContent xmlns:mc="http://schemas.openxmlformats.org/markup-compatibility/2006">
-        <mc:Choice xmlns:a14="http://schemas.microsoft.com/office/drawing/2010/main" Requires="a14">
+      <mc:AlternateContent xmlns:mc="http://schemas.openxmlformats.org/markup-compatibility/2006" xmlns:a14="http://schemas.microsoft.com/office/drawing/2010/main">
+        <mc:Choice Requires="a14">
           <p:sp>
             <p:nvSpPr>
               <p:cNvPr id="24" name="TextBox 23">
@@ -35886,7 +40082,7 @@
             </p:txBody>
           </p:sp>
         </mc:Choice>
-        <mc:Fallback>
+        <mc:Fallback xmlns="">
           <p:sp>
             <p:nvSpPr>
               <p:cNvPr id="24" name="TextBox 23">
@@ -35931,8 +40127,8 @@
           </p:sp>
         </mc:Fallback>
       </mc:AlternateContent>
-      <mc:AlternateContent xmlns:mc="http://schemas.openxmlformats.org/markup-compatibility/2006">
-        <mc:Choice xmlns:a14="http://schemas.microsoft.com/office/drawing/2010/main" Requires="a14">
+      <mc:AlternateContent xmlns:mc="http://schemas.openxmlformats.org/markup-compatibility/2006" xmlns:a14="http://schemas.microsoft.com/office/drawing/2010/main">
+        <mc:Choice Requires="a14">
           <p:sp>
             <p:nvSpPr>
               <p:cNvPr id="25" name="TextBox 24">
@@ -35947,7 +40143,7 @@
             </p:nvSpPr>
             <p:spPr>
               <a:xfrm>
-                <a:off x="708570" y="4099005"/>
+                <a:off x="708570" y="4700888"/>
                 <a:ext cx="5452069" cy="555921"/>
               </a:xfrm>
               <a:prstGeom prst="rect">
@@ -36313,7 +40509,7 @@
             </p:txBody>
           </p:sp>
         </mc:Choice>
-        <mc:Fallback>
+        <mc:Fallback xmlns="">
           <p:sp>
             <p:nvSpPr>
               <p:cNvPr id="25" name="TextBox 24">
@@ -36330,7 +40526,7 @@
             </p:nvSpPr>
             <p:spPr>
               <a:xfrm>
-                <a:off x="708570" y="4099005"/>
+                <a:off x="708570" y="4700888"/>
                 <a:ext cx="5452069" cy="555921"/>
               </a:xfrm>
               <a:prstGeom prst="rect">
@@ -36339,7 +40535,7 @@
               <a:blipFill>
                 <a:blip r:embed="rId10"/>
                 <a:stretch>
-                  <a:fillRect l="-464" r="-928" b="-13333"/>
+                  <a:fillRect l="-464" r="-928" b="-15909"/>
                 </a:stretch>
               </a:blipFill>
             </p:spPr>
@@ -36407,7 +40603,7 @@
         </p:nvSpPr>
         <p:spPr>
           <a:xfrm>
-            <a:off x="649029" y="3635604"/>
+            <a:off x="649029" y="4237487"/>
             <a:ext cx="6019597" cy="369332"/>
           </a:xfrm>
           <a:prstGeom prst="rect">
@@ -36428,6 +40624,254 @@
           </a:p>
         </p:txBody>
       </p:sp>
+      <mc:AlternateContent xmlns:mc="http://schemas.openxmlformats.org/markup-compatibility/2006" xmlns:a14="http://schemas.microsoft.com/office/drawing/2010/main">
+        <mc:Choice Requires="a14">
+          <p:sp>
+            <p:nvSpPr>
+              <p:cNvPr id="3" name="TextBox 2">
+                <a:extLst>
+                  <a:ext uri="{FF2B5EF4-FFF2-40B4-BE49-F238E27FC236}">
+                    <a16:creationId xmlns:a16="http://schemas.microsoft.com/office/drawing/2014/main" id="{586847AA-2DB4-D53C-C9FE-5B837F4967BA}"/>
+                  </a:ext>
+                </a:extLst>
+              </p:cNvPr>
+              <p:cNvSpPr txBox="1"/>
+              <p:nvPr/>
+            </p:nvSpPr>
+            <p:spPr>
+              <a:xfrm>
+                <a:off x="949124" y="3429000"/>
+                <a:ext cx="5152244" cy="369332"/>
+              </a:xfrm>
+              <a:prstGeom prst="rect">
+                <a:avLst/>
+              </a:prstGeom>
+              <a:noFill/>
+            </p:spPr>
+            <p:txBody>
+              <a:bodyPr wrap="none" rtlCol="0">
+                <a:spAutoFit/>
+              </a:bodyPr>
+              <a:lstStyle/>
+              <a:p>
+                <a14:m>
+                  <m:oMath xmlns:m="http://schemas.openxmlformats.org/officeDocument/2006/math">
+                    <m:sSub>
+                      <m:sSubPr>
+                        <m:ctrlPr>
+                          <a:rPr lang="en-US" b="0" i="1" smtClean="0">
+                            <a:latin typeface="Cambria Math" panose="02040503050406030204" pitchFamily="18" charset="0"/>
+                          </a:rPr>
+                        </m:ctrlPr>
+                      </m:sSubPr>
+                      <m:e>
+                        <m:r>
+                          <a:rPr lang="en-US" b="0" i="1" smtClean="0">
+                            <a:latin typeface="Cambria Math" panose="02040503050406030204" pitchFamily="18" charset="0"/>
+                          </a:rPr>
+                          <m:t>𝑎</m:t>
+                        </m:r>
+                      </m:e>
+                      <m:sub>
+                        <m:r>
+                          <a:rPr lang="en-US" b="0" i="1" smtClean="0">
+                            <a:latin typeface="Cambria Math" panose="02040503050406030204" pitchFamily="18" charset="0"/>
+                          </a:rPr>
+                          <m:t>𝑛</m:t>
+                        </m:r>
+                      </m:sub>
+                    </m:sSub>
+                    <m:r>
+                      <a:rPr lang="en-US" b="0" i="1" smtClean="0">
+                        <a:latin typeface="Cambria Math" panose="02040503050406030204" pitchFamily="18" charset="0"/>
+                      </a:rPr>
+                      <m:t>, </m:t>
+                    </m:r>
+                    <m:r>
+                      <a:rPr lang="en-US" b="0" i="1" smtClean="0">
+                        <a:latin typeface="Cambria Math" panose="02040503050406030204" pitchFamily="18" charset="0"/>
+                      </a:rPr>
+                      <m:t>𝑏</m:t>
+                    </m:r>
+                  </m:oMath>
+                </a14:m>
+                <a:r>
+                  <a:rPr lang="en-US" dirty="0"/>
+                  <a:t> are constants that do not change over time.</a:t>
+                </a:r>
+              </a:p>
+            </p:txBody>
+          </p:sp>
+        </mc:Choice>
+        <mc:Fallback xmlns="">
+          <p:sp>
+            <p:nvSpPr>
+              <p:cNvPr id="3" name="TextBox 2">
+                <a:extLst>
+                  <a:ext uri="{FF2B5EF4-FFF2-40B4-BE49-F238E27FC236}">
+                    <a16:creationId xmlns:a16="http://schemas.microsoft.com/office/drawing/2014/main" id="{586847AA-2DB4-D53C-C9FE-5B837F4967BA}"/>
+                  </a:ext>
+                </a:extLst>
+              </p:cNvPr>
+              <p:cNvSpPr txBox="1">
+                <a:spLocks noRot="1" noChangeAspect="1" noMove="1" noResize="1" noEditPoints="1" noAdjustHandles="1" noChangeArrowheads="1" noChangeShapeType="1" noTextEdit="1"/>
+              </p:cNvSpPr>
+              <p:nvPr/>
+            </p:nvSpPr>
+            <p:spPr>
+              <a:xfrm>
+                <a:off x="949124" y="3429000"/>
+                <a:ext cx="5152244" cy="369332"/>
+              </a:xfrm>
+              <a:prstGeom prst="rect">
+                <a:avLst/>
+              </a:prstGeom>
+              <a:blipFill>
+                <a:blip r:embed="rId11"/>
+                <a:stretch>
+                  <a:fillRect t="-10000" b="-23333"/>
+                </a:stretch>
+              </a:blipFill>
+            </p:spPr>
+            <p:txBody>
+              <a:bodyPr/>
+              <a:lstStyle/>
+              <a:p>
+                <a:r>
+                  <a:rPr lang="en-US">
+                    <a:noFill/>
+                  </a:rPr>
+                  <a:t> </a:t>
+                </a:r>
+              </a:p>
+            </p:txBody>
+          </p:sp>
+        </mc:Fallback>
+      </mc:AlternateContent>
+      <mc:AlternateContent xmlns:mc="http://schemas.openxmlformats.org/markup-compatibility/2006" xmlns:a14="http://schemas.microsoft.com/office/drawing/2010/main">
+        <mc:Choice Requires="a14">
+          <p:sp>
+            <p:nvSpPr>
+              <p:cNvPr id="5" name="TextBox 4">
+                <a:extLst>
+                  <a:ext uri="{FF2B5EF4-FFF2-40B4-BE49-F238E27FC236}">
+                    <a16:creationId xmlns:a16="http://schemas.microsoft.com/office/drawing/2014/main" id="{30ACE765-D11F-782E-1C40-5D1A3343039F}"/>
+                  </a:ext>
+                </a:extLst>
+              </p:cNvPr>
+              <p:cNvSpPr txBox="1"/>
+              <p:nvPr/>
+            </p:nvSpPr>
+            <p:spPr>
+              <a:xfrm>
+                <a:off x="858482" y="5504695"/>
+                <a:ext cx="2241511" cy="369332"/>
+              </a:xfrm>
+              <a:prstGeom prst="rect">
+                <a:avLst/>
+              </a:prstGeom>
+              <a:noFill/>
+            </p:spPr>
+            <p:txBody>
+              <a:bodyPr wrap="none" rtlCol="0">
+                <a:spAutoFit/>
+              </a:bodyPr>
+              <a:lstStyle/>
+              <a:p>
+                <a14:m>
+                  <m:oMath xmlns:m="http://schemas.openxmlformats.org/officeDocument/2006/math">
+                    <m:sSub>
+                      <m:sSubPr>
+                        <m:ctrlPr>
+                          <a:rPr lang="en-US" b="0" i="1" smtClean="0">
+                            <a:latin typeface="Cambria Math" panose="02040503050406030204" pitchFamily="18" charset="0"/>
+                          </a:rPr>
+                        </m:ctrlPr>
+                      </m:sSubPr>
+                      <m:e>
+                        <m:r>
+                          <a:rPr lang="en-US" b="0" i="1" smtClean="0">
+                            <a:latin typeface="Cambria Math" panose="02040503050406030204" pitchFamily="18" charset="0"/>
+                          </a:rPr>
+                          <m:t>𝛼</m:t>
+                        </m:r>
+                      </m:e>
+                      <m:sub>
+                        <m:r>
+                          <a:rPr lang="en-US" b="0" i="1" smtClean="0">
+                            <a:latin typeface="Cambria Math" panose="02040503050406030204" pitchFamily="18" charset="0"/>
+                          </a:rPr>
+                          <m:t>𝑛</m:t>
+                        </m:r>
+                      </m:sub>
+                    </m:sSub>
+                    <m:r>
+                      <a:rPr lang="en-US" b="0" i="1" smtClean="0">
+                        <a:latin typeface="Cambria Math" panose="02040503050406030204" pitchFamily="18" charset="0"/>
+                      </a:rPr>
+                      <m:t> ,</m:t>
+                    </m:r>
+                    <m:r>
+                      <a:rPr lang="en-US" b="0" i="1" smtClean="0">
+                        <a:latin typeface="Cambria Math" panose="02040503050406030204" pitchFamily="18" charset="0"/>
+                      </a:rPr>
+                      <m:t>𝛽</m:t>
+                    </m:r>
+                  </m:oMath>
+                </a14:m>
+                <a:r>
+                  <a:rPr lang="en-US" dirty="0"/>
+                  <a:t> are constants.</a:t>
+                </a:r>
+              </a:p>
+            </p:txBody>
+          </p:sp>
+        </mc:Choice>
+        <mc:Fallback xmlns="">
+          <p:sp>
+            <p:nvSpPr>
+              <p:cNvPr id="5" name="TextBox 4">
+                <a:extLst>
+                  <a:ext uri="{FF2B5EF4-FFF2-40B4-BE49-F238E27FC236}">
+                    <a16:creationId xmlns:a16="http://schemas.microsoft.com/office/drawing/2014/main" id="{30ACE765-D11F-782E-1C40-5D1A3343039F}"/>
+                  </a:ext>
+                </a:extLst>
+              </p:cNvPr>
+              <p:cNvSpPr txBox="1">
+                <a:spLocks noRot="1" noChangeAspect="1" noMove="1" noResize="1" noEditPoints="1" noAdjustHandles="1" noChangeArrowheads="1" noChangeShapeType="1" noTextEdit="1"/>
+              </p:cNvSpPr>
+              <p:nvPr/>
+            </p:nvSpPr>
+            <p:spPr>
+              <a:xfrm>
+                <a:off x="858482" y="5504695"/>
+                <a:ext cx="2241511" cy="369332"/>
+              </a:xfrm>
+              <a:prstGeom prst="rect">
+                <a:avLst/>
+              </a:prstGeom>
+              <a:blipFill>
+                <a:blip r:embed="rId12"/>
+                <a:stretch>
+                  <a:fillRect t="-6667" r="-1124" b="-26667"/>
+                </a:stretch>
+              </a:blipFill>
+            </p:spPr>
+            <p:txBody>
+              <a:bodyPr/>
+              <a:lstStyle/>
+              <a:p>
+                <a:r>
+                  <a:rPr lang="en-US">
+                    <a:noFill/>
+                  </a:rPr>
+                  <a:t> </a:t>
+                </a:r>
+              </a:p>
+            </p:txBody>
+          </p:sp>
+        </mc:Fallback>
+      </mc:AlternateContent>
     </p:spTree>
     <p:extLst>
       <p:ext uri="{BB962C8B-B14F-4D97-AF65-F5344CB8AC3E}">
@@ -36512,6 +40956,33 @@
                                   </p:childTnLst>
                                 </p:cTn>
                               </p:par>
+                              <p:par>
+                                <p:cTn id="9" presetID="1" presetClass="entr" presetSubtype="0" fill="hold" grpId="0" nodeType="withEffect">
+                                  <p:stCondLst>
+                                    <p:cond delay="0"/>
+                                  </p:stCondLst>
+                                  <p:childTnLst>
+                                    <p:set>
+                                      <p:cBhvr>
+                                        <p:cTn id="10" dur="1" fill="hold">
+                                          <p:stCondLst>
+                                            <p:cond delay="0"/>
+                                          </p:stCondLst>
+                                        </p:cTn>
+                                        <p:tgtEl>
+                                          <p:spTgt spid="3"/>
+                                        </p:tgtEl>
+                                        <p:attrNameLst>
+                                          <p:attrName>style.visibility</p:attrName>
+                                        </p:attrNameLst>
+                                      </p:cBhvr>
+                                      <p:to>
+                                        <p:strVal val="visible"/>
+                                      </p:to>
+                                    </p:set>
+                                  </p:childTnLst>
+                                </p:cTn>
+                              </p:par>
                             </p:childTnLst>
                           </p:cTn>
                         </p:par>
@@ -36519,26 +40990,26 @@
                     </p:cTn>
                   </p:par>
                   <p:par>
-                    <p:cTn id="9" fill="hold">
+                    <p:cTn id="11" fill="hold">
                       <p:stCondLst>
                         <p:cond delay="indefinite"/>
                       </p:stCondLst>
                       <p:childTnLst>
                         <p:par>
-                          <p:cTn id="10" fill="hold">
+                          <p:cTn id="12" fill="hold">
                             <p:stCondLst>
                               <p:cond delay="0"/>
                             </p:stCondLst>
                             <p:childTnLst>
                               <p:par>
-                                <p:cTn id="11" presetID="1" presetClass="entr" presetSubtype="0" fill="hold" grpId="0" nodeType="clickEffect">
+                                <p:cTn id="13" presetID="1" presetClass="entr" presetSubtype="0" fill="hold" grpId="0" nodeType="clickEffect">
                                   <p:stCondLst>
                                     <p:cond delay="0"/>
                                   </p:stCondLst>
                                   <p:childTnLst>
                                     <p:set>
                                       <p:cBhvr>
-                                        <p:cTn id="12" dur="1" fill="hold">
+                                        <p:cTn id="14" dur="1" fill="hold">
                                           <p:stCondLst>
                                             <p:cond delay="0"/>
                                           </p:stCondLst>
@@ -36558,20 +41029,47 @@
                                 </p:cTn>
                               </p:par>
                               <p:par>
-                                <p:cTn id="13" presetID="1" presetClass="entr" presetSubtype="0" fill="hold" grpId="0" nodeType="withEffect">
+                                <p:cTn id="15" presetID="1" presetClass="entr" presetSubtype="0" fill="hold" grpId="0" nodeType="withEffect">
                                   <p:stCondLst>
                                     <p:cond delay="0"/>
                                   </p:stCondLst>
                                   <p:childTnLst>
                                     <p:set>
                                       <p:cBhvr>
-                                        <p:cTn id="14" dur="1" fill="hold">
+                                        <p:cTn id="16" dur="1" fill="hold">
                                           <p:stCondLst>
                                             <p:cond delay="0"/>
                                           </p:stCondLst>
                                         </p:cTn>
                                         <p:tgtEl>
                                           <p:spTgt spid="25"/>
+                                        </p:tgtEl>
+                                        <p:attrNameLst>
+                                          <p:attrName>style.visibility</p:attrName>
+                                        </p:attrNameLst>
+                                      </p:cBhvr>
+                                      <p:to>
+                                        <p:strVal val="visible"/>
+                                      </p:to>
+                                    </p:set>
+                                  </p:childTnLst>
+                                </p:cTn>
+                              </p:par>
+                              <p:par>
+                                <p:cTn id="17" presetID="1" presetClass="entr" presetSubtype="0" fill="hold" grpId="0" nodeType="withEffect">
+                                  <p:stCondLst>
+                                    <p:cond delay="0"/>
+                                  </p:stCondLst>
+                                  <p:childTnLst>
+                                    <p:set>
+                                      <p:cBhvr>
+                                        <p:cTn id="18" dur="1" fill="hold">
+                                          <p:stCondLst>
+                                            <p:cond delay="0"/>
+                                          </p:stCondLst>
+                                        </p:cTn>
+                                        <p:tgtEl>
+                                          <p:spTgt spid="5"/>
                                         </p:tgtEl>
                                         <p:attrNameLst>
                                           <p:attrName>style.visibility</p:attrName>
@@ -36616,12 +41114,14 @@
       <p:bldP spid="25" grpId="0"/>
       <p:bldP spid="26" grpId="0"/>
       <p:bldP spid="27" grpId="0"/>
+      <p:bldP spid="3" grpId="0"/>
+      <p:bldP spid="5" grpId="0"/>
     </p:bldLst>
   </p:timing>
 </p:sld>
 </file>
 
-<file path=ppt/slides/slide8.xml><?xml version="1.0" encoding="utf-8"?>
+<file path=ppt/slides/slide9.xml><?xml version="1.0" encoding="utf-8"?>
 <p:sld xmlns:a="http://schemas.openxmlformats.org/drawingml/2006/main" xmlns:r="http://schemas.openxmlformats.org/officeDocument/2006/relationships" xmlns:p="http://schemas.openxmlformats.org/presentationml/2006/main">
   <p:cSld>
     <p:spTree>
@@ -36750,7 +41250,7 @@
               <a:pPr>
                 <a:defRPr/>
               </a:pPr>
-              <a:t>8</a:t>
+              <a:t>9</a:t>
             </a:fld>
             <a:endParaRPr lang="en-US" altLang="x-none"/>
           </a:p>
@@ -36862,8 +41362,8 @@
             </a:fontRef>
           </p:style>
         </p:cxnSp>
-        <mc:AlternateContent xmlns:mc="http://schemas.openxmlformats.org/markup-compatibility/2006">
-          <mc:Choice xmlns:a14="http://schemas.microsoft.com/office/drawing/2010/main" Requires="a14">
+        <mc:AlternateContent xmlns:mc="http://schemas.openxmlformats.org/markup-compatibility/2006" xmlns:a14="http://schemas.microsoft.com/office/drawing/2010/main">
+          <mc:Choice Requires="a14">
             <p:sp>
               <p:nvSpPr>
                 <p:cNvPr id="10" name="TextBox 9">
@@ -36933,7 +41433,7 @@
               </p:txBody>
             </p:sp>
           </mc:Choice>
-          <mc:Fallback>
+          <mc:Fallback xmlns="">
             <p:sp>
               <p:nvSpPr>
                 <p:cNvPr id="10" name="TextBox 9">
@@ -36978,8 +41478,8 @@
             </p:sp>
           </mc:Fallback>
         </mc:AlternateContent>
-        <mc:AlternateContent xmlns:mc="http://schemas.openxmlformats.org/markup-compatibility/2006">
-          <mc:Choice xmlns:a14="http://schemas.microsoft.com/office/drawing/2010/main" Requires="a14">
+        <mc:AlternateContent xmlns:mc="http://schemas.openxmlformats.org/markup-compatibility/2006" xmlns:a14="http://schemas.microsoft.com/office/drawing/2010/main">
+          <mc:Choice Requires="a14">
             <p:sp>
               <p:nvSpPr>
                 <p:cNvPr id="11" name="TextBox 10">
@@ -37031,7 +41531,7 @@
               </p:txBody>
             </p:sp>
           </mc:Choice>
-          <mc:Fallback>
+          <mc:Fallback xmlns="">
             <p:sp>
               <p:nvSpPr>
                 <p:cNvPr id="11" name="TextBox 10">
@@ -37769,8 +42269,8 @@
           </p:txBody>
         </p:sp>
       </p:grpSp>
-      <mc:AlternateContent xmlns:mc="http://schemas.openxmlformats.org/markup-compatibility/2006">
-        <mc:Choice xmlns:a14="http://schemas.microsoft.com/office/drawing/2010/main" Requires="a14">
+      <mc:AlternateContent xmlns:mc="http://schemas.openxmlformats.org/markup-compatibility/2006" xmlns:a14="http://schemas.microsoft.com/office/drawing/2010/main">
+        <mc:Choice Requires="a14">
           <p:sp>
             <p:nvSpPr>
               <p:cNvPr id="31" name="TextBox 30">
@@ -37843,7 +42343,7 @@
             </p:txBody>
           </p:sp>
         </mc:Choice>
-        <mc:Fallback>
+        <mc:Fallback xmlns="">
           <p:sp>
             <p:nvSpPr>
               <p:cNvPr id="31" name="TextBox 30">
@@ -37888,8 +42388,8 @@
           </p:sp>
         </mc:Fallback>
       </mc:AlternateContent>
-      <mc:AlternateContent xmlns:mc="http://schemas.openxmlformats.org/markup-compatibility/2006">
-        <mc:Choice xmlns:a14="http://schemas.microsoft.com/office/drawing/2010/main" Requires="a14">
+      <mc:AlternateContent xmlns:mc="http://schemas.openxmlformats.org/markup-compatibility/2006" xmlns:a14="http://schemas.microsoft.com/office/drawing/2010/main">
+        <mc:Choice Requires="a14">
           <p:sp>
             <p:nvSpPr>
               <p:cNvPr id="32" name="TextBox 31">
@@ -37948,7 +42448,7 @@
             </p:txBody>
           </p:sp>
         </mc:Choice>
-        <mc:Fallback>
+        <mc:Fallback xmlns="">
           <p:sp>
             <p:nvSpPr>
               <p:cNvPr id="32" name="TextBox 31">
@@ -37993,8 +42493,8 @@
           </p:sp>
         </mc:Fallback>
       </mc:AlternateContent>
-      <mc:AlternateContent xmlns:mc="http://schemas.openxmlformats.org/markup-compatibility/2006">
-        <mc:Choice xmlns:a14="http://schemas.microsoft.com/office/drawing/2010/main" Requires="a14">
+      <mc:AlternateContent xmlns:mc="http://schemas.openxmlformats.org/markup-compatibility/2006" xmlns:a14="http://schemas.microsoft.com/office/drawing/2010/main">
+        <mc:Choice Requires="a14">
           <p:sp>
             <p:nvSpPr>
               <p:cNvPr id="33" name="TextBox 32">
@@ -38057,13 +42557,7 @@
                         <a:rPr lang="en-US" b="0" i="1" smtClean="0">
                           <a:latin typeface="Cambria Math" panose="02040503050406030204" pitchFamily="18" charset="0"/>
                         </a:rPr>
-                        <m:t>=</m:t>
-                      </m:r>
-                      <m:r>
-                        <a:rPr lang="en-US" b="0" i="1" smtClean="0">
-                          <a:latin typeface="Cambria Math" panose="02040503050406030204" pitchFamily="18" charset="0"/>
-                        </a:rPr>
-                        <m:t>5</m:t>
+                        <m:t>=5</m:t>
                       </m:r>
                       <m:sSup>
                         <m:sSupPr>
@@ -38259,7 +42753,7 @@
             </p:txBody>
           </p:sp>
         </mc:Choice>
-        <mc:Fallback>
+        <mc:Fallback xmlns="">
           <p:sp>
             <p:nvSpPr>
               <p:cNvPr id="33" name="TextBox 32">
@@ -38822,3150 +43316,6 @@
       <p:bldP spid="31" grpId="0"/>
       <p:bldP spid="32" grpId="0"/>
       <p:bldP spid="33" grpId="0"/>
-    </p:bldLst>
-  </p:timing>
-</p:sld>
-</file>
-
-<file path=ppt/slides/slide9.xml><?xml version="1.0" encoding="utf-8"?>
-<p:sld xmlns:a="http://schemas.openxmlformats.org/drawingml/2006/main" xmlns:r="http://schemas.openxmlformats.org/officeDocument/2006/relationships" xmlns:p="http://schemas.openxmlformats.org/presentationml/2006/main">
-  <p:cSld>
-    <p:spTree>
-      <p:nvGrpSpPr>
-        <p:cNvPr id="1" name=""/>
-        <p:cNvGrpSpPr/>
-        <p:nvPr/>
-      </p:nvGrpSpPr>
-      <p:grpSpPr>
-        <a:xfrm>
-          <a:off x="0" y="0"/>
-          <a:ext cx="0" cy="0"/>
-          <a:chOff x="0" y="0"/>
-          <a:chExt cx="0" cy="0"/>
-        </a:xfrm>
-      </p:grpSpPr>
-      <p:sp>
-        <p:nvSpPr>
-          <p:cNvPr id="2" name="Title 1">
-            <a:extLst>
-              <a:ext uri="{FF2B5EF4-FFF2-40B4-BE49-F238E27FC236}">
-                <a16:creationId xmlns:a16="http://schemas.microsoft.com/office/drawing/2014/main" id="{D51592E4-3471-9F60-C84A-D79746936686}"/>
-              </a:ext>
-            </a:extLst>
-          </p:cNvPr>
-          <p:cNvSpPr>
-            <a:spLocks noGrp="1"/>
-          </p:cNvSpPr>
-          <p:nvPr>
-            <p:ph type="title"/>
-          </p:nvPr>
-        </p:nvSpPr>
-        <p:spPr/>
-        <p:txBody>
-          <a:bodyPr/>
-          <a:lstStyle/>
-          <a:p>
-            <a:r>
-              <a:rPr lang="en-US" dirty="0"/>
-              <a:t>Shifting in time</a:t>
-            </a:r>
-          </a:p>
-        </p:txBody>
-      </p:sp>
-      <p:sp>
-        <p:nvSpPr>
-          <p:cNvPr id="4" name="Slide Number Placeholder 3">
-            <a:extLst>
-              <a:ext uri="{FF2B5EF4-FFF2-40B4-BE49-F238E27FC236}">
-                <a16:creationId xmlns:a16="http://schemas.microsoft.com/office/drawing/2014/main" id="{6F0C7E17-784F-BA40-0EC2-178A21827DFE}"/>
-              </a:ext>
-            </a:extLst>
-          </p:cNvPr>
-          <p:cNvSpPr>
-            <a:spLocks noGrp="1"/>
-          </p:cNvSpPr>
-          <p:nvPr>
-            <p:ph type="sldNum" sz="quarter" idx="11"/>
-          </p:nvPr>
-        </p:nvSpPr>
-        <p:spPr/>
-        <p:txBody>
-          <a:bodyPr/>
-          <a:lstStyle/>
-          <a:p>
-            <a:pPr>
-              <a:defRPr/>
-            </a:pPr>
-            <a:fld id="{3EF4E9CC-9D91-476E-91FD-5BEEC1642931}" type="slidenum">
-              <a:rPr lang="en-US" altLang="x-none" smtClean="0"/>
-              <a:pPr>
-                <a:defRPr/>
-              </a:pPr>
-              <a:t>9</a:t>
-            </a:fld>
-            <a:endParaRPr lang="en-US" altLang="x-none"/>
-          </a:p>
-        </p:txBody>
-      </p:sp>
-      <mc:AlternateContent xmlns:mc="http://schemas.openxmlformats.org/markup-compatibility/2006">
-        <mc:Choice xmlns:a14="http://schemas.microsoft.com/office/drawing/2010/main" Requires="a14">
-          <p:sp>
-            <p:nvSpPr>
-              <p:cNvPr id="32" name="TextBox 31">
-                <a:extLst>
-                  <a:ext uri="{FF2B5EF4-FFF2-40B4-BE49-F238E27FC236}">
-                    <a16:creationId xmlns:a16="http://schemas.microsoft.com/office/drawing/2014/main" id="{8CBAF050-5391-FF14-8A9C-EF31A3D5CC72}"/>
-                  </a:ext>
-                </a:extLst>
-              </p:cNvPr>
-              <p:cNvSpPr txBox="1"/>
-              <p:nvPr/>
-            </p:nvSpPr>
-            <p:spPr>
-              <a:xfrm>
-                <a:off x="592741" y="4304040"/>
-                <a:ext cx="8090452" cy="369332"/>
-              </a:xfrm>
-              <a:prstGeom prst="rect">
-                <a:avLst/>
-              </a:prstGeom>
-              <a:noFill/>
-            </p:spPr>
-            <p:txBody>
-              <a:bodyPr wrap="square" rtlCol="0">
-                <a:spAutoFit/>
-              </a:bodyPr>
-              <a:lstStyle/>
-              <a:p>
-                <a:r>
-                  <a:rPr lang="en-US" dirty="0"/>
-                  <a:t>Let </a:t>
-                </a:r>
-                <a14:m>
-                  <m:oMath xmlns:m="http://schemas.openxmlformats.org/officeDocument/2006/math">
-                    <m:sSup>
-                      <m:sSupPr>
-                        <m:ctrlPr>
-                          <a:rPr lang="en-US" b="0" i="1" smtClean="0">
-                            <a:latin typeface="Cambria Math" panose="02040503050406030204" pitchFamily="18" charset="0"/>
-                          </a:rPr>
-                        </m:ctrlPr>
-                      </m:sSupPr>
-                      <m:e>
-                        <m:r>
-                          <a:rPr lang="en-US" b="0" i="1" smtClean="0">
-                            <a:latin typeface="Cambria Math" panose="02040503050406030204" pitchFamily="18" charset="0"/>
-                          </a:rPr>
-                          <m:t>𝑌</m:t>
-                        </m:r>
-                      </m:e>
-                      <m:sup>
-                        <m:r>
-                          <a:rPr lang="en-US" b="0" i="1" smtClean="0">
-                            <a:latin typeface="Cambria Math" panose="02040503050406030204" pitchFamily="18" charset="0"/>
-                          </a:rPr>
-                          <m:t>′</m:t>
-                        </m:r>
-                      </m:sup>
-                    </m:sSup>
-                    <m:r>
-                      <a:rPr lang="en-US" b="0" i="1" smtClean="0">
-                        <a:latin typeface="Cambria Math" panose="02040503050406030204" pitchFamily="18" charset="0"/>
-                      </a:rPr>
-                      <m:t>(</m:t>
-                    </m:r>
-                    <m:r>
-                      <a:rPr lang="en-US" b="0" i="1" smtClean="0">
-                        <a:latin typeface="Cambria Math" panose="02040503050406030204" pitchFamily="18" charset="0"/>
-                      </a:rPr>
-                      <m:t>𝑧</m:t>
-                    </m:r>
-                    <m:r>
-                      <a:rPr lang="en-US" b="0" i="1" smtClean="0">
-                        <a:latin typeface="Cambria Math" panose="02040503050406030204" pitchFamily="18" charset="0"/>
-                      </a:rPr>
-                      <m:t>)</m:t>
-                    </m:r>
-                  </m:oMath>
-                </a14:m>
-                <a:r>
-                  <a:rPr lang="en-US" dirty="0"/>
-                  <a:t> the z-transform of </a:t>
-                </a:r>
-                <a14:m>
-                  <m:oMath xmlns:m="http://schemas.openxmlformats.org/officeDocument/2006/math">
-                    <m:r>
-                      <a:rPr lang="en-US" i="1">
-                        <a:latin typeface="Cambria Math" panose="02040503050406030204" pitchFamily="18" charset="0"/>
-                      </a:rPr>
-                      <m:t>𝑌</m:t>
-                    </m:r>
-                    <m:d>
-                      <m:dPr>
-                        <m:ctrlPr>
-                          <a:rPr lang="en-US" i="1">
-                            <a:latin typeface="Cambria Math" panose="02040503050406030204" pitchFamily="18" charset="0"/>
-                          </a:rPr>
-                        </m:ctrlPr>
-                      </m:dPr>
-                      <m:e>
-                        <m:r>
-                          <a:rPr lang="en-US" i="1">
-                            <a:latin typeface="Cambria Math" panose="02040503050406030204" pitchFamily="18" charset="0"/>
-                          </a:rPr>
-                          <m:t>𝑧</m:t>
-                        </m:r>
-                      </m:e>
-                    </m:d>
-                  </m:oMath>
-                </a14:m>
-                <a:r>
-                  <a:rPr lang="en-US" dirty="0"/>
-                  <a:t>, delayed by one time unit</a:t>
-                </a:r>
-              </a:p>
-            </p:txBody>
-          </p:sp>
-        </mc:Choice>
-        <mc:Fallback>
-          <p:sp>
-            <p:nvSpPr>
-              <p:cNvPr id="32" name="TextBox 31">
-                <a:extLst>
-                  <a:ext uri="{FF2B5EF4-FFF2-40B4-BE49-F238E27FC236}">
-                    <a16:creationId xmlns:a16="http://schemas.microsoft.com/office/drawing/2014/main" id="{8CBAF050-5391-FF14-8A9C-EF31A3D5CC72}"/>
-                  </a:ext>
-                </a:extLst>
-              </p:cNvPr>
-              <p:cNvSpPr txBox="1">
-                <a:spLocks noRot="1" noChangeAspect="1" noMove="1" noResize="1" noEditPoints="1" noAdjustHandles="1" noChangeArrowheads="1" noChangeShapeType="1" noTextEdit="1"/>
-              </p:cNvSpPr>
-              <p:nvPr/>
-            </p:nvSpPr>
-            <p:spPr>
-              <a:xfrm>
-                <a:off x="592741" y="4304040"/>
-                <a:ext cx="8090452" cy="369332"/>
-              </a:xfrm>
-              <a:prstGeom prst="rect">
-                <a:avLst/>
-              </a:prstGeom>
-              <a:blipFill>
-                <a:blip r:embed="rId2"/>
-                <a:stretch>
-                  <a:fillRect l="-627" t="-6452" b="-22581"/>
-                </a:stretch>
-              </a:blipFill>
-            </p:spPr>
-            <p:txBody>
-              <a:bodyPr/>
-              <a:lstStyle/>
-              <a:p>
-                <a:r>
-                  <a:rPr lang="en-US">
-                    <a:noFill/>
-                  </a:rPr>
-                  <a:t> </a:t>
-                </a:r>
-              </a:p>
-            </p:txBody>
-          </p:sp>
-        </mc:Fallback>
-      </mc:AlternateContent>
-      <mc:AlternateContent xmlns:mc="http://schemas.openxmlformats.org/markup-compatibility/2006">
-        <mc:Choice xmlns:a14="http://schemas.microsoft.com/office/drawing/2010/main" Requires="a14">
-          <p:sp>
-            <p:nvSpPr>
-              <p:cNvPr id="33" name="TextBox 32">
-                <a:extLst>
-                  <a:ext uri="{FF2B5EF4-FFF2-40B4-BE49-F238E27FC236}">
-                    <a16:creationId xmlns:a16="http://schemas.microsoft.com/office/drawing/2014/main" id="{D65E2989-52E1-03E2-0D07-255CBA4FE555}"/>
-                  </a:ext>
-                </a:extLst>
-              </p:cNvPr>
-              <p:cNvSpPr txBox="1"/>
-              <p:nvPr/>
-            </p:nvSpPr>
-            <p:spPr>
-              <a:xfrm>
-                <a:off x="549798" y="4816703"/>
-                <a:ext cx="7919604" cy="280077"/>
-              </a:xfrm>
-              <a:prstGeom prst="rect">
-                <a:avLst/>
-              </a:prstGeom>
-              <a:noFill/>
-            </p:spPr>
-            <p:txBody>
-              <a:bodyPr wrap="none" lIns="0" tIns="0" rIns="0" bIns="0" rtlCol="0">
-                <a:spAutoFit/>
-              </a:bodyPr>
-              <a:lstStyle/>
-              <a:p>
-                <a:pPr/>
-                <a14:m>
-                  <m:oMathPara xmlns:m="http://schemas.openxmlformats.org/officeDocument/2006/math">
-                    <m:oMathParaPr>
-                      <m:jc m:val="centerGroup"/>
-                    </m:oMathParaPr>
-                    <m:oMath xmlns:m="http://schemas.openxmlformats.org/officeDocument/2006/math">
-                      <m:sSup>
-                        <m:sSupPr>
-                          <m:ctrlPr>
-                            <a:rPr lang="en-US" b="0" i="1" smtClean="0">
-                              <a:latin typeface="Cambria Math" panose="02040503050406030204" pitchFamily="18" charset="0"/>
-                            </a:rPr>
-                          </m:ctrlPr>
-                        </m:sSupPr>
-                        <m:e>
-                          <m:r>
-                            <a:rPr lang="en-US" b="0" i="1" smtClean="0">
-                              <a:latin typeface="Cambria Math" panose="02040503050406030204" pitchFamily="18" charset="0"/>
-                            </a:rPr>
-                            <m:t>𝑌</m:t>
-                          </m:r>
-                        </m:e>
-                        <m:sup>
-                          <m:r>
-                            <a:rPr lang="en-US" b="0" i="1" smtClean="0">
-                              <a:latin typeface="Cambria Math" panose="02040503050406030204" pitchFamily="18" charset="0"/>
-                            </a:rPr>
-                            <m:t>′</m:t>
-                          </m:r>
-                        </m:sup>
-                      </m:sSup>
-                      <m:d>
-                        <m:dPr>
-                          <m:ctrlPr>
-                            <a:rPr lang="en-US" b="0" i="1" smtClean="0">
-                              <a:latin typeface="Cambria Math" panose="02040503050406030204" pitchFamily="18" charset="0"/>
-                            </a:rPr>
-                          </m:ctrlPr>
-                        </m:dPr>
-                        <m:e>
-                          <m:r>
-                            <a:rPr lang="en-US" b="0" i="1" smtClean="0">
-                              <a:latin typeface="Cambria Math" panose="02040503050406030204" pitchFamily="18" charset="0"/>
-                            </a:rPr>
-                            <m:t>𝑧</m:t>
-                          </m:r>
-                        </m:e>
-                      </m:d>
-                      <m:r>
-                        <a:rPr lang="en-US" b="0" i="1" smtClean="0">
-                          <a:latin typeface="Cambria Math" panose="02040503050406030204" pitchFamily="18" charset="0"/>
-                        </a:rPr>
-                        <m:t>=</m:t>
-                      </m:r>
-                      <m:r>
-                        <a:rPr lang="en-US" i="1">
-                          <a:latin typeface="Cambria Math" panose="02040503050406030204" pitchFamily="18" charset="0"/>
-                        </a:rPr>
-                        <m:t>5</m:t>
-                      </m:r>
-                      <m:sSup>
-                        <m:sSupPr>
-                          <m:ctrlPr>
-                            <a:rPr lang="en-US" i="1">
-                              <a:latin typeface="Cambria Math" panose="02040503050406030204" pitchFamily="18" charset="0"/>
-                            </a:rPr>
-                          </m:ctrlPr>
-                        </m:sSupPr>
-                        <m:e>
-                          <m:r>
-                            <a:rPr lang="en-US" i="1">
-                              <a:latin typeface="Cambria Math" panose="02040503050406030204" pitchFamily="18" charset="0"/>
-                            </a:rPr>
-                            <m:t>𝑧</m:t>
-                          </m:r>
-                        </m:e>
-                        <m:sup>
-                          <m:r>
-                            <a:rPr lang="en-US" i="1">
-                              <a:latin typeface="Cambria Math" panose="02040503050406030204" pitchFamily="18" charset="0"/>
-                            </a:rPr>
-                            <m:t>−1</m:t>
-                          </m:r>
-                        </m:sup>
-                      </m:sSup>
-                      <m:r>
-                        <a:rPr lang="en-US" i="1">
-                          <a:latin typeface="Cambria Math" panose="02040503050406030204" pitchFamily="18" charset="0"/>
-                        </a:rPr>
-                        <m:t>+10.1</m:t>
-                      </m:r>
-                      <m:sSup>
-                        <m:sSupPr>
-                          <m:ctrlPr>
-                            <a:rPr lang="en-US" i="1">
-                              <a:latin typeface="Cambria Math" panose="02040503050406030204" pitchFamily="18" charset="0"/>
-                            </a:rPr>
-                          </m:ctrlPr>
-                        </m:sSupPr>
-                        <m:e>
-                          <m:r>
-                            <a:rPr lang="en-US" i="1">
-                              <a:latin typeface="Cambria Math" panose="02040503050406030204" pitchFamily="18" charset="0"/>
-                            </a:rPr>
-                            <m:t>𝑧</m:t>
-                          </m:r>
-                        </m:e>
-                        <m:sup>
-                          <m:r>
-                            <a:rPr lang="en-US" i="1">
-                              <a:latin typeface="Cambria Math" panose="02040503050406030204" pitchFamily="18" charset="0"/>
-                            </a:rPr>
-                            <m:t>−2</m:t>
-                          </m:r>
-                        </m:sup>
-                      </m:sSup>
-                      <m:r>
-                        <a:rPr lang="en-US" i="1">
-                          <a:latin typeface="Cambria Math" panose="02040503050406030204" pitchFamily="18" charset="0"/>
-                        </a:rPr>
-                        <m:t>+20</m:t>
-                      </m:r>
-                      <m:sSup>
-                        <m:sSupPr>
-                          <m:ctrlPr>
-                            <a:rPr lang="en-US" i="1">
-                              <a:latin typeface="Cambria Math" panose="02040503050406030204" pitchFamily="18" charset="0"/>
-                            </a:rPr>
-                          </m:ctrlPr>
-                        </m:sSupPr>
-                        <m:e>
-                          <m:r>
-                            <a:rPr lang="en-US" i="1">
-                              <a:latin typeface="Cambria Math" panose="02040503050406030204" pitchFamily="18" charset="0"/>
-                            </a:rPr>
-                            <m:t>.03</m:t>
-                          </m:r>
-                          <m:r>
-                            <a:rPr lang="en-US" i="1">
-                              <a:latin typeface="Cambria Math" panose="02040503050406030204" pitchFamily="18" charset="0"/>
-                            </a:rPr>
-                            <m:t>𝑧</m:t>
-                          </m:r>
-                        </m:e>
-                        <m:sup>
-                          <m:r>
-                            <a:rPr lang="en-US" i="1">
-                              <a:latin typeface="Cambria Math" panose="02040503050406030204" pitchFamily="18" charset="0"/>
-                            </a:rPr>
-                            <m:t>−3</m:t>
-                          </m:r>
-                        </m:sup>
-                      </m:sSup>
-                      <m:r>
-                        <a:rPr lang="en-US" i="1">
-                          <a:latin typeface="Cambria Math" panose="02040503050406030204" pitchFamily="18" charset="0"/>
-                        </a:rPr>
-                        <m:t>+15 </m:t>
-                      </m:r>
-                      <m:sSup>
-                        <m:sSupPr>
-                          <m:ctrlPr>
-                            <a:rPr lang="en-US" i="1">
-                              <a:latin typeface="Cambria Math" panose="02040503050406030204" pitchFamily="18" charset="0"/>
-                            </a:rPr>
-                          </m:ctrlPr>
-                        </m:sSupPr>
-                        <m:e>
-                          <m:r>
-                            <a:rPr lang="en-US" i="1">
-                              <a:latin typeface="Cambria Math" panose="02040503050406030204" pitchFamily="18" charset="0"/>
-                            </a:rPr>
-                            <m:t>𝑧</m:t>
-                          </m:r>
-                        </m:e>
-                        <m:sup>
-                          <m:r>
-                            <a:rPr lang="en-US" i="1">
-                              <a:latin typeface="Cambria Math" panose="02040503050406030204" pitchFamily="18" charset="0"/>
-                            </a:rPr>
-                            <m:t>−4</m:t>
-                          </m:r>
-                        </m:sup>
-                      </m:sSup>
-                      <m:r>
-                        <a:rPr lang="en-US" i="1">
-                          <a:latin typeface="Cambria Math" panose="02040503050406030204" pitchFamily="18" charset="0"/>
-                        </a:rPr>
-                        <m:t>+30 </m:t>
-                      </m:r>
-                      <m:sSup>
-                        <m:sSupPr>
-                          <m:ctrlPr>
-                            <a:rPr lang="en-US" i="1">
-                              <a:latin typeface="Cambria Math" panose="02040503050406030204" pitchFamily="18" charset="0"/>
-                            </a:rPr>
-                          </m:ctrlPr>
-                        </m:sSupPr>
-                        <m:e>
-                          <m:r>
-                            <a:rPr lang="en-US" i="1">
-                              <a:latin typeface="Cambria Math" panose="02040503050406030204" pitchFamily="18" charset="0"/>
-                            </a:rPr>
-                            <m:t>𝑧</m:t>
-                          </m:r>
-                        </m:e>
-                        <m:sup>
-                          <m:r>
-                            <a:rPr lang="en-US" i="1">
-                              <a:latin typeface="Cambria Math" panose="02040503050406030204" pitchFamily="18" charset="0"/>
-                            </a:rPr>
-                            <m:t>−5</m:t>
-                          </m:r>
-                        </m:sup>
-                      </m:sSup>
-                      <m:r>
-                        <a:rPr lang="en-US" i="1">
-                          <a:latin typeface="Cambria Math" panose="02040503050406030204" pitchFamily="18" charset="0"/>
-                        </a:rPr>
-                        <m:t>+11.11</m:t>
-                      </m:r>
-                      <m:sSup>
-                        <m:sSupPr>
-                          <m:ctrlPr>
-                            <a:rPr lang="en-US" i="1">
-                              <a:latin typeface="Cambria Math" panose="02040503050406030204" pitchFamily="18" charset="0"/>
-                            </a:rPr>
-                          </m:ctrlPr>
-                        </m:sSupPr>
-                        <m:e>
-                          <m:r>
-                            <a:rPr lang="en-US" i="1">
-                              <a:latin typeface="Cambria Math" panose="02040503050406030204" pitchFamily="18" charset="0"/>
-                            </a:rPr>
-                            <m:t>𝑧</m:t>
-                          </m:r>
-                        </m:e>
-                        <m:sup>
-                          <m:r>
-                            <a:rPr lang="en-US" i="1">
-                              <a:latin typeface="Cambria Math" panose="02040503050406030204" pitchFamily="18" charset="0"/>
-                            </a:rPr>
-                            <m:t>−6</m:t>
-                          </m:r>
-                        </m:sup>
-                      </m:sSup>
-                      <m:r>
-                        <a:rPr lang="en-US" b="0" i="1" smtClean="0">
-                          <a:latin typeface="Cambria Math" panose="02040503050406030204" pitchFamily="18" charset="0"/>
-                        </a:rPr>
-                        <m:t>=</m:t>
-                      </m:r>
-                      <m:sSup>
-                        <m:sSupPr>
-                          <m:ctrlPr>
-                            <a:rPr lang="en-US" b="0" i="1" smtClean="0">
-                              <a:latin typeface="Cambria Math" panose="02040503050406030204" pitchFamily="18" charset="0"/>
-                            </a:rPr>
-                          </m:ctrlPr>
-                        </m:sSupPr>
-                        <m:e>
-                          <m:r>
-                            <a:rPr lang="en-US" b="0" i="1" smtClean="0">
-                              <a:latin typeface="Cambria Math" panose="02040503050406030204" pitchFamily="18" charset="0"/>
-                            </a:rPr>
-                            <m:t>𝑧</m:t>
-                          </m:r>
-                        </m:e>
-                        <m:sup>
-                          <m:r>
-                            <a:rPr lang="en-US" b="0" i="1" smtClean="0">
-                              <a:latin typeface="Cambria Math" panose="02040503050406030204" pitchFamily="18" charset="0"/>
-                            </a:rPr>
-                            <m:t>−1</m:t>
-                          </m:r>
-                        </m:sup>
-                      </m:sSup>
-                      <m:r>
-                        <a:rPr lang="en-US" b="0" i="1" smtClean="0">
-                          <a:latin typeface="Cambria Math" panose="02040503050406030204" pitchFamily="18" charset="0"/>
-                        </a:rPr>
-                        <m:t>𝑌</m:t>
-                      </m:r>
-                      <m:r>
-                        <a:rPr lang="en-US" b="0" i="1" smtClean="0">
-                          <a:latin typeface="Cambria Math" panose="02040503050406030204" pitchFamily="18" charset="0"/>
-                        </a:rPr>
-                        <m:t>(</m:t>
-                      </m:r>
-                      <m:r>
-                        <a:rPr lang="en-US" b="0" i="1" smtClean="0">
-                          <a:latin typeface="Cambria Math" panose="02040503050406030204" pitchFamily="18" charset="0"/>
-                        </a:rPr>
-                        <m:t>𝑧</m:t>
-                      </m:r>
-                      <m:r>
-                        <a:rPr lang="en-US" b="0" i="1" smtClean="0">
-                          <a:latin typeface="Cambria Math" panose="02040503050406030204" pitchFamily="18" charset="0"/>
-                        </a:rPr>
-                        <m:t>)</m:t>
-                      </m:r>
-                    </m:oMath>
-                  </m:oMathPara>
-                </a14:m>
-                <a:endParaRPr lang="en-US" b="0" dirty="0"/>
-              </a:p>
-            </p:txBody>
-          </p:sp>
-        </mc:Choice>
-        <mc:Fallback>
-          <p:sp>
-            <p:nvSpPr>
-              <p:cNvPr id="33" name="TextBox 32">
-                <a:extLst>
-                  <a:ext uri="{FF2B5EF4-FFF2-40B4-BE49-F238E27FC236}">
-                    <a16:creationId xmlns:a16="http://schemas.microsoft.com/office/drawing/2014/main" id="{D65E2989-52E1-03E2-0D07-255CBA4FE555}"/>
-                  </a:ext>
-                </a:extLst>
-              </p:cNvPr>
-              <p:cNvSpPr txBox="1">
-                <a:spLocks noRot="1" noChangeAspect="1" noMove="1" noResize="1" noEditPoints="1" noAdjustHandles="1" noChangeArrowheads="1" noChangeShapeType="1" noTextEdit="1"/>
-              </p:cNvSpPr>
-              <p:nvPr/>
-            </p:nvSpPr>
-            <p:spPr>
-              <a:xfrm>
-                <a:off x="549798" y="4816703"/>
-                <a:ext cx="7919604" cy="280077"/>
-              </a:xfrm>
-              <a:prstGeom prst="rect">
-                <a:avLst/>
-              </a:prstGeom>
-              <a:blipFill>
-                <a:blip r:embed="rId3"/>
-                <a:stretch>
-                  <a:fillRect t="-4348" b="-39130"/>
-                </a:stretch>
-              </a:blipFill>
-            </p:spPr>
-            <p:txBody>
-              <a:bodyPr/>
-              <a:lstStyle/>
-              <a:p>
-                <a:r>
-                  <a:rPr lang="en-US">
-                    <a:noFill/>
-                  </a:rPr>
-                  <a:t> </a:t>
-                </a:r>
-              </a:p>
-            </p:txBody>
-          </p:sp>
-        </mc:Fallback>
-      </mc:AlternateContent>
-      <p:graphicFrame>
-        <p:nvGraphicFramePr>
-          <p:cNvPr id="5" name="Table 4">
-            <a:extLst>
-              <a:ext uri="{FF2B5EF4-FFF2-40B4-BE49-F238E27FC236}">
-                <a16:creationId xmlns:a16="http://schemas.microsoft.com/office/drawing/2014/main" id="{842F512D-3188-43CC-603F-71BB6050BCD1}"/>
-              </a:ext>
-            </a:extLst>
-          </p:cNvPr>
-          <p:cNvGraphicFramePr>
-            <a:graphicFrameLocks noGrp="1"/>
-          </p:cNvGraphicFramePr>
-          <p:nvPr>
-            <p:extLst>
-              <p:ext uri="{D42A27DB-BD31-4B8C-83A1-F6EECF244321}">
-                <p14:modId xmlns:p14="http://schemas.microsoft.com/office/powerpoint/2010/main" val="601188823"/>
-              </p:ext>
-            </p:extLst>
-          </p:nvPr>
-        </p:nvGraphicFramePr>
-        <p:xfrm>
-          <a:off x="2407870" y="924565"/>
-          <a:ext cx="6095999" cy="741680"/>
-        </p:xfrm>
-        <a:graphic>
-          <a:graphicData uri="http://schemas.openxmlformats.org/drawingml/2006/table">
-            <a:tbl>
-              <a:tblPr firstRow="1" bandRow="1">
-                <a:tableStyleId>{5C22544A-7EE6-4342-B048-85BDC9FD1C3A}</a:tableStyleId>
-              </a:tblPr>
-              <a:tblGrid>
-                <a:gridCol w="870857">
-                  <a:extLst>
-                    <a:ext uri="{9D8B030D-6E8A-4147-A177-3AD203B41FA5}">
-                      <a16:colId xmlns:a16="http://schemas.microsoft.com/office/drawing/2014/main" val="2730191597"/>
-                    </a:ext>
-                  </a:extLst>
-                </a:gridCol>
-                <a:gridCol w="870857">
-                  <a:extLst>
-                    <a:ext uri="{9D8B030D-6E8A-4147-A177-3AD203B41FA5}">
-                      <a16:colId xmlns:a16="http://schemas.microsoft.com/office/drawing/2014/main" val="1731637243"/>
-                    </a:ext>
-                  </a:extLst>
-                </a:gridCol>
-                <a:gridCol w="870857">
-                  <a:extLst>
-                    <a:ext uri="{9D8B030D-6E8A-4147-A177-3AD203B41FA5}">
-                      <a16:colId xmlns:a16="http://schemas.microsoft.com/office/drawing/2014/main" val="2191389342"/>
-                    </a:ext>
-                  </a:extLst>
-                </a:gridCol>
-                <a:gridCol w="870857">
-                  <a:extLst>
-                    <a:ext uri="{9D8B030D-6E8A-4147-A177-3AD203B41FA5}">
-                      <a16:colId xmlns:a16="http://schemas.microsoft.com/office/drawing/2014/main" val="1784038227"/>
-                    </a:ext>
-                  </a:extLst>
-                </a:gridCol>
-                <a:gridCol w="870857">
-                  <a:extLst>
-                    <a:ext uri="{9D8B030D-6E8A-4147-A177-3AD203B41FA5}">
-                      <a16:colId xmlns:a16="http://schemas.microsoft.com/office/drawing/2014/main" val="3344840454"/>
-                    </a:ext>
-                  </a:extLst>
-                </a:gridCol>
-                <a:gridCol w="870857">
-                  <a:extLst>
-                    <a:ext uri="{9D8B030D-6E8A-4147-A177-3AD203B41FA5}">
-                      <a16:colId xmlns:a16="http://schemas.microsoft.com/office/drawing/2014/main" val="3194837852"/>
-                    </a:ext>
-                  </a:extLst>
-                </a:gridCol>
-                <a:gridCol w="870857">
-                  <a:extLst>
-                    <a:ext uri="{9D8B030D-6E8A-4147-A177-3AD203B41FA5}">
-                      <a16:colId xmlns:a16="http://schemas.microsoft.com/office/drawing/2014/main" val="4139220557"/>
-                    </a:ext>
-                  </a:extLst>
-                </a:gridCol>
-              </a:tblGrid>
-              <a:tr h="370840">
-                <a:tc>
-                  <a:txBody>
-                    <a:bodyPr/>
-                    <a:lstStyle/>
-                    <a:p>
-                      <a:pPr algn="ctr"/>
-                      <a:r>
-                        <a:rPr lang="en-US" b="1" i="1" dirty="0"/>
-                        <a:t>k</a:t>
-                      </a:r>
-                    </a:p>
-                  </a:txBody>
-                  <a:tcPr/>
-                </a:tc>
-                <a:tc>
-                  <a:txBody>
-                    <a:bodyPr/>
-                    <a:lstStyle/>
-                    <a:p>
-                      <a:pPr algn="ctr"/>
-                      <a:r>
-                        <a:rPr lang="en-US" dirty="0"/>
-                        <a:t>0</a:t>
-                      </a:r>
-                    </a:p>
-                  </a:txBody>
-                  <a:tcPr/>
-                </a:tc>
-                <a:tc>
-                  <a:txBody>
-                    <a:bodyPr/>
-                    <a:lstStyle/>
-                    <a:p>
-                      <a:pPr algn="ctr"/>
-                      <a:r>
-                        <a:rPr lang="en-US" dirty="0"/>
-                        <a:t>1</a:t>
-                      </a:r>
-                    </a:p>
-                  </a:txBody>
-                  <a:tcPr/>
-                </a:tc>
-                <a:tc>
-                  <a:txBody>
-                    <a:bodyPr/>
-                    <a:lstStyle/>
-                    <a:p>
-                      <a:pPr algn="ctr"/>
-                      <a:r>
-                        <a:rPr lang="en-US" dirty="0"/>
-                        <a:t>2</a:t>
-                      </a:r>
-                    </a:p>
-                  </a:txBody>
-                  <a:tcPr/>
-                </a:tc>
-                <a:tc>
-                  <a:txBody>
-                    <a:bodyPr/>
-                    <a:lstStyle/>
-                    <a:p>
-                      <a:pPr algn="ctr"/>
-                      <a:r>
-                        <a:rPr lang="en-US" dirty="0"/>
-                        <a:t>3</a:t>
-                      </a:r>
-                    </a:p>
-                  </a:txBody>
-                  <a:tcPr/>
-                </a:tc>
-                <a:tc>
-                  <a:txBody>
-                    <a:bodyPr/>
-                    <a:lstStyle/>
-                    <a:p>
-                      <a:pPr algn="ctr"/>
-                      <a:r>
-                        <a:rPr lang="en-US" dirty="0"/>
-                        <a:t>4</a:t>
-                      </a:r>
-                    </a:p>
-                  </a:txBody>
-                  <a:tcPr/>
-                </a:tc>
-                <a:tc>
-                  <a:txBody>
-                    <a:bodyPr/>
-                    <a:lstStyle/>
-                    <a:p>
-                      <a:pPr algn="ctr"/>
-                      <a:r>
-                        <a:rPr lang="en-US" dirty="0"/>
-                        <a:t>5</a:t>
-                      </a:r>
-                    </a:p>
-                  </a:txBody>
-                  <a:tcPr/>
-                </a:tc>
-                <a:extLst>
-                  <a:ext uri="{0D108BD9-81ED-4DB2-BD59-A6C34878D82A}">
-                    <a16:rowId xmlns:a16="http://schemas.microsoft.com/office/drawing/2014/main" val="3243667252"/>
-                  </a:ext>
-                </a:extLst>
-              </a:tr>
-              <a:tr h="370840">
-                <a:tc>
-                  <a:txBody>
-                    <a:bodyPr/>
-                    <a:lstStyle/>
-                    <a:p>
-                      <a:pPr algn="ctr"/>
-                      <a:r>
-                        <a:rPr lang="en-US" b="1" i="1" dirty="0"/>
-                        <a:t>y</a:t>
-                      </a:r>
-                    </a:p>
-                  </a:txBody>
-                  <a:tcPr/>
-                </a:tc>
-                <a:tc>
-                  <a:txBody>
-                    <a:bodyPr/>
-                    <a:lstStyle/>
-                    <a:p>
-                      <a:pPr algn="ctr"/>
-                      <a:r>
-                        <a:rPr lang="en-US" dirty="0"/>
-                        <a:t>5</a:t>
-                      </a:r>
-                    </a:p>
-                  </a:txBody>
-                  <a:tcPr/>
-                </a:tc>
-                <a:tc>
-                  <a:txBody>
-                    <a:bodyPr/>
-                    <a:lstStyle/>
-                    <a:p>
-                      <a:pPr algn="ctr"/>
-                      <a:r>
-                        <a:rPr lang="en-US" dirty="0"/>
-                        <a:t>10.1</a:t>
-                      </a:r>
-                    </a:p>
-                  </a:txBody>
-                  <a:tcPr/>
-                </a:tc>
-                <a:tc>
-                  <a:txBody>
-                    <a:bodyPr/>
-                    <a:lstStyle/>
-                    <a:p>
-                      <a:pPr algn="ctr"/>
-                      <a:r>
-                        <a:rPr lang="en-US" dirty="0"/>
-                        <a:t>20.03</a:t>
-                      </a:r>
-                    </a:p>
-                  </a:txBody>
-                  <a:tcPr/>
-                </a:tc>
-                <a:tc>
-                  <a:txBody>
-                    <a:bodyPr/>
-                    <a:lstStyle/>
-                    <a:p>
-                      <a:pPr algn="ctr"/>
-                      <a:r>
-                        <a:rPr lang="en-US" dirty="0"/>
-                        <a:t>15</a:t>
-                      </a:r>
-                    </a:p>
-                  </a:txBody>
-                  <a:tcPr/>
-                </a:tc>
-                <a:tc>
-                  <a:txBody>
-                    <a:bodyPr/>
-                    <a:lstStyle/>
-                    <a:p>
-                      <a:pPr algn="ctr"/>
-                      <a:r>
-                        <a:rPr lang="en-US" dirty="0"/>
-                        <a:t>30</a:t>
-                      </a:r>
-                    </a:p>
-                  </a:txBody>
-                  <a:tcPr/>
-                </a:tc>
-                <a:tc>
-                  <a:txBody>
-                    <a:bodyPr/>
-                    <a:lstStyle/>
-                    <a:p>
-                      <a:pPr algn="ctr"/>
-                      <a:r>
-                        <a:rPr lang="en-US" dirty="0"/>
-                        <a:t>11.11</a:t>
-                      </a:r>
-                    </a:p>
-                  </a:txBody>
-                  <a:tcPr/>
-                </a:tc>
-                <a:extLst>
-                  <a:ext uri="{0D108BD9-81ED-4DB2-BD59-A6C34878D82A}">
-                    <a16:rowId xmlns:a16="http://schemas.microsoft.com/office/drawing/2014/main" val="178633011"/>
-                  </a:ext>
-                </a:extLst>
-              </a:tr>
-            </a:tbl>
-          </a:graphicData>
-        </a:graphic>
-      </p:graphicFrame>
-      <p:graphicFrame>
-        <p:nvGraphicFramePr>
-          <p:cNvPr id="9" name="Table 8">
-            <a:extLst>
-              <a:ext uri="{FF2B5EF4-FFF2-40B4-BE49-F238E27FC236}">
-                <a16:creationId xmlns:a16="http://schemas.microsoft.com/office/drawing/2014/main" id="{7BDA28B7-8EEB-83EE-64DE-3D3335F29E0B}"/>
-              </a:ext>
-            </a:extLst>
-          </p:cNvPr>
-          <p:cNvGraphicFramePr>
-            <a:graphicFrameLocks noGrp="1"/>
-          </p:cNvGraphicFramePr>
-          <p:nvPr>
-            <p:extLst>
-              <p:ext uri="{D42A27DB-BD31-4B8C-83A1-F6EECF244321}">
-                <p14:modId xmlns:p14="http://schemas.microsoft.com/office/powerpoint/2010/main" val="3894803197"/>
-              </p:ext>
-            </p:extLst>
-          </p:nvPr>
-        </p:nvGraphicFramePr>
-        <p:xfrm>
-          <a:off x="2407870" y="2760203"/>
-          <a:ext cx="6095999" cy="741680"/>
-        </p:xfrm>
-        <a:graphic>
-          <a:graphicData uri="http://schemas.openxmlformats.org/drawingml/2006/table">
-            <a:tbl>
-              <a:tblPr firstRow="1" bandRow="1">
-                <a:tableStyleId>{5C22544A-7EE6-4342-B048-85BDC9FD1C3A}</a:tableStyleId>
-              </a:tblPr>
-              <a:tblGrid>
-                <a:gridCol w="870857">
-                  <a:extLst>
-                    <a:ext uri="{9D8B030D-6E8A-4147-A177-3AD203B41FA5}">
-                      <a16:colId xmlns:a16="http://schemas.microsoft.com/office/drawing/2014/main" val="2730191597"/>
-                    </a:ext>
-                  </a:extLst>
-                </a:gridCol>
-                <a:gridCol w="870857">
-                  <a:extLst>
-                    <a:ext uri="{9D8B030D-6E8A-4147-A177-3AD203B41FA5}">
-                      <a16:colId xmlns:a16="http://schemas.microsoft.com/office/drawing/2014/main" val="1731637243"/>
-                    </a:ext>
-                  </a:extLst>
-                </a:gridCol>
-                <a:gridCol w="870857">
-                  <a:extLst>
-                    <a:ext uri="{9D8B030D-6E8A-4147-A177-3AD203B41FA5}">
-                      <a16:colId xmlns:a16="http://schemas.microsoft.com/office/drawing/2014/main" val="2191389342"/>
-                    </a:ext>
-                  </a:extLst>
-                </a:gridCol>
-                <a:gridCol w="870857">
-                  <a:extLst>
-                    <a:ext uri="{9D8B030D-6E8A-4147-A177-3AD203B41FA5}">
-                      <a16:colId xmlns:a16="http://schemas.microsoft.com/office/drawing/2014/main" val="1784038227"/>
-                    </a:ext>
-                  </a:extLst>
-                </a:gridCol>
-                <a:gridCol w="870857">
-                  <a:extLst>
-                    <a:ext uri="{9D8B030D-6E8A-4147-A177-3AD203B41FA5}">
-                      <a16:colId xmlns:a16="http://schemas.microsoft.com/office/drawing/2014/main" val="3344840454"/>
-                    </a:ext>
-                  </a:extLst>
-                </a:gridCol>
-                <a:gridCol w="870857">
-                  <a:extLst>
-                    <a:ext uri="{9D8B030D-6E8A-4147-A177-3AD203B41FA5}">
-                      <a16:colId xmlns:a16="http://schemas.microsoft.com/office/drawing/2014/main" val="3194837852"/>
-                    </a:ext>
-                  </a:extLst>
-                </a:gridCol>
-                <a:gridCol w="870857">
-                  <a:extLst>
-                    <a:ext uri="{9D8B030D-6E8A-4147-A177-3AD203B41FA5}">
-                      <a16:colId xmlns:a16="http://schemas.microsoft.com/office/drawing/2014/main" val="4139220557"/>
-                    </a:ext>
-                  </a:extLst>
-                </a:gridCol>
-              </a:tblGrid>
-              <a:tr h="370840">
-                <a:tc>
-                  <a:txBody>
-                    <a:bodyPr/>
-                    <a:lstStyle/>
-                    <a:p>
-                      <a:pPr algn="ctr"/>
-                      <a:r>
-                        <a:rPr lang="en-US" b="1" i="1" dirty="0"/>
-                        <a:t>k</a:t>
-                      </a:r>
-                    </a:p>
-                  </a:txBody>
-                  <a:tcPr/>
-                </a:tc>
-                <a:tc>
-                  <a:txBody>
-                    <a:bodyPr/>
-                    <a:lstStyle/>
-                    <a:p>
-                      <a:pPr algn="ctr"/>
-                      <a:r>
-                        <a:rPr lang="en-US" dirty="0"/>
-                        <a:t>0</a:t>
-                      </a:r>
-                    </a:p>
-                  </a:txBody>
-                  <a:tcPr/>
-                </a:tc>
-                <a:tc>
-                  <a:txBody>
-                    <a:bodyPr/>
-                    <a:lstStyle/>
-                    <a:p>
-                      <a:pPr algn="ctr"/>
-                      <a:r>
-                        <a:rPr lang="en-US" dirty="0"/>
-                        <a:t>1</a:t>
-                      </a:r>
-                    </a:p>
-                  </a:txBody>
-                  <a:tcPr/>
-                </a:tc>
-                <a:tc>
-                  <a:txBody>
-                    <a:bodyPr/>
-                    <a:lstStyle/>
-                    <a:p>
-                      <a:pPr algn="ctr"/>
-                      <a:r>
-                        <a:rPr lang="en-US" dirty="0"/>
-                        <a:t>2</a:t>
-                      </a:r>
-                    </a:p>
-                  </a:txBody>
-                  <a:tcPr/>
-                </a:tc>
-                <a:tc>
-                  <a:txBody>
-                    <a:bodyPr/>
-                    <a:lstStyle/>
-                    <a:p>
-                      <a:pPr algn="ctr"/>
-                      <a:r>
-                        <a:rPr lang="en-US" dirty="0"/>
-                        <a:t>3</a:t>
-                      </a:r>
-                    </a:p>
-                  </a:txBody>
-                  <a:tcPr/>
-                </a:tc>
-                <a:tc>
-                  <a:txBody>
-                    <a:bodyPr/>
-                    <a:lstStyle/>
-                    <a:p>
-                      <a:pPr algn="ctr"/>
-                      <a:r>
-                        <a:rPr lang="en-US" dirty="0"/>
-                        <a:t>4</a:t>
-                      </a:r>
-                    </a:p>
-                  </a:txBody>
-                  <a:tcPr/>
-                </a:tc>
-                <a:tc>
-                  <a:txBody>
-                    <a:bodyPr/>
-                    <a:lstStyle/>
-                    <a:p>
-                      <a:pPr algn="ctr"/>
-                      <a:r>
-                        <a:rPr lang="en-US" dirty="0"/>
-                        <a:t>5</a:t>
-                      </a:r>
-                    </a:p>
-                  </a:txBody>
-                  <a:tcPr/>
-                </a:tc>
-                <a:extLst>
-                  <a:ext uri="{0D108BD9-81ED-4DB2-BD59-A6C34878D82A}">
-                    <a16:rowId xmlns:a16="http://schemas.microsoft.com/office/drawing/2014/main" val="3243667252"/>
-                  </a:ext>
-                </a:extLst>
-              </a:tr>
-              <a:tr h="370840">
-                <a:tc>
-                  <a:txBody>
-                    <a:bodyPr/>
-                    <a:lstStyle/>
-                    <a:p>
-                      <a:pPr algn="ctr"/>
-                      <a:r>
-                        <a:rPr lang="en-US" b="1" i="1" dirty="0"/>
-                        <a:t>y</a:t>
-                      </a:r>
-                    </a:p>
-                  </a:txBody>
-                  <a:tcPr/>
-                </a:tc>
-                <a:tc>
-                  <a:txBody>
-                    <a:bodyPr/>
-                    <a:lstStyle/>
-                    <a:p>
-                      <a:pPr algn="ctr"/>
-                      <a:r>
-                        <a:rPr lang="en-US" dirty="0"/>
-                        <a:t>10.1</a:t>
-                      </a:r>
-                    </a:p>
-                  </a:txBody>
-                  <a:tcPr/>
-                </a:tc>
-                <a:tc>
-                  <a:txBody>
-                    <a:bodyPr/>
-                    <a:lstStyle/>
-                    <a:p>
-                      <a:pPr algn="ctr"/>
-                      <a:r>
-                        <a:rPr lang="en-US" dirty="0"/>
-                        <a:t>20.03</a:t>
-                      </a:r>
-                    </a:p>
-                  </a:txBody>
-                  <a:tcPr/>
-                </a:tc>
-                <a:tc>
-                  <a:txBody>
-                    <a:bodyPr/>
-                    <a:lstStyle/>
-                    <a:p>
-                      <a:pPr algn="ctr"/>
-                      <a:r>
-                        <a:rPr lang="en-US" dirty="0"/>
-                        <a:t>15</a:t>
-                      </a:r>
-                    </a:p>
-                  </a:txBody>
-                  <a:tcPr/>
-                </a:tc>
-                <a:tc>
-                  <a:txBody>
-                    <a:bodyPr/>
-                    <a:lstStyle/>
-                    <a:p>
-                      <a:pPr algn="ctr"/>
-                      <a:r>
-                        <a:rPr lang="en-US" dirty="0"/>
-                        <a:t>30</a:t>
-                      </a:r>
-                    </a:p>
-                  </a:txBody>
-                  <a:tcPr/>
-                </a:tc>
-                <a:tc>
-                  <a:txBody>
-                    <a:bodyPr/>
-                    <a:lstStyle/>
-                    <a:p>
-                      <a:pPr algn="ctr"/>
-                      <a:r>
-                        <a:rPr lang="en-US" dirty="0"/>
-                        <a:t>11.11</a:t>
-                      </a:r>
-                    </a:p>
-                  </a:txBody>
-                  <a:tcPr/>
-                </a:tc>
-                <a:tc>
-                  <a:txBody>
-                    <a:bodyPr/>
-                    <a:lstStyle/>
-                    <a:p>
-                      <a:pPr algn="ctr"/>
-                      <a:r>
-                        <a:rPr lang="en-US" dirty="0"/>
-                        <a:t>0</a:t>
-                      </a:r>
-                    </a:p>
-                  </a:txBody>
-                  <a:tcPr/>
-                </a:tc>
-                <a:extLst>
-                  <a:ext uri="{0D108BD9-81ED-4DB2-BD59-A6C34878D82A}">
-                    <a16:rowId xmlns:a16="http://schemas.microsoft.com/office/drawing/2014/main" val="178633011"/>
-                  </a:ext>
-                </a:extLst>
-              </a:tr>
-            </a:tbl>
-          </a:graphicData>
-        </a:graphic>
-      </p:graphicFrame>
-      <mc:AlternateContent xmlns:mc="http://schemas.openxmlformats.org/markup-compatibility/2006">
-        <mc:Choice xmlns:a14="http://schemas.microsoft.com/office/drawing/2010/main" Requires="a14">
-          <p:sp>
-            <p:nvSpPr>
-              <p:cNvPr id="34" name="TextBox 33">
-                <a:extLst>
-                  <a:ext uri="{FF2B5EF4-FFF2-40B4-BE49-F238E27FC236}">
-                    <a16:creationId xmlns:a16="http://schemas.microsoft.com/office/drawing/2014/main" id="{E7D60B11-7D9D-03F8-5A7E-01BD646320FD}"/>
-                  </a:ext>
-                </a:extLst>
-              </p:cNvPr>
-              <p:cNvSpPr txBox="1"/>
-              <p:nvPr/>
-            </p:nvSpPr>
-            <p:spPr>
-              <a:xfrm>
-                <a:off x="386325" y="1256427"/>
-                <a:ext cx="1535228" cy="369332"/>
-              </a:xfrm>
-              <a:prstGeom prst="rect">
-                <a:avLst/>
-              </a:prstGeom>
-              <a:noFill/>
-            </p:spPr>
-            <p:txBody>
-              <a:bodyPr wrap="none" rtlCol="0">
-                <a:spAutoFit/>
-              </a:bodyPr>
-              <a:lstStyle/>
-              <a:p>
-                <a:r>
-                  <a:rPr lang="en-US" b="1" dirty="0"/>
-                  <a:t>original </a:t>
-                </a:r>
-                <a14:m>
-                  <m:oMath xmlns:m="http://schemas.openxmlformats.org/officeDocument/2006/math">
-                    <m:r>
-                      <a:rPr lang="en-US" b="0" i="1" smtClean="0">
-                        <a:latin typeface="Cambria Math" panose="02040503050406030204" pitchFamily="18" charset="0"/>
-                      </a:rPr>
-                      <m:t>𝑌</m:t>
-                    </m:r>
-                    <m:d>
-                      <m:dPr>
-                        <m:ctrlPr>
-                          <a:rPr lang="en-US" b="0" i="1" smtClean="0">
-                            <a:latin typeface="Cambria Math" panose="02040503050406030204" pitchFamily="18" charset="0"/>
-                          </a:rPr>
-                        </m:ctrlPr>
-                      </m:dPr>
-                      <m:e>
-                        <m:r>
-                          <a:rPr lang="en-US" b="0" i="1" smtClean="0">
-                            <a:latin typeface="Cambria Math" panose="02040503050406030204" pitchFamily="18" charset="0"/>
-                          </a:rPr>
-                          <m:t>𝑧</m:t>
-                        </m:r>
-                      </m:e>
-                    </m:d>
-                  </m:oMath>
-                </a14:m>
-                <a:endParaRPr lang="en-US" b="1" dirty="0"/>
-              </a:p>
-            </p:txBody>
-          </p:sp>
-        </mc:Choice>
-        <mc:Fallback>
-          <p:sp>
-            <p:nvSpPr>
-              <p:cNvPr id="34" name="TextBox 33">
-                <a:extLst>
-                  <a:ext uri="{FF2B5EF4-FFF2-40B4-BE49-F238E27FC236}">
-                    <a16:creationId xmlns:a16="http://schemas.microsoft.com/office/drawing/2014/main" id="{E7D60B11-7D9D-03F8-5A7E-01BD646320FD}"/>
-                  </a:ext>
-                </a:extLst>
-              </p:cNvPr>
-              <p:cNvSpPr txBox="1">
-                <a:spLocks noRot="1" noChangeAspect="1" noMove="1" noResize="1" noEditPoints="1" noAdjustHandles="1" noChangeArrowheads="1" noChangeShapeType="1" noTextEdit="1"/>
-              </p:cNvSpPr>
-              <p:nvPr/>
-            </p:nvSpPr>
-            <p:spPr>
-              <a:xfrm>
-                <a:off x="386325" y="1256427"/>
-                <a:ext cx="1535228" cy="369332"/>
-              </a:xfrm>
-              <a:prstGeom prst="rect">
-                <a:avLst/>
-              </a:prstGeom>
-              <a:blipFill>
-                <a:blip r:embed="rId4"/>
-                <a:stretch>
-                  <a:fillRect l="-3279" t="-6452" b="-22581"/>
-                </a:stretch>
-              </a:blipFill>
-            </p:spPr>
-            <p:txBody>
-              <a:bodyPr/>
-              <a:lstStyle/>
-              <a:p>
-                <a:r>
-                  <a:rPr lang="en-US">
-                    <a:noFill/>
-                  </a:rPr>
-                  <a:t> </a:t>
-                </a:r>
-              </a:p>
-            </p:txBody>
-          </p:sp>
-        </mc:Fallback>
-      </mc:AlternateContent>
-      <mc:AlternateContent xmlns:mc="http://schemas.openxmlformats.org/markup-compatibility/2006">
-        <mc:Choice xmlns:a14="http://schemas.microsoft.com/office/drawing/2010/main" Requires="a14">
-          <p:sp>
-            <p:nvSpPr>
-              <p:cNvPr id="35" name="TextBox 34">
-                <a:extLst>
-                  <a:ext uri="{FF2B5EF4-FFF2-40B4-BE49-F238E27FC236}">
-                    <a16:creationId xmlns:a16="http://schemas.microsoft.com/office/drawing/2014/main" id="{18F1CAEA-B1A7-16C4-79D1-59685256AB7E}"/>
-                  </a:ext>
-                </a:extLst>
-              </p:cNvPr>
-              <p:cNvSpPr txBox="1"/>
-              <p:nvPr/>
-            </p:nvSpPr>
-            <p:spPr>
-              <a:xfrm>
-                <a:off x="386325" y="2959829"/>
-                <a:ext cx="1366080" cy="369332"/>
-              </a:xfrm>
-              <a:prstGeom prst="rect">
-                <a:avLst/>
-              </a:prstGeom>
-              <a:noFill/>
-            </p:spPr>
-            <p:txBody>
-              <a:bodyPr wrap="none" rtlCol="0">
-                <a:spAutoFit/>
-              </a:bodyPr>
-              <a:lstStyle/>
-              <a:p>
-                <a:r>
-                  <a:rPr lang="en-US" b="1" dirty="0"/>
-                  <a:t>shift </a:t>
-                </a:r>
-                <a14:m>
-                  <m:oMath xmlns:m="http://schemas.openxmlformats.org/officeDocument/2006/math">
-                    <m:r>
-                      <a:rPr lang="en-US" b="0" i="1" smtClean="0">
-                        <a:latin typeface="Cambria Math" panose="02040503050406030204" pitchFamily="18" charset="0"/>
-                      </a:rPr>
-                      <m:t>𝑌</m:t>
-                    </m:r>
-                    <m:r>
-                      <a:rPr lang="en-US" b="0" i="1" smtClean="0">
-                        <a:latin typeface="Cambria Math" panose="02040503050406030204" pitchFamily="18" charset="0"/>
-                      </a:rPr>
-                      <m:t>′′</m:t>
-                    </m:r>
-                    <m:d>
-                      <m:dPr>
-                        <m:ctrlPr>
-                          <a:rPr lang="en-US" b="0" i="1" smtClean="0">
-                            <a:latin typeface="Cambria Math" panose="02040503050406030204" pitchFamily="18" charset="0"/>
-                          </a:rPr>
-                        </m:ctrlPr>
-                      </m:dPr>
-                      <m:e>
-                        <m:r>
-                          <a:rPr lang="en-US" b="0" i="1" smtClean="0">
-                            <a:latin typeface="Cambria Math" panose="02040503050406030204" pitchFamily="18" charset="0"/>
-                          </a:rPr>
-                          <m:t>𝑧</m:t>
-                        </m:r>
-                      </m:e>
-                    </m:d>
-                  </m:oMath>
-                </a14:m>
-                <a:r>
-                  <a:rPr lang="en-US" b="1" dirty="0"/>
-                  <a:t> </a:t>
-                </a:r>
-              </a:p>
-            </p:txBody>
-          </p:sp>
-        </mc:Choice>
-        <mc:Fallback>
-          <p:sp>
-            <p:nvSpPr>
-              <p:cNvPr id="35" name="TextBox 34">
-                <a:extLst>
-                  <a:ext uri="{FF2B5EF4-FFF2-40B4-BE49-F238E27FC236}">
-                    <a16:creationId xmlns:a16="http://schemas.microsoft.com/office/drawing/2014/main" id="{18F1CAEA-B1A7-16C4-79D1-59685256AB7E}"/>
-                  </a:ext>
-                </a:extLst>
-              </p:cNvPr>
-              <p:cNvSpPr txBox="1">
-                <a:spLocks noRot="1" noChangeAspect="1" noMove="1" noResize="1" noEditPoints="1" noAdjustHandles="1" noChangeArrowheads="1" noChangeShapeType="1" noTextEdit="1"/>
-              </p:cNvSpPr>
-              <p:nvPr/>
-            </p:nvSpPr>
-            <p:spPr>
-              <a:xfrm>
-                <a:off x="386325" y="2959829"/>
-                <a:ext cx="1366080" cy="369332"/>
-              </a:xfrm>
-              <a:prstGeom prst="rect">
-                <a:avLst/>
-              </a:prstGeom>
-              <a:blipFill>
-                <a:blip r:embed="rId5"/>
-                <a:stretch>
-                  <a:fillRect l="-3704" t="-10000" b="-23333"/>
-                </a:stretch>
-              </a:blipFill>
-            </p:spPr>
-            <p:txBody>
-              <a:bodyPr/>
-              <a:lstStyle/>
-              <a:p>
-                <a:r>
-                  <a:rPr lang="en-US">
-                    <a:noFill/>
-                  </a:rPr>
-                  <a:t> </a:t>
-                </a:r>
-              </a:p>
-            </p:txBody>
-          </p:sp>
-        </mc:Fallback>
-      </mc:AlternateContent>
-      <mc:AlternateContent xmlns:mc="http://schemas.openxmlformats.org/markup-compatibility/2006">
-        <mc:Choice xmlns:a14="http://schemas.microsoft.com/office/drawing/2010/main" Requires="a14">
-          <p:sp>
-            <p:nvSpPr>
-              <p:cNvPr id="38" name="TextBox 37">
-                <a:extLst>
-                  <a:ext uri="{FF2B5EF4-FFF2-40B4-BE49-F238E27FC236}">
-                    <a16:creationId xmlns:a16="http://schemas.microsoft.com/office/drawing/2014/main" id="{36079F20-5BCA-7E03-867C-296094A5F424}"/>
-                  </a:ext>
-                </a:extLst>
-              </p:cNvPr>
-              <p:cNvSpPr txBox="1"/>
-              <p:nvPr/>
-            </p:nvSpPr>
-            <p:spPr>
-              <a:xfrm>
-                <a:off x="607671" y="3960180"/>
-                <a:ext cx="6425670" cy="280077"/>
-              </a:xfrm>
-              <a:prstGeom prst="rect">
-                <a:avLst/>
-              </a:prstGeom>
-              <a:noFill/>
-            </p:spPr>
-            <p:txBody>
-              <a:bodyPr wrap="none" lIns="0" tIns="0" rIns="0" bIns="0" rtlCol="0">
-                <a:spAutoFit/>
-              </a:bodyPr>
-              <a:lstStyle/>
-              <a:p>
-                <a:pPr/>
-                <a14:m>
-                  <m:oMathPara xmlns:m="http://schemas.openxmlformats.org/officeDocument/2006/math">
-                    <m:oMathParaPr>
-                      <m:jc m:val="centerGroup"/>
-                    </m:oMathParaPr>
-                    <m:oMath xmlns:m="http://schemas.openxmlformats.org/officeDocument/2006/math">
-                      <m:r>
-                        <a:rPr lang="en-US" b="0" i="1" smtClean="0">
-                          <a:latin typeface="Cambria Math" panose="02040503050406030204" pitchFamily="18" charset="0"/>
-                        </a:rPr>
-                        <m:t>𝑌</m:t>
-                      </m:r>
-                      <m:d>
-                        <m:dPr>
-                          <m:ctrlPr>
-                            <a:rPr lang="en-US" b="0" i="1" smtClean="0">
-                              <a:latin typeface="Cambria Math" panose="02040503050406030204" pitchFamily="18" charset="0"/>
-                            </a:rPr>
-                          </m:ctrlPr>
-                        </m:dPr>
-                        <m:e>
-                          <m:r>
-                            <a:rPr lang="en-US" b="0" i="1" smtClean="0">
-                              <a:latin typeface="Cambria Math" panose="02040503050406030204" pitchFamily="18" charset="0"/>
-                            </a:rPr>
-                            <m:t>𝑧</m:t>
-                          </m:r>
-                        </m:e>
-                      </m:d>
-                      <m:r>
-                        <a:rPr lang="en-US" b="0" i="1" smtClean="0">
-                          <a:latin typeface="Cambria Math" panose="02040503050406030204" pitchFamily="18" charset="0"/>
-                        </a:rPr>
-                        <m:t>=</m:t>
-                      </m:r>
-                      <m:r>
-                        <a:rPr lang="en-US" b="0" i="1" smtClean="0">
-                          <a:latin typeface="Cambria Math" panose="02040503050406030204" pitchFamily="18" charset="0"/>
-                        </a:rPr>
-                        <m:t>5</m:t>
-                      </m:r>
-                      <m:sSup>
-                        <m:sSupPr>
-                          <m:ctrlPr>
-                            <a:rPr lang="en-US" b="0" i="1" smtClean="0">
-                              <a:latin typeface="Cambria Math" panose="02040503050406030204" pitchFamily="18" charset="0"/>
-                            </a:rPr>
-                          </m:ctrlPr>
-                        </m:sSupPr>
-                        <m:e>
-                          <m:r>
-                            <a:rPr lang="en-US" b="0" i="1" smtClean="0">
-                              <a:latin typeface="Cambria Math" panose="02040503050406030204" pitchFamily="18" charset="0"/>
-                            </a:rPr>
-                            <m:t>𝑧</m:t>
-                          </m:r>
-                        </m:e>
-                        <m:sup>
-                          <m:r>
-                            <a:rPr lang="en-US" b="0" i="1" smtClean="0">
-                              <a:latin typeface="Cambria Math" panose="02040503050406030204" pitchFamily="18" charset="0"/>
-                            </a:rPr>
-                            <m:t>0</m:t>
-                          </m:r>
-                        </m:sup>
-                      </m:sSup>
-                      <m:r>
-                        <a:rPr lang="en-US" b="0" i="1" smtClean="0">
-                          <a:latin typeface="Cambria Math" panose="02040503050406030204" pitchFamily="18" charset="0"/>
-                        </a:rPr>
-                        <m:t>+10.1</m:t>
-                      </m:r>
-                      <m:sSup>
-                        <m:sSupPr>
-                          <m:ctrlPr>
-                            <a:rPr lang="en-US" b="0" i="1" smtClean="0">
-                              <a:latin typeface="Cambria Math" panose="02040503050406030204" pitchFamily="18" charset="0"/>
-                            </a:rPr>
-                          </m:ctrlPr>
-                        </m:sSupPr>
-                        <m:e>
-                          <m:r>
-                            <a:rPr lang="en-US" b="0" i="1" smtClean="0">
-                              <a:latin typeface="Cambria Math" panose="02040503050406030204" pitchFamily="18" charset="0"/>
-                            </a:rPr>
-                            <m:t>𝑧</m:t>
-                          </m:r>
-                        </m:e>
-                        <m:sup>
-                          <m:r>
-                            <a:rPr lang="en-US" b="0" i="1" smtClean="0">
-                              <a:latin typeface="Cambria Math" panose="02040503050406030204" pitchFamily="18" charset="0"/>
-                            </a:rPr>
-                            <m:t>−1</m:t>
-                          </m:r>
-                        </m:sup>
-                      </m:sSup>
-                      <m:r>
-                        <a:rPr lang="en-US" b="0" i="1" smtClean="0">
-                          <a:latin typeface="Cambria Math" panose="02040503050406030204" pitchFamily="18" charset="0"/>
-                        </a:rPr>
-                        <m:t>+20</m:t>
-                      </m:r>
-                      <m:sSup>
-                        <m:sSupPr>
-                          <m:ctrlPr>
-                            <a:rPr lang="en-US" b="0" i="1" smtClean="0">
-                              <a:latin typeface="Cambria Math" panose="02040503050406030204" pitchFamily="18" charset="0"/>
-                            </a:rPr>
-                          </m:ctrlPr>
-                        </m:sSupPr>
-                        <m:e>
-                          <m:r>
-                            <a:rPr lang="en-US" b="0" i="1" smtClean="0">
-                              <a:latin typeface="Cambria Math" panose="02040503050406030204" pitchFamily="18" charset="0"/>
-                            </a:rPr>
-                            <m:t>.03</m:t>
-                          </m:r>
-                          <m:r>
-                            <a:rPr lang="en-US" b="0" i="1" smtClean="0">
-                              <a:latin typeface="Cambria Math" panose="02040503050406030204" pitchFamily="18" charset="0"/>
-                            </a:rPr>
-                            <m:t>𝑧</m:t>
-                          </m:r>
-                        </m:e>
-                        <m:sup>
-                          <m:r>
-                            <a:rPr lang="en-US" b="0" i="1" smtClean="0">
-                              <a:latin typeface="Cambria Math" panose="02040503050406030204" pitchFamily="18" charset="0"/>
-                            </a:rPr>
-                            <m:t>−2</m:t>
-                          </m:r>
-                        </m:sup>
-                      </m:sSup>
-                      <m:r>
-                        <a:rPr lang="en-US" b="0" i="1" smtClean="0">
-                          <a:latin typeface="Cambria Math" panose="02040503050406030204" pitchFamily="18" charset="0"/>
-                        </a:rPr>
-                        <m:t>+15 </m:t>
-                      </m:r>
-                      <m:sSup>
-                        <m:sSupPr>
-                          <m:ctrlPr>
-                            <a:rPr lang="en-US" b="0" i="1" smtClean="0">
-                              <a:latin typeface="Cambria Math" panose="02040503050406030204" pitchFamily="18" charset="0"/>
-                            </a:rPr>
-                          </m:ctrlPr>
-                        </m:sSupPr>
-                        <m:e>
-                          <m:r>
-                            <a:rPr lang="en-US" b="0" i="1" smtClean="0">
-                              <a:latin typeface="Cambria Math" panose="02040503050406030204" pitchFamily="18" charset="0"/>
-                            </a:rPr>
-                            <m:t>𝑧</m:t>
-                          </m:r>
-                        </m:e>
-                        <m:sup>
-                          <m:r>
-                            <a:rPr lang="en-US" b="0" i="1" smtClean="0">
-                              <a:latin typeface="Cambria Math" panose="02040503050406030204" pitchFamily="18" charset="0"/>
-                            </a:rPr>
-                            <m:t>−3</m:t>
-                          </m:r>
-                        </m:sup>
-                      </m:sSup>
-                      <m:r>
-                        <a:rPr lang="en-US" b="0" i="1" smtClean="0">
-                          <a:latin typeface="Cambria Math" panose="02040503050406030204" pitchFamily="18" charset="0"/>
-                        </a:rPr>
-                        <m:t>+30 </m:t>
-                      </m:r>
-                      <m:sSup>
-                        <m:sSupPr>
-                          <m:ctrlPr>
-                            <a:rPr lang="en-US" b="0" i="1" smtClean="0">
-                              <a:latin typeface="Cambria Math" panose="02040503050406030204" pitchFamily="18" charset="0"/>
-                            </a:rPr>
-                          </m:ctrlPr>
-                        </m:sSupPr>
-                        <m:e>
-                          <m:r>
-                            <a:rPr lang="en-US" b="0" i="1" smtClean="0">
-                              <a:latin typeface="Cambria Math" panose="02040503050406030204" pitchFamily="18" charset="0"/>
-                            </a:rPr>
-                            <m:t>𝑧</m:t>
-                          </m:r>
-                        </m:e>
-                        <m:sup>
-                          <m:r>
-                            <a:rPr lang="en-US" b="0" i="1" smtClean="0">
-                              <a:latin typeface="Cambria Math" panose="02040503050406030204" pitchFamily="18" charset="0"/>
-                            </a:rPr>
-                            <m:t>−4</m:t>
-                          </m:r>
-                        </m:sup>
-                      </m:sSup>
-                      <m:r>
-                        <a:rPr lang="en-US" b="0" i="1" smtClean="0">
-                          <a:latin typeface="Cambria Math" panose="02040503050406030204" pitchFamily="18" charset="0"/>
-                        </a:rPr>
-                        <m:t>+11.11</m:t>
-                      </m:r>
-                      <m:sSup>
-                        <m:sSupPr>
-                          <m:ctrlPr>
-                            <a:rPr lang="en-US" b="0" i="1" smtClean="0">
-                              <a:latin typeface="Cambria Math" panose="02040503050406030204" pitchFamily="18" charset="0"/>
-                            </a:rPr>
-                          </m:ctrlPr>
-                        </m:sSupPr>
-                        <m:e>
-                          <m:r>
-                            <a:rPr lang="en-US" b="0" i="1" smtClean="0">
-                              <a:latin typeface="Cambria Math" panose="02040503050406030204" pitchFamily="18" charset="0"/>
-                            </a:rPr>
-                            <m:t>𝑧</m:t>
-                          </m:r>
-                        </m:e>
-                        <m:sup>
-                          <m:r>
-                            <a:rPr lang="en-US" b="0" i="1" smtClean="0">
-                              <a:latin typeface="Cambria Math" panose="02040503050406030204" pitchFamily="18" charset="0"/>
-                            </a:rPr>
-                            <m:t>−5</m:t>
-                          </m:r>
-                        </m:sup>
-                      </m:sSup>
-                    </m:oMath>
-                  </m:oMathPara>
-                </a14:m>
-                <a:endParaRPr lang="en-US" b="0" dirty="0"/>
-              </a:p>
-            </p:txBody>
-          </p:sp>
-        </mc:Choice>
-        <mc:Fallback>
-          <p:sp>
-            <p:nvSpPr>
-              <p:cNvPr id="38" name="TextBox 37">
-                <a:extLst>
-                  <a:ext uri="{FF2B5EF4-FFF2-40B4-BE49-F238E27FC236}">
-                    <a16:creationId xmlns:a16="http://schemas.microsoft.com/office/drawing/2014/main" id="{36079F20-5BCA-7E03-867C-296094A5F424}"/>
-                  </a:ext>
-                </a:extLst>
-              </p:cNvPr>
-              <p:cNvSpPr txBox="1">
-                <a:spLocks noRot="1" noChangeAspect="1" noMove="1" noResize="1" noEditPoints="1" noAdjustHandles="1" noChangeArrowheads="1" noChangeShapeType="1" noTextEdit="1"/>
-              </p:cNvSpPr>
-              <p:nvPr/>
-            </p:nvSpPr>
-            <p:spPr>
-              <a:xfrm>
-                <a:off x="607671" y="3960180"/>
-                <a:ext cx="6425670" cy="280077"/>
-              </a:xfrm>
-              <a:prstGeom prst="rect">
-                <a:avLst/>
-              </a:prstGeom>
-              <a:blipFill>
-                <a:blip r:embed="rId6"/>
-                <a:stretch>
-                  <a:fillRect l="-395" t="-4348" b="-39130"/>
-                </a:stretch>
-              </a:blipFill>
-            </p:spPr>
-            <p:txBody>
-              <a:bodyPr/>
-              <a:lstStyle/>
-              <a:p>
-                <a:r>
-                  <a:rPr lang="en-US">
-                    <a:noFill/>
-                  </a:rPr>
-                  <a:t> </a:t>
-                </a:r>
-              </a:p>
-            </p:txBody>
-          </p:sp>
-        </mc:Fallback>
-      </mc:AlternateContent>
-      <mc:AlternateContent xmlns:mc="http://schemas.openxmlformats.org/markup-compatibility/2006">
-        <mc:Choice xmlns:a14="http://schemas.microsoft.com/office/drawing/2010/main" Requires="a14">
-          <p:sp>
-            <p:nvSpPr>
-              <p:cNvPr id="39" name="TextBox 38">
-                <a:extLst>
-                  <a:ext uri="{FF2B5EF4-FFF2-40B4-BE49-F238E27FC236}">
-                    <a16:creationId xmlns:a16="http://schemas.microsoft.com/office/drawing/2014/main" id="{FFA44435-15B0-5E7D-656B-3E1287B10B76}"/>
-                  </a:ext>
-                </a:extLst>
-              </p:cNvPr>
-              <p:cNvSpPr txBox="1"/>
-              <p:nvPr/>
-            </p:nvSpPr>
-            <p:spPr>
-              <a:xfrm>
-                <a:off x="640968" y="5197215"/>
-                <a:ext cx="8090452" cy="369332"/>
-              </a:xfrm>
-              <a:prstGeom prst="rect">
-                <a:avLst/>
-              </a:prstGeom>
-              <a:noFill/>
-            </p:spPr>
-            <p:txBody>
-              <a:bodyPr wrap="square" rtlCol="0">
-                <a:spAutoFit/>
-              </a:bodyPr>
-              <a:lstStyle/>
-              <a:p>
-                <a:r>
-                  <a:rPr lang="en-US" dirty="0"/>
-                  <a:t>Let </a:t>
-                </a:r>
-                <a14:m>
-                  <m:oMath xmlns:m="http://schemas.openxmlformats.org/officeDocument/2006/math">
-                    <m:sSup>
-                      <m:sSupPr>
-                        <m:ctrlPr>
-                          <a:rPr lang="en-US" b="0" i="1" smtClean="0">
-                            <a:latin typeface="Cambria Math" panose="02040503050406030204" pitchFamily="18" charset="0"/>
-                          </a:rPr>
-                        </m:ctrlPr>
-                      </m:sSupPr>
-                      <m:e>
-                        <m:r>
-                          <a:rPr lang="en-US" b="0" i="1" smtClean="0">
-                            <a:latin typeface="Cambria Math" panose="02040503050406030204" pitchFamily="18" charset="0"/>
-                          </a:rPr>
-                          <m:t>𝑌</m:t>
-                        </m:r>
-                      </m:e>
-                      <m:sup>
-                        <m:r>
-                          <a:rPr lang="en-US" b="0" i="1" smtClean="0">
-                            <a:latin typeface="Cambria Math" panose="02040503050406030204" pitchFamily="18" charset="0"/>
-                          </a:rPr>
-                          <m:t>′</m:t>
-                        </m:r>
-                      </m:sup>
-                    </m:sSup>
-                    <m:r>
-                      <a:rPr lang="en-US" b="0" i="1" smtClean="0">
-                        <a:latin typeface="Cambria Math" panose="02040503050406030204" pitchFamily="18" charset="0"/>
-                      </a:rPr>
-                      <m:t>(</m:t>
-                    </m:r>
-                    <m:r>
-                      <a:rPr lang="en-US" b="0" i="1" smtClean="0">
-                        <a:latin typeface="Cambria Math" panose="02040503050406030204" pitchFamily="18" charset="0"/>
-                      </a:rPr>
-                      <m:t>𝑧</m:t>
-                    </m:r>
-                    <m:r>
-                      <a:rPr lang="en-US" b="0" i="1" smtClean="0">
-                        <a:latin typeface="Cambria Math" panose="02040503050406030204" pitchFamily="18" charset="0"/>
-                      </a:rPr>
-                      <m:t>)</m:t>
-                    </m:r>
-                  </m:oMath>
-                </a14:m>
-                <a:r>
-                  <a:rPr lang="en-US" dirty="0"/>
-                  <a:t> the z-transform of </a:t>
-                </a:r>
-                <a14:m>
-                  <m:oMath xmlns:m="http://schemas.openxmlformats.org/officeDocument/2006/math">
-                    <m:r>
-                      <a:rPr lang="en-US" i="1">
-                        <a:latin typeface="Cambria Math" panose="02040503050406030204" pitchFamily="18" charset="0"/>
-                      </a:rPr>
-                      <m:t>𝑌</m:t>
-                    </m:r>
-                    <m:d>
-                      <m:dPr>
-                        <m:ctrlPr>
-                          <a:rPr lang="en-US" i="1">
-                            <a:latin typeface="Cambria Math" panose="02040503050406030204" pitchFamily="18" charset="0"/>
-                          </a:rPr>
-                        </m:ctrlPr>
-                      </m:dPr>
-                      <m:e>
-                        <m:r>
-                          <a:rPr lang="en-US" i="1">
-                            <a:latin typeface="Cambria Math" panose="02040503050406030204" pitchFamily="18" charset="0"/>
-                          </a:rPr>
-                          <m:t>𝑧</m:t>
-                        </m:r>
-                      </m:e>
-                    </m:d>
-                  </m:oMath>
-                </a14:m>
-                <a:r>
-                  <a:rPr lang="en-US" dirty="0"/>
-                  <a:t> shifted by one time unit</a:t>
-                </a:r>
-              </a:p>
-            </p:txBody>
-          </p:sp>
-        </mc:Choice>
-        <mc:Fallback>
-          <p:sp>
-            <p:nvSpPr>
-              <p:cNvPr id="39" name="TextBox 38">
-                <a:extLst>
-                  <a:ext uri="{FF2B5EF4-FFF2-40B4-BE49-F238E27FC236}">
-                    <a16:creationId xmlns:a16="http://schemas.microsoft.com/office/drawing/2014/main" id="{FFA44435-15B0-5E7D-656B-3E1287B10B76}"/>
-                  </a:ext>
-                </a:extLst>
-              </p:cNvPr>
-              <p:cNvSpPr txBox="1">
-                <a:spLocks noRot="1" noChangeAspect="1" noMove="1" noResize="1" noEditPoints="1" noAdjustHandles="1" noChangeArrowheads="1" noChangeShapeType="1" noTextEdit="1"/>
-              </p:cNvSpPr>
-              <p:nvPr/>
-            </p:nvSpPr>
-            <p:spPr>
-              <a:xfrm>
-                <a:off x="640968" y="5197215"/>
-                <a:ext cx="8090452" cy="369332"/>
-              </a:xfrm>
-              <a:prstGeom prst="rect">
-                <a:avLst/>
-              </a:prstGeom>
-              <a:blipFill>
-                <a:blip r:embed="rId7"/>
-                <a:stretch>
-                  <a:fillRect l="-627" t="-6667" b="-23333"/>
-                </a:stretch>
-              </a:blipFill>
-            </p:spPr>
-            <p:txBody>
-              <a:bodyPr/>
-              <a:lstStyle/>
-              <a:p>
-                <a:r>
-                  <a:rPr lang="en-US">
-                    <a:noFill/>
-                  </a:rPr>
-                  <a:t> </a:t>
-                </a:r>
-              </a:p>
-            </p:txBody>
-          </p:sp>
-        </mc:Fallback>
-      </mc:AlternateContent>
-      <p:graphicFrame>
-        <p:nvGraphicFramePr>
-          <p:cNvPr id="40" name="Table 39">
-            <a:extLst>
-              <a:ext uri="{FF2B5EF4-FFF2-40B4-BE49-F238E27FC236}">
-                <a16:creationId xmlns:a16="http://schemas.microsoft.com/office/drawing/2014/main" id="{F10E977C-435B-E5C0-1DBD-2D63680F3FE4}"/>
-              </a:ext>
-            </a:extLst>
-          </p:cNvPr>
-          <p:cNvGraphicFramePr>
-            <a:graphicFrameLocks noGrp="1"/>
-          </p:cNvGraphicFramePr>
-          <p:nvPr>
-            <p:extLst>
-              <p:ext uri="{D42A27DB-BD31-4B8C-83A1-F6EECF244321}">
-                <p14:modId xmlns:p14="http://schemas.microsoft.com/office/powerpoint/2010/main" val="246216043"/>
-              </p:ext>
-            </p:extLst>
-          </p:nvPr>
-        </p:nvGraphicFramePr>
-        <p:xfrm>
-          <a:off x="2407870" y="1829495"/>
-          <a:ext cx="6095999" cy="741680"/>
-        </p:xfrm>
-        <a:graphic>
-          <a:graphicData uri="http://schemas.openxmlformats.org/drawingml/2006/table">
-            <a:tbl>
-              <a:tblPr firstRow="1" bandRow="1">
-                <a:tableStyleId>{5C22544A-7EE6-4342-B048-85BDC9FD1C3A}</a:tableStyleId>
-              </a:tblPr>
-              <a:tblGrid>
-                <a:gridCol w="870857">
-                  <a:extLst>
-                    <a:ext uri="{9D8B030D-6E8A-4147-A177-3AD203B41FA5}">
-                      <a16:colId xmlns:a16="http://schemas.microsoft.com/office/drawing/2014/main" val="2730191597"/>
-                    </a:ext>
-                  </a:extLst>
-                </a:gridCol>
-                <a:gridCol w="870857">
-                  <a:extLst>
-                    <a:ext uri="{9D8B030D-6E8A-4147-A177-3AD203B41FA5}">
-                      <a16:colId xmlns:a16="http://schemas.microsoft.com/office/drawing/2014/main" val="1731637243"/>
-                    </a:ext>
-                  </a:extLst>
-                </a:gridCol>
-                <a:gridCol w="870857">
-                  <a:extLst>
-                    <a:ext uri="{9D8B030D-6E8A-4147-A177-3AD203B41FA5}">
-                      <a16:colId xmlns:a16="http://schemas.microsoft.com/office/drawing/2014/main" val="2191389342"/>
-                    </a:ext>
-                  </a:extLst>
-                </a:gridCol>
-                <a:gridCol w="870857">
-                  <a:extLst>
-                    <a:ext uri="{9D8B030D-6E8A-4147-A177-3AD203B41FA5}">
-                      <a16:colId xmlns:a16="http://schemas.microsoft.com/office/drawing/2014/main" val="1784038227"/>
-                    </a:ext>
-                  </a:extLst>
-                </a:gridCol>
-                <a:gridCol w="870857">
-                  <a:extLst>
-                    <a:ext uri="{9D8B030D-6E8A-4147-A177-3AD203B41FA5}">
-                      <a16:colId xmlns:a16="http://schemas.microsoft.com/office/drawing/2014/main" val="3344840454"/>
-                    </a:ext>
-                  </a:extLst>
-                </a:gridCol>
-                <a:gridCol w="870857">
-                  <a:extLst>
-                    <a:ext uri="{9D8B030D-6E8A-4147-A177-3AD203B41FA5}">
-                      <a16:colId xmlns:a16="http://schemas.microsoft.com/office/drawing/2014/main" val="3194837852"/>
-                    </a:ext>
-                  </a:extLst>
-                </a:gridCol>
-                <a:gridCol w="870857">
-                  <a:extLst>
-                    <a:ext uri="{9D8B030D-6E8A-4147-A177-3AD203B41FA5}">
-                      <a16:colId xmlns:a16="http://schemas.microsoft.com/office/drawing/2014/main" val="4139220557"/>
-                    </a:ext>
-                  </a:extLst>
-                </a:gridCol>
-              </a:tblGrid>
-              <a:tr h="370840">
-                <a:tc>
-                  <a:txBody>
-                    <a:bodyPr/>
-                    <a:lstStyle/>
-                    <a:p>
-                      <a:pPr algn="ctr"/>
-                      <a:r>
-                        <a:rPr lang="en-US" b="1" i="1" dirty="0"/>
-                        <a:t>k</a:t>
-                      </a:r>
-                    </a:p>
-                  </a:txBody>
-                  <a:tcPr/>
-                </a:tc>
-                <a:tc>
-                  <a:txBody>
-                    <a:bodyPr/>
-                    <a:lstStyle/>
-                    <a:p>
-                      <a:pPr algn="ctr"/>
-                      <a:r>
-                        <a:rPr lang="en-US" dirty="0"/>
-                        <a:t>0</a:t>
-                      </a:r>
-                    </a:p>
-                  </a:txBody>
-                  <a:tcPr/>
-                </a:tc>
-                <a:tc>
-                  <a:txBody>
-                    <a:bodyPr/>
-                    <a:lstStyle/>
-                    <a:p>
-                      <a:pPr algn="ctr"/>
-                      <a:r>
-                        <a:rPr lang="en-US" dirty="0"/>
-                        <a:t>1</a:t>
-                      </a:r>
-                    </a:p>
-                  </a:txBody>
-                  <a:tcPr/>
-                </a:tc>
-                <a:tc>
-                  <a:txBody>
-                    <a:bodyPr/>
-                    <a:lstStyle/>
-                    <a:p>
-                      <a:pPr algn="ctr"/>
-                      <a:r>
-                        <a:rPr lang="en-US" dirty="0"/>
-                        <a:t>2</a:t>
-                      </a:r>
-                    </a:p>
-                  </a:txBody>
-                  <a:tcPr/>
-                </a:tc>
-                <a:tc>
-                  <a:txBody>
-                    <a:bodyPr/>
-                    <a:lstStyle/>
-                    <a:p>
-                      <a:pPr algn="ctr"/>
-                      <a:r>
-                        <a:rPr lang="en-US" dirty="0"/>
-                        <a:t>3</a:t>
-                      </a:r>
-                    </a:p>
-                  </a:txBody>
-                  <a:tcPr/>
-                </a:tc>
-                <a:tc>
-                  <a:txBody>
-                    <a:bodyPr/>
-                    <a:lstStyle/>
-                    <a:p>
-                      <a:pPr algn="ctr"/>
-                      <a:r>
-                        <a:rPr lang="en-US" dirty="0"/>
-                        <a:t>4</a:t>
-                      </a:r>
-                    </a:p>
-                  </a:txBody>
-                  <a:tcPr/>
-                </a:tc>
-                <a:tc>
-                  <a:txBody>
-                    <a:bodyPr/>
-                    <a:lstStyle/>
-                    <a:p>
-                      <a:pPr algn="ctr"/>
-                      <a:r>
-                        <a:rPr lang="en-US" dirty="0"/>
-                        <a:t>5</a:t>
-                      </a:r>
-                    </a:p>
-                  </a:txBody>
-                  <a:tcPr/>
-                </a:tc>
-                <a:extLst>
-                  <a:ext uri="{0D108BD9-81ED-4DB2-BD59-A6C34878D82A}">
-                    <a16:rowId xmlns:a16="http://schemas.microsoft.com/office/drawing/2014/main" val="3243667252"/>
-                  </a:ext>
-                </a:extLst>
-              </a:tr>
-              <a:tr h="370840">
-                <a:tc>
-                  <a:txBody>
-                    <a:bodyPr/>
-                    <a:lstStyle/>
-                    <a:p>
-                      <a:pPr algn="ctr"/>
-                      <a:r>
-                        <a:rPr lang="en-US" b="1" i="1" dirty="0"/>
-                        <a:t>y</a:t>
-                      </a:r>
-                    </a:p>
-                  </a:txBody>
-                  <a:tcPr/>
-                </a:tc>
-                <a:tc>
-                  <a:txBody>
-                    <a:bodyPr/>
-                    <a:lstStyle/>
-                    <a:p>
-                      <a:pPr algn="ctr"/>
-                      <a:r>
-                        <a:rPr lang="en-US" dirty="0"/>
-                        <a:t>0</a:t>
-                      </a:r>
-                    </a:p>
-                  </a:txBody>
-                  <a:tcPr/>
-                </a:tc>
-                <a:tc>
-                  <a:txBody>
-                    <a:bodyPr/>
-                    <a:lstStyle/>
-                    <a:p>
-                      <a:pPr algn="ctr"/>
-                      <a:r>
-                        <a:rPr lang="en-US" dirty="0"/>
-                        <a:t>5</a:t>
-                      </a:r>
-                    </a:p>
-                  </a:txBody>
-                  <a:tcPr/>
-                </a:tc>
-                <a:tc>
-                  <a:txBody>
-                    <a:bodyPr/>
-                    <a:lstStyle/>
-                    <a:p>
-                      <a:pPr algn="ctr"/>
-                      <a:r>
-                        <a:rPr lang="en-US" dirty="0"/>
-                        <a:t>10.1</a:t>
-                      </a:r>
-                    </a:p>
-                  </a:txBody>
-                  <a:tcPr/>
-                </a:tc>
-                <a:tc>
-                  <a:txBody>
-                    <a:bodyPr/>
-                    <a:lstStyle/>
-                    <a:p>
-                      <a:pPr algn="ctr"/>
-                      <a:r>
-                        <a:rPr lang="en-US" dirty="0"/>
-                        <a:t>20.03</a:t>
-                      </a:r>
-                    </a:p>
-                  </a:txBody>
-                  <a:tcPr/>
-                </a:tc>
-                <a:tc>
-                  <a:txBody>
-                    <a:bodyPr/>
-                    <a:lstStyle/>
-                    <a:p>
-                      <a:pPr algn="ctr"/>
-                      <a:r>
-                        <a:rPr lang="en-US" dirty="0"/>
-                        <a:t>15</a:t>
-                      </a:r>
-                    </a:p>
-                  </a:txBody>
-                  <a:tcPr/>
-                </a:tc>
-                <a:tc>
-                  <a:txBody>
-                    <a:bodyPr/>
-                    <a:lstStyle/>
-                    <a:p>
-                      <a:pPr algn="ctr"/>
-                      <a:r>
-                        <a:rPr lang="en-US" dirty="0"/>
-                        <a:t>30</a:t>
-                      </a:r>
-                    </a:p>
-                  </a:txBody>
-                  <a:tcPr/>
-                </a:tc>
-                <a:extLst>
-                  <a:ext uri="{0D108BD9-81ED-4DB2-BD59-A6C34878D82A}">
-                    <a16:rowId xmlns:a16="http://schemas.microsoft.com/office/drawing/2014/main" val="178633011"/>
-                  </a:ext>
-                </a:extLst>
-              </a:tr>
-            </a:tbl>
-          </a:graphicData>
-        </a:graphic>
-      </p:graphicFrame>
-      <mc:AlternateContent xmlns:mc="http://schemas.openxmlformats.org/markup-compatibility/2006">
-        <mc:Choice xmlns:a14="http://schemas.microsoft.com/office/drawing/2010/main" Requires="a14">
-          <p:sp>
-            <p:nvSpPr>
-              <p:cNvPr id="41" name="TextBox 40">
-                <a:extLst>
-                  <a:ext uri="{FF2B5EF4-FFF2-40B4-BE49-F238E27FC236}">
-                    <a16:creationId xmlns:a16="http://schemas.microsoft.com/office/drawing/2014/main" id="{94E75989-631E-3B7F-49DE-A7B227A79C40}"/>
-                  </a:ext>
-                </a:extLst>
-              </p:cNvPr>
-              <p:cNvSpPr txBox="1"/>
-              <p:nvPr/>
-            </p:nvSpPr>
-            <p:spPr>
-              <a:xfrm>
-                <a:off x="386325" y="1972108"/>
-                <a:ext cx="1409360" cy="369332"/>
-              </a:xfrm>
-              <a:prstGeom prst="rect">
-                <a:avLst/>
-              </a:prstGeom>
-              <a:noFill/>
-            </p:spPr>
-            <p:txBody>
-              <a:bodyPr wrap="none" rtlCol="0">
-                <a:spAutoFit/>
-              </a:bodyPr>
-              <a:lstStyle/>
-              <a:p>
-                <a:r>
-                  <a:rPr lang="en-US" b="1" dirty="0"/>
-                  <a:t>delay </a:t>
-                </a:r>
-                <a14:m>
-                  <m:oMath xmlns:m="http://schemas.openxmlformats.org/officeDocument/2006/math">
-                    <m:r>
-                      <a:rPr lang="en-US" b="0" i="1" smtClean="0">
-                        <a:latin typeface="Cambria Math" panose="02040503050406030204" pitchFamily="18" charset="0"/>
-                      </a:rPr>
-                      <m:t>𝑌</m:t>
-                    </m:r>
-                    <m:r>
-                      <a:rPr lang="en-US" b="0" i="1" smtClean="0">
-                        <a:latin typeface="Cambria Math" panose="02040503050406030204" pitchFamily="18" charset="0"/>
-                      </a:rPr>
-                      <m:t>′</m:t>
-                    </m:r>
-                    <m:d>
-                      <m:dPr>
-                        <m:ctrlPr>
-                          <a:rPr lang="en-US" b="0" i="1" smtClean="0">
-                            <a:latin typeface="Cambria Math" panose="02040503050406030204" pitchFamily="18" charset="0"/>
-                          </a:rPr>
-                        </m:ctrlPr>
-                      </m:dPr>
-                      <m:e>
-                        <m:r>
-                          <a:rPr lang="en-US" b="0" i="1" smtClean="0">
-                            <a:latin typeface="Cambria Math" panose="02040503050406030204" pitchFamily="18" charset="0"/>
-                          </a:rPr>
-                          <m:t>𝑧</m:t>
-                        </m:r>
-                      </m:e>
-                    </m:d>
-                  </m:oMath>
-                </a14:m>
-                <a:r>
-                  <a:rPr lang="en-US" b="1" dirty="0"/>
-                  <a:t> </a:t>
-                </a:r>
-              </a:p>
-            </p:txBody>
-          </p:sp>
-        </mc:Choice>
-        <mc:Fallback>
-          <p:sp>
-            <p:nvSpPr>
-              <p:cNvPr id="41" name="TextBox 40">
-                <a:extLst>
-                  <a:ext uri="{FF2B5EF4-FFF2-40B4-BE49-F238E27FC236}">
-                    <a16:creationId xmlns:a16="http://schemas.microsoft.com/office/drawing/2014/main" id="{94E75989-631E-3B7F-49DE-A7B227A79C40}"/>
-                  </a:ext>
-                </a:extLst>
-              </p:cNvPr>
-              <p:cNvSpPr txBox="1">
-                <a:spLocks noRot="1" noChangeAspect="1" noMove="1" noResize="1" noEditPoints="1" noAdjustHandles="1" noChangeArrowheads="1" noChangeShapeType="1" noTextEdit="1"/>
-              </p:cNvSpPr>
-              <p:nvPr/>
-            </p:nvSpPr>
-            <p:spPr>
-              <a:xfrm>
-                <a:off x="386325" y="1972108"/>
-                <a:ext cx="1409360" cy="369332"/>
-              </a:xfrm>
-              <a:prstGeom prst="rect">
-                <a:avLst/>
-              </a:prstGeom>
-              <a:blipFill>
-                <a:blip r:embed="rId8"/>
-                <a:stretch>
-                  <a:fillRect l="-3571" t="-6667" b="-23333"/>
-                </a:stretch>
-              </a:blipFill>
-            </p:spPr>
-            <p:txBody>
-              <a:bodyPr/>
-              <a:lstStyle/>
-              <a:p>
-                <a:r>
-                  <a:rPr lang="en-US">
-                    <a:noFill/>
-                  </a:rPr>
-                  <a:t> </a:t>
-                </a:r>
-              </a:p>
-            </p:txBody>
-          </p:sp>
-        </mc:Fallback>
-      </mc:AlternateContent>
-      <mc:AlternateContent xmlns:mc="http://schemas.openxmlformats.org/markup-compatibility/2006">
-        <mc:Choice xmlns:a14="http://schemas.microsoft.com/office/drawing/2010/main" Requires="a14">
-          <p:sp>
-            <p:nvSpPr>
-              <p:cNvPr id="42" name="TextBox 41">
-                <a:extLst>
-                  <a:ext uri="{FF2B5EF4-FFF2-40B4-BE49-F238E27FC236}">
-                    <a16:creationId xmlns:a16="http://schemas.microsoft.com/office/drawing/2014/main" id="{50501B1D-14A9-ECD3-9AE4-BEDBFD9EF342}"/>
-                  </a:ext>
-                </a:extLst>
-              </p:cNvPr>
-              <p:cNvSpPr txBox="1"/>
-              <p:nvPr/>
-            </p:nvSpPr>
-            <p:spPr>
-              <a:xfrm>
-                <a:off x="586450" y="5640434"/>
-                <a:ext cx="7919604" cy="280077"/>
-              </a:xfrm>
-              <a:prstGeom prst="rect">
-                <a:avLst/>
-              </a:prstGeom>
-              <a:noFill/>
-            </p:spPr>
-            <p:txBody>
-              <a:bodyPr wrap="none" lIns="0" tIns="0" rIns="0" bIns="0" rtlCol="0">
-                <a:spAutoFit/>
-              </a:bodyPr>
-              <a:lstStyle/>
-              <a:p>
-                <a:pPr/>
-                <a14:m>
-                  <m:oMathPara xmlns:m="http://schemas.openxmlformats.org/officeDocument/2006/math">
-                    <m:oMathParaPr>
-                      <m:jc m:val="centerGroup"/>
-                    </m:oMathParaPr>
-                    <m:oMath xmlns:m="http://schemas.openxmlformats.org/officeDocument/2006/math">
-                      <m:sSup>
-                        <m:sSupPr>
-                          <m:ctrlPr>
-                            <a:rPr lang="en-US" b="0" i="1" smtClean="0">
-                              <a:latin typeface="Cambria Math" panose="02040503050406030204" pitchFamily="18" charset="0"/>
-                            </a:rPr>
-                          </m:ctrlPr>
-                        </m:sSupPr>
-                        <m:e>
-                          <m:r>
-                            <a:rPr lang="en-US" b="0" i="1" smtClean="0">
-                              <a:latin typeface="Cambria Math" panose="02040503050406030204" pitchFamily="18" charset="0"/>
-                            </a:rPr>
-                            <m:t>𝑌</m:t>
-                          </m:r>
-                        </m:e>
-                        <m:sup>
-                          <m:r>
-                            <a:rPr lang="en-US" b="0" i="1" smtClean="0">
-                              <a:latin typeface="Cambria Math" panose="02040503050406030204" pitchFamily="18" charset="0"/>
-                            </a:rPr>
-                            <m:t>′</m:t>
-                          </m:r>
-                        </m:sup>
-                      </m:sSup>
-                      <m:d>
-                        <m:dPr>
-                          <m:ctrlPr>
-                            <a:rPr lang="en-US" b="0" i="1" smtClean="0">
-                              <a:latin typeface="Cambria Math" panose="02040503050406030204" pitchFamily="18" charset="0"/>
-                            </a:rPr>
-                          </m:ctrlPr>
-                        </m:dPr>
-                        <m:e>
-                          <m:r>
-                            <a:rPr lang="en-US" b="0" i="1" smtClean="0">
-                              <a:latin typeface="Cambria Math" panose="02040503050406030204" pitchFamily="18" charset="0"/>
-                            </a:rPr>
-                            <m:t>𝑧</m:t>
-                          </m:r>
-                        </m:e>
-                      </m:d>
-                      <m:r>
-                        <a:rPr lang="en-US" b="0" i="1" smtClean="0">
-                          <a:latin typeface="Cambria Math" panose="02040503050406030204" pitchFamily="18" charset="0"/>
-                        </a:rPr>
-                        <m:t>=</m:t>
-                      </m:r>
-                      <m:r>
-                        <a:rPr lang="en-US" i="1">
-                          <a:latin typeface="Cambria Math" panose="02040503050406030204" pitchFamily="18" charset="0"/>
-                        </a:rPr>
-                        <m:t>5</m:t>
-                      </m:r>
-                      <m:sSup>
-                        <m:sSupPr>
-                          <m:ctrlPr>
-                            <a:rPr lang="en-US" i="1">
-                              <a:latin typeface="Cambria Math" panose="02040503050406030204" pitchFamily="18" charset="0"/>
-                            </a:rPr>
-                          </m:ctrlPr>
-                        </m:sSupPr>
-                        <m:e>
-                          <m:r>
-                            <a:rPr lang="en-US" i="1">
-                              <a:latin typeface="Cambria Math" panose="02040503050406030204" pitchFamily="18" charset="0"/>
-                            </a:rPr>
-                            <m:t>𝑧</m:t>
-                          </m:r>
-                        </m:e>
-                        <m:sup>
-                          <m:r>
-                            <a:rPr lang="en-US" i="1">
-                              <a:latin typeface="Cambria Math" panose="02040503050406030204" pitchFamily="18" charset="0"/>
-                            </a:rPr>
-                            <m:t>−1</m:t>
-                          </m:r>
-                        </m:sup>
-                      </m:sSup>
-                      <m:r>
-                        <a:rPr lang="en-US" i="1">
-                          <a:latin typeface="Cambria Math" panose="02040503050406030204" pitchFamily="18" charset="0"/>
-                        </a:rPr>
-                        <m:t>+10.1</m:t>
-                      </m:r>
-                      <m:sSup>
-                        <m:sSupPr>
-                          <m:ctrlPr>
-                            <a:rPr lang="en-US" i="1">
-                              <a:latin typeface="Cambria Math" panose="02040503050406030204" pitchFamily="18" charset="0"/>
-                            </a:rPr>
-                          </m:ctrlPr>
-                        </m:sSupPr>
-                        <m:e>
-                          <m:r>
-                            <a:rPr lang="en-US" i="1">
-                              <a:latin typeface="Cambria Math" panose="02040503050406030204" pitchFamily="18" charset="0"/>
-                            </a:rPr>
-                            <m:t>𝑧</m:t>
-                          </m:r>
-                        </m:e>
-                        <m:sup>
-                          <m:r>
-                            <a:rPr lang="en-US" i="1">
-                              <a:latin typeface="Cambria Math" panose="02040503050406030204" pitchFamily="18" charset="0"/>
-                            </a:rPr>
-                            <m:t>−2</m:t>
-                          </m:r>
-                        </m:sup>
-                      </m:sSup>
-                      <m:r>
-                        <a:rPr lang="en-US" i="1">
-                          <a:latin typeface="Cambria Math" panose="02040503050406030204" pitchFamily="18" charset="0"/>
-                        </a:rPr>
-                        <m:t>+20</m:t>
-                      </m:r>
-                      <m:sSup>
-                        <m:sSupPr>
-                          <m:ctrlPr>
-                            <a:rPr lang="en-US" i="1">
-                              <a:latin typeface="Cambria Math" panose="02040503050406030204" pitchFamily="18" charset="0"/>
-                            </a:rPr>
-                          </m:ctrlPr>
-                        </m:sSupPr>
-                        <m:e>
-                          <m:r>
-                            <a:rPr lang="en-US" i="1">
-                              <a:latin typeface="Cambria Math" panose="02040503050406030204" pitchFamily="18" charset="0"/>
-                            </a:rPr>
-                            <m:t>.03</m:t>
-                          </m:r>
-                          <m:r>
-                            <a:rPr lang="en-US" i="1">
-                              <a:latin typeface="Cambria Math" panose="02040503050406030204" pitchFamily="18" charset="0"/>
-                            </a:rPr>
-                            <m:t>𝑧</m:t>
-                          </m:r>
-                        </m:e>
-                        <m:sup>
-                          <m:r>
-                            <a:rPr lang="en-US" i="1">
-                              <a:latin typeface="Cambria Math" panose="02040503050406030204" pitchFamily="18" charset="0"/>
-                            </a:rPr>
-                            <m:t>−3</m:t>
-                          </m:r>
-                        </m:sup>
-                      </m:sSup>
-                      <m:r>
-                        <a:rPr lang="en-US" i="1">
-                          <a:latin typeface="Cambria Math" panose="02040503050406030204" pitchFamily="18" charset="0"/>
-                        </a:rPr>
-                        <m:t>+15 </m:t>
-                      </m:r>
-                      <m:sSup>
-                        <m:sSupPr>
-                          <m:ctrlPr>
-                            <a:rPr lang="en-US" i="1">
-                              <a:latin typeface="Cambria Math" panose="02040503050406030204" pitchFamily="18" charset="0"/>
-                            </a:rPr>
-                          </m:ctrlPr>
-                        </m:sSupPr>
-                        <m:e>
-                          <m:r>
-                            <a:rPr lang="en-US" i="1">
-                              <a:latin typeface="Cambria Math" panose="02040503050406030204" pitchFamily="18" charset="0"/>
-                            </a:rPr>
-                            <m:t>𝑧</m:t>
-                          </m:r>
-                        </m:e>
-                        <m:sup>
-                          <m:r>
-                            <a:rPr lang="en-US" i="1">
-                              <a:latin typeface="Cambria Math" panose="02040503050406030204" pitchFamily="18" charset="0"/>
-                            </a:rPr>
-                            <m:t>−4</m:t>
-                          </m:r>
-                        </m:sup>
-                      </m:sSup>
-                      <m:r>
-                        <a:rPr lang="en-US" i="1">
-                          <a:latin typeface="Cambria Math" panose="02040503050406030204" pitchFamily="18" charset="0"/>
-                        </a:rPr>
-                        <m:t>+30 </m:t>
-                      </m:r>
-                      <m:sSup>
-                        <m:sSupPr>
-                          <m:ctrlPr>
-                            <a:rPr lang="en-US" i="1">
-                              <a:latin typeface="Cambria Math" panose="02040503050406030204" pitchFamily="18" charset="0"/>
-                            </a:rPr>
-                          </m:ctrlPr>
-                        </m:sSupPr>
-                        <m:e>
-                          <m:r>
-                            <a:rPr lang="en-US" i="1">
-                              <a:latin typeface="Cambria Math" panose="02040503050406030204" pitchFamily="18" charset="0"/>
-                            </a:rPr>
-                            <m:t>𝑧</m:t>
-                          </m:r>
-                        </m:e>
-                        <m:sup>
-                          <m:r>
-                            <a:rPr lang="en-US" i="1">
-                              <a:latin typeface="Cambria Math" panose="02040503050406030204" pitchFamily="18" charset="0"/>
-                            </a:rPr>
-                            <m:t>−5</m:t>
-                          </m:r>
-                        </m:sup>
-                      </m:sSup>
-                      <m:r>
-                        <a:rPr lang="en-US" i="1">
-                          <a:latin typeface="Cambria Math" panose="02040503050406030204" pitchFamily="18" charset="0"/>
-                        </a:rPr>
-                        <m:t>+11.11</m:t>
-                      </m:r>
-                      <m:sSup>
-                        <m:sSupPr>
-                          <m:ctrlPr>
-                            <a:rPr lang="en-US" i="1">
-                              <a:latin typeface="Cambria Math" panose="02040503050406030204" pitchFamily="18" charset="0"/>
-                            </a:rPr>
-                          </m:ctrlPr>
-                        </m:sSupPr>
-                        <m:e>
-                          <m:r>
-                            <a:rPr lang="en-US" i="1">
-                              <a:latin typeface="Cambria Math" panose="02040503050406030204" pitchFamily="18" charset="0"/>
-                            </a:rPr>
-                            <m:t>𝑧</m:t>
-                          </m:r>
-                        </m:e>
-                        <m:sup>
-                          <m:r>
-                            <a:rPr lang="en-US" i="1">
-                              <a:latin typeface="Cambria Math" panose="02040503050406030204" pitchFamily="18" charset="0"/>
-                            </a:rPr>
-                            <m:t>−6</m:t>
-                          </m:r>
-                        </m:sup>
-                      </m:sSup>
-                      <m:r>
-                        <a:rPr lang="en-US" b="0" i="1" smtClean="0">
-                          <a:latin typeface="Cambria Math" panose="02040503050406030204" pitchFamily="18" charset="0"/>
-                        </a:rPr>
-                        <m:t>=</m:t>
-                      </m:r>
-                      <m:sSup>
-                        <m:sSupPr>
-                          <m:ctrlPr>
-                            <a:rPr lang="en-US" b="0" i="1" smtClean="0">
-                              <a:latin typeface="Cambria Math" panose="02040503050406030204" pitchFamily="18" charset="0"/>
-                            </a:rPr>
-                          </m:ctrlPr>
-                        </m:sSupPr>
-                        <m:e>
-                          <m:r>
-                            <a:rPr lang="en-US" b="0" i="1" smtClean="0">
-                              <a:latin typeface="Cambria Math" panose="02040503050406030204" pitchFamily="18" charset="0"/>
-                            </a:rPr>
-                            <m:t>𝑧</m:t>
-                          </m:r>
-                        </m:e>
-                        <m:sup>
-                          <m:r>
-                            <a:rPr lang="en-US" b="0" i="1" smtClean="0">
-                              <a:latin typeface="Cambria Math" panose="02040503050406030204" pitchFamily="18" charset="0"/>
-                            </a:rPr>
-                            <m:t>−1</m:t>
-                          </m:r>
-                        </m:sup>
-                      </m:sSup>
-                      <m:r>
-                        <a:rPr lang="en-US" b="0" i="1" smtClean="0">
-                          <a:latin typeface="Cambria Math" panose="02040503050406030204" pitchFamily="18" charset="0"/>
-                        </a:rPr>
-                        <m:t>𝑌</m:t>
-                      </m:r>
-                      <m:r>
-                        <a:rPr lang="en-US" b="0" i="1" smtClean="0">
-                          <a:latin typeface="Cambria Math" panose="02040503050406030204" pitchFamily="18" charset="0"/>
-                        </a:rPr>
-                        <m:t>(</m:t>
-                      </m:r>
-                      <m:r>
-                        <a:rPr lang="en-US" b="0" i="1" smtClean="0">
-                          <a:latin typeface="Cambria Math" panose="02040503050406030204" pitchFamily="18" charset="0"/>
-                        </a:rPr>
-                        <m:t>𝑧</m:t>
-                      </m:r>
-                      <m:r>
-                        <a:rPr lang="en-US" b="0" i="1" smtClean="0">
-                          <a:latin typeface="Cambria Math" panose="02040503050406030204" pitchFamily="18" charset="0"/>
-                        </a:rPr>
-                        <m:t>)</m:t>
-                      </m:r>
-                    </m:oMath>
-                  </m:oMathPara>
-                </a14:m>
-                <a:endParaRPr lang="en-US" b="0" dirty="0"/>
-              </a:p>
-            </p:txBody>
-          </p:sp>
-        </mc:Choice>
-        <mc:Fallback>
-          <p:sp>
-            <p:nvSpPr>
-              <p:cNvPr id="42" name="TextBox 41">
-                <a:extLst>
-                  <a:ext uri="{FF2B5EF4-FFF2-40B4-BE49-F238E27FC236}">
-                    <a16:creationId xmlns:a16="http://schemas.microsoft.com/office/drawing/2014/main" id="{50501B1D-14A9-ECD3-9AE4-BEDBFD9EF342}"/>
-                  </a:ext>
-                </a:extLst>
-              </p:cNvPr>
-              <p:cNvSpPr txBox="1">
-                <a:spLocks noRot="1" noChangeAspect="1" noMove="1" noResize="1" noEditPoints="1" noAdjustHandles="1" noChangeArrowheads="1" noChangeShapeType="1" noTextEdit="1"/>
-              </p:cNvSpPr>
-              <p:nvPr/>
-            </p:nvSpPr>
-            <p:spPr>
-              <a:xfrm>
-                <a:off x="586450" y="5640434"/>
-                <a:ext cx="7919604" cy="280077"/>
-              </a:xfrm>
-              <a:prstGeom prst="rect">
-                <a:avLst/>
-              </a:prstGeom>
-              <a:blipFill>
-                <a:blip r:embed="rId9"/>
-                <a:stretch>
-                  <a:fillRect t="-4348" b="-39130"/>
-                </a:stretch>
-              </a:blipFill>
-            </p:spPr>
-            <p:txBody>
-              <a:bodyPr/>
-              <a:lstStyle/>
-              <a:p>
-                <a:r>
-                  <a:rPr lang="en-US">
-                    <a:noFill/>
-                  </a:rPr>
-                  <a:t> </a:t>
-                </a:r>
-              </a:p>
-            </p:txBody>
-          </p:sp>
-        </mc:Fallback>
-      </mc:AlternateContent>
-    </p:spTree>
-    <p:extLst>
-      <p:ext uri="{BB962C8B-B14F-4D97-AF65-F5344CB8AC3E}">
-        <p14:creationId xmlns:p14="http://schemas.microsoft.com/office/powerpoint/2010/main" val="3003716209"/>
-      </p:ext>
-    </p:extLst>
-  </p:cSld>
-  <p:clrMapOvr>
-    <a:masterClrMapping/>
-  </p:clrMapOvr>
-  <p:timing>
-    <p:tnLst>
-      <p:par>
-        <p:cTn id="1" dur="indefinite" restart="never" nodeType="tmRoot">
-          <p:childTnLst>
-            <p:seq concurrent="1" nextAc="seek">
-              <p:cTn id="2" dur="indefinite" nodeType="mainSeq">
-                <p:childTnLst>
-                  <p:par>
-                    <p:cTn id="3" fill="hold">
-                      <p:stCondLst>
-                        <p:cond delay="indefinite"/>
-                      </p:stCondLst>
-                      <p:childTnLst>
-                        <p:par>
-                          <p:cTn id="4" fill="hold">
-                            <p:stCondLst>
-                              <p:cond delay="0"/>
-                            </p:stCondLst>
-                            <p:childTnLst>
-                              <p:par>
-                                <p:cTn id="5" presetID="3" presetClass="entr" presetSubtype="10" fill="hold" grpId="0" nodeType="clickEffect">
-                                  <p:stCondLst>
-                                    <p:cond delay="0"/>
-                                  </p:stCondLst>
-                                  <p:childTnLst>
-                                    <p:set>
-                                      <p:cBhvr>
-                                        <p:cTn id="6" dur="1" fill="hold">
-                                          <p:stCondLst>
-                                            <p:cond delay="0"/>
-                                          </p:stCondLst>
-                                        </p:cTn>
-                                        <p:tgtEl>
-                                          <p:spTgt spid="41"/>
-                                        </p:tgtEl>
-                                        <p:attrNameLst>
-                                          <p:attrName>style.visibility</p:attrName>
-                                        </p:attrNameLst>
-                                      </p:cBhvr>
-                                      <p:to>
-                                        <p:strVal val="visible"/>
-                                      </p:to>
-                                    </p:set>
-                                    <p:animEffect transition="in" filter="blinds(horizontal)">
-                                      <p:cBhvr>
-                                        <p:cTn id="7" dur="500"/>
-                                        <p:tgtEl>
-                                          <p:spTgt spid="41"/>
-                                        </p:tgtEl>
-                                      </p:cBhvr>
-                                    </p:animEffect>
-                                  </p:childTnLst>
-                                </p:cTn>
-                              </p:par>
-                              <p:par>
-                                <p:cTn id="8" presetID="3" presetClass="entr" presetSubtype="10" fill="hold" nodeType="withEffect">
-                                  <p:stCondLst>
-                                    <p:cond delay="0"/>
-                                  </p:stCondLst>
-                                  <p:childTnLst>
-                                    <p:set>
-                                      <p:cBhvr>
-                                        <p:cTn id="9" dur="1" fill="hold">
-                                          <p:stCondLst>
-                                            <p:cond delay="0"/>
-                                          </p:stCondLst>
-                                        </p:cTn>
-                                        <p:tgtEl>
-                                          <p:spTgt spid="40"/>
-                                        </p:tgtEl>
-                                        <p:attrNameLst>
-                                          <p:attrName>style.visibility</p:attrName>
-                                        </p:attrNameLst>
-                                      </p:cBhvr>
-                                      <p:to>
-                                        <p:strVal val="visible"/>
-                                      </p:to>
-                                    </p:set>
-                                    <p:animEffect transition="in" filter="blinds(horizontal)">
-                                      <p:cBhvr>
-                                        <p:cTn id="10" dur="500"/>
-                                        <p:tgtEl>
-                                          <p:spTgt spid="40"/>
-                                        </p:tgtEl>
-                                      </p:cBhvr>
-                                    </p:animEffect>
-                                  </p:childTnLst>
-                                </p:cTn>
-                              </p:par>
-                            </p:childTnLst>
-                          </p:cTn>
-                        </p:par>
-                      </p:childTnLst>
-                    </p:cTn>
-                  </p:par>
-                  <p:par>
-                    <p:cTn id="11" fill="hold">
-                      <p:stCondLst>
-                        <p:cond delay="indefinite"/>
-                      </p:stCondLst>
-                      <p:childTnLst>
-                        <p:par>
-                          <p:cTn id="12" fill="hold">
-                            <p:stCondLst>
-                              <p:cond delay="0"/>
-                            </p:stCondLst>
-                            <p:childTnLst>
-                              <p:par>
-                                <p:cTn id="13" presetID="1" presetClass="entr" presetSubtype="0" fill="hold" grpId="0" nodeType="clickEffect">
-                                  <p:stCondLst>
-                                    <p:cond delay="0"/>
-                                  </p:stCondLst>
-                                  <p:childTnLst>
-                                    <p:set>
-                                      <p:cBhvr>
-                                        <p:cTn id="14" dur="1" fill="hold">
-                                          <p:stCondLst>
-                                            <p:cond delay="0"/>
-                                          </p:stCondLst>
-                                        </p:cTn>
-                                        <p:tgtEl>
-                                          <p:spTgt spid="35"/>
-                                        </p:tgtEl>
-                                        <p:attrNameLst>
-                                          <p:attrName>style.visibility</p:attrName>
-                                        </p:attrNameLst>
-                                      </p:cBhvr>
-                                      <p:to>
-                                        <p:strVal val="visible"/>
-                                      </p:to>
-                                    </p:set>
-                                  </p:childTnLst>
-                                </p:cTn>
-                              </p:par>
-                              <p:par>
-                                <p:cTn id="15" presetID="1" presetClass="entr" presetSubtype="0" fill="hold" nodeType="withEffect">
-                                  <p:stCondLst>
-                                    <p:cond delay="0"/>
-                                  </p:stCondLst>
-                                  <p:childTnLst>
-                                    <p:set>
-                                      <p:cBhvr>
-                                        <p:cTn id="16" dur="1" fill="hold">
-                                          <p:stCondLst>
-                                            <p:cond delay="0"/>
-                                          </p:stCondLst>
-                                        </p:cTn>
-                                        <p:tgtEl>
-                                          <p:spTgt spid="9"/>
-                                        </p:tgtEl>
-                                        <p:attrNameLst>
-                                          <p:attrName>style.visibility</p:attrName>
-                                        </p:attrNameLst>
-                                      </p:cBhvr>
-                                      <p:to>
-                                        <p:strVal val="visible"/>
-                                      </p:to>
-                                    </p:set>
-                                  </p:childTnLst>
-                                </p:cTn>
-                              </p:par>
-                            </p:childTnLst>
-                          </p:cTn>
-                        </p:par>
-                      </p:childTnLst>
-                    </p:cTn>
-                  </p:par>
-                  <p:par>
-                    <p:cTn id="17" fill="hold">
-                      <p:stCondLst>
-                        <p:cond delay="indefinite"/>
-                      </p:stCondLst>
-                      <p:childTnLst>
-                        <p:par>
-                          <p:cTn id="18" fill="hold">
-                            <p:stCondLst>
-                              <p:cond delay="0"/>
-                            </p:stCondLst>
-                            <p:childTnLst>
-                              <p:par>
-                                <p:cTn id="19" presetID="1" presetClass="entr" presetSubtype="0" fill="hold" grpId="0" nodeType="clickEffect">
-                                  <p:stCondLst>
-                                    <p:cond delay="0"/>
-                                  </p:stCondLst>
-                                  <p:childTnLst>
-                                    <p:set>
-                                      <p:cBhvr>
-                                        <p:cTn id="20" dur="1" fill="hold">
-                                          <p:stCondLst>
-                                            <p:cond delay="0"/>
-                                          </p:stCondLst>
-                                        </p:cTn>
-                                        <p:tgtEl>
-                                          <p:spTgt spid="38"/>
-                                        </p:tgtEl>
-                                        <p:attrNameLst>
-                                          <p:attrName>style.visibility</p:attrName>
-                                        </p:attrNameLst>
-                                      </p:cBhvr>
-                                      <p:to>
-                                        <p:strVal val="visible"/>
-                                      </p:to>
-                                    </p:set>
-                                  </p:childTnLst>
-                                </p:cTn>
-                              </p:par>
-                            </p:childTnLst>
-                          </p:cTn>
-                        </p:par>
-                      </p:childTnLst>
-                    </p:cTn>
-                  </p:par>
-                  <p:par>
-                    <p:cTn id="21" fill="hold">
-                      <p:stCondLst>
-                        <p:cond delay="indefinite"/>
-                      </p:stCondLst>
-                      <p:childTnLst>
-                        <p:par>
-                          <p:cTn id="22" fill="hold">
-                            <p:stCondLst>
-                              <p:cond delay="0"/>
-                            </p:stCondLst>
-                            <p:childTnLst>
-                              <p:par>
-                                <p:cTn id="23" presetID="1" presetClass="entr" presetSubtype="0" fill="hold" grpId="0" nodeType="clickEffect">
-                                  <p:stCondLst>
-                                    <p:cond delay="0"/>
-                                  </p:stCondLst>
-                                  <p:childTnLst>
-                                    <p:set>
-                                      <p:cBhvr>
-                                        <p:cTn id="24" dur="1" fill="hold">
-                                          <p:stCondLst>
-                                            <p:cond delay="0"/>
-                                          </p:stCondLst>
-                                        </p:cTn>
-                                        <p:tgtEl>
-                                          <p:spTgt spid="32"/>
-                                        </p:tgtEl>
-                                        <p:attrNameLst>
-                                          <p:attrName>style.visibility</p:attrName>
-                                        </p:attrNameLst>
-                                      </p:cBhvr>
-                                      <p:to>
-                                        <p:strVal val="visible"/>
-                                      </p:to>
-                                    </p:set>
-                                  </p:childTnLst>
-                                </p:cTn>
-                              </p:par>
-                              <p:par>
-                                <p:cTn id="25" presetID="1" presetClass="entr" presetSubtype="0" fill="hold" grpId="0" nodeType="withEffect">
-                                  <p:stCondLst>
-                                    <p:cond delay="0"/>
-                                  </p:stCondLst>
-                                  <p:childTnLst>
-                                    <p:set>
-                                      <p:cBhvr>
-                                        <p:cTn id="26" dur="1" fill="hold">
-                                          <p:stCondLst>
-                                            <p:cond delay="0"/>
-                                          </p:stCondLst>
-                                        </p:cTn>
-                                        <p:tgtEl>
-                                          <p:spTgt spid="33"/>
-                                        </p:tgtEl>
-                                        <p:attrNameLst>
-                                          <p:attrName>style.visibility</p:attrName>
-                                        </p:attrNameLst>
-                                      </p:cBhvr>
-                                      <p:to>
-                                        <p:strVal val="visible"/>
-                                      </p:to>
-                                    </p:set>
-                                  </p:childTnLst>
-                                </p:cTn>
-                              </p:par>
-                            </p:childTnLst>
-                          </p:cTn>
-                        </p:par>
-                      </p:childTnLst>
-                    </p:cTn>
-                  </p:par>
-                  <p:par>
-                    <p:cTn id="27" fill="hold">
-                      <p:stCondLst>
-                        <p:cond delay="indefinite"/>
-                      </p:stCondLst>
-                      <p:childTnLst>
-                        <p:par>
-                          <p:cTn id="28" fill="hold">
-                            <p:stCondLst>
-                              <p:cond delay="0"/>
-                            </p:stCondLst>
-                            <p:childTnLst>
-                              <p:par>
-                                <p:cTn id="29" presetID="3" presetClass="entr" presetSubtype="10" fill="hold" grpId="0" nodeType="clickEffect">
-                                  <p:stCondLst>
-                                    <p:cond delay="0"/>
-                                  </p:stCondLst>
-                                  <p:childTnLst>
-                                    <p:set>
-                                      <p:cBhvr>
-                                        <p:cTn id="30" dur="1" fill="hold">
-                                          <p:stCondLst>
-                                            <p:cond delay="0"/>
-                                          </p:stCondLst>
-                                        </p:cTn>
-                                        <p:tgtEl>
-                                          <p:spTgt spid="39"/>
-                                        </p:tgtEl>
-                                        <p:attrNameLst>
-                                          <p:attrName>style.visibility</p:attrName>
-                                        </p:attrNameLst>
-                                      </p:cBhvr>
-                                      <p:to>
-                                        <p:strVal val="visible"/>
-                                      </p:to>
-                                    </p:set>
-                                    <p:animEffect transition="in" filter="blinds(horizontal)">
-                                      <p:cBhvr>
-                                        <p:cTn id="31" dur="500"/>
-                                        <p:tgtEl>
-                                          <p:spTgt spid="39"/>
-                                        </p:tgtEl>
-                                      </p:cBhvr>
-                                    </p:animEffect>
-                                  </p:childTnLst>
-                                </p:cTn>
-                              </p:par>
-                              <p:par>
-                                <p:cTn id="32" presetID="3" presetClass="entr" presetSubtype="10" fill="hold" grpId="0" nodeType="withEffect">
-                                  <p:stCondLst>
-                                    <p:cond delay="0"/>
-                                  </p:stCondLst>
-                                  <p:childTnLst>
-                                    <p:set>
-                                      <p:cBhvr>
-                                        <p:cTn id="33" dur="1" fill="hold">
-                                          <p:stCondLst>
-                                            <p:cond delay="0"/>
-                                          </p:stCondLst>
-                                        </p:cTn>
-                                        <p:tgtEl>
-                                          <p:spTgt spid="42"/>
-                                        </p:tgtEl>
-                                        <p:attrNameLst>
-                                          <p:attrName>style.visibility</p:attrName>
-                                        </p:attrNameLst>
-                                      </p:cBhvr>
-                                      <p:to>
-                                        <p:strVal val="visible"/>
-                                      </p:to>
-                                    </p:set>
-                                    <p:animEffect transition="in" filter="blinds(horizontal)">
-                                      <p:cBhvr>
-                                        <p:cTn id="34" dur="500"/>
-                                        <p:tgtEl>
-                                          <p:spTgt spid="42"/>
-                                        </p:tgtEl>
-                                      </p:cBhvr>
-                                    </p:animEffect>
-                                  </p:childTnLst>
-                                </p:cTn>
-                              </p:par>
-                            </p:childTnLst>
-                          </p:cTn>
-                        </p:par>
-                      </p:childTnLst>
-                    </p:cTn>
-                  </p:par>
-                </p:childTnLst>
-              </p:cTn>
-              <p:prevCondLst>
-                <p:cond evt="onPrev" delay="0">
-                  <p:tgtEl>
-                    <p:sldTgt/>
-                  </p:tgtEl>
-                </p:cond>
-              </p:prevCondLst>
-              <p:nextCondLst>
-                <p:cond evt="onNext" delay="0">
-                  <p:tgtEl>
-                    <p:sldTgt/>
-                  </p:tgtEl>
-                </p:cond>
-              </p:nextCondLst>
-            </p:seq>
-          </p:childTnLst>
-        </p:cTn>
-      </p:par>
-    </p:tnLst>
-    <p:bldLst>
-      <p:bldP spid="32" grpId="0"/>
-      <p:bldP spid="33" grpId="0"/>
-      <p:bldP spid="35" grpId="0"/>
-      <p:bldP spid="38" grpId="0"/>
-      <p:bldP spid="39" grpId="0"/>
-      <p:bldP spid="41" grpId="0"/>
-      <p:bldP spid="42" grpId="0"/>
     </p:bldLst>
   </p:timing>
 </p:sld>
